--- a/presentation/msi.pptx
+++ b/presentation/msi.pptx
@@ -5,7 +5,7 @@
     <p:sldMasterId id="2147483660" r:id="rId1"/>
   </p:sldMasterIdLst>
   <p:notesMasterIdLst>
-    <p:notesMasterId r:id="rId18"/>
+    <p:notesMasterId r:id="rId22"/>
   </p:notesMasterIdLst>
   <p:sldIdLst>
     <p:sldId id="256" r:id="rId2"/>
@@ -15,15 +15,19 @@
     <p:sldId id="259" r:id="rId6"/>
     <p:sldId id="261" r:id="rId7"/>
     <p:sldId id="262" r:id="rId8"/>
-    <p:sldId id="273" r:id="rId9"/>
+    <p:sldId id="274" r:id="rId9"/>
     <p:sldId id="263" r:id="rId10"/>
     <p:sldId id="264" r:id="rId11"/>
     <p:sldId id="267" r:id="rId12"/>
     <p:sldId id="268" r:id="rId13"/>
-    <p:sldId id="266" r:id="rId14"/>
-    <p:sldId id="270" r:id="rId15"/>
+    <p:sldId id="270" r:id="rId14"/>
+    <p:sldId id="271" r:id="rId15"/>
     <p:sldId id="272" r:id="rId16"/>
-    <p:sldId id="271" r:id="rId17"/>
+    <p:sldId id="275" r:id="rId17"/>
+    <p:sldId id="276" r:id="rId18"/>
+    <p:sldId id="277" r:id="rId19"/>
+    <p:sldId id="278" r:id="rId20"/>
+    <p:sldId id="279" r:id="rId21"/>
   </p:sldIdLst>
   <p:sldSz cx="9144000" cy="6858000" type="screen4x3"/>
   <p:notesSz cx="6858000" cy="9144000"/>
@@ -122,6 +126,11 @@
       </a:defRPr>
     </a:lvl9pPr>
   </p:defaultTextStyle>
+  <p:extLst>
+    <p:ext uri="{EFAFB233-063F-42B5-8137-9DF3F51BA10A}">
+      <p15:sldGuideLst xmlns:p15="http://schemas.microsoft.com/office/powerpoint/2012/main"/>
+    </p:ext>
+  </p:extLst>
 </p:presentation>
 </file>
 
@@ -207,7 +216,7 @@
           <a:p>
             <a:fld id="{69DA5102-A676-4635-9CFA-148E356E891E}" type="datetimeFigureOut">
               <a:rPr lang="zh-CN" altLang="en-US" smtClean="0"/>
-              <a:t>2016/3/20</a:t>
+              <a:t>2016/3/21</a:t>
             </a:fld>
             <a:endParaRPr lang="zh-CN" altLang="en-US"/>
           </a:p>
@@ -784,6 +793,90 @@
           <a:bodyPr/>
           <a:lstStyle/>
           <a:p>
+            <a:endParaRPr lang="zh-CN" altLang="en-US" dirty="0"/>
+          </a:p>
+        </p:txBody>
+      </p:sp>
+      <p:sp>
+        <p:nvSpPr>
+          <p:cNvPr id="4" name="灯片编号占位符 3"/>
+          <p:cNvSpPr>
+            <a:spLocks noGrp="1"/>
+          </p:cNvSpPr>
+          <p:nvPr>
+            <p:ph type="sldNum" sz="quarter" idx="10"/>
+          </p:nvPr>
+        </p:nvSpPr>
+        <p:spPr/>
+        <p:txBody>
+          <a:bodyPr/>
+          <a:lstStyle/>
+          <a:p>
+            <a:fld id="{2EF43EBA-0515-4AB4-A88F-C31CD14BA52F}" type="slidenum">
+              <a:rPr lang="zh-CN" altLang="en-US" smtClean="0"/>
+              <a:t>13</a:t>
+            </a:fld>
+            <a:endParaRPr lang="zh-CN" altLang="en-US"/>
+          </a:p>
+        </p:txBody>
+      </p:sp>
+    </p:spTree>
+    <p:extLst>
+      <p:ext uri="{BB962C8B-B14F-4D97-AF65-F5344CB8AC3E}">
+        <p14:creationId xmlns:p14="http://schemas.microsoft.com/office/powerpoint/2010/main" val="3129183144"/>
+      </p:ext>
+    </p:extLst>
+  </p:cSld>
+  <p:clrMapOvr>
+    <a:masterClrMapping/>
+  </p:clrMapOvr>
+</p:notes>
+</file>
+
+<file path=ppt/notesSlides/notesSlide5.xml><?xml version="1.0" encoding="utf-8"?>
+<p:notes xmlns:a="http://schemas.openxmlformats.org/drawingml/2006/main" xmlns:r="http://schemas.openxmlformats.org/officeDocument/2006/relationships" xmlns:p="http://schemas.openxmlformats.org/presentationml/2006/main">
+  <p:cSld>
+    <p:spTree>
+      <p:nvGrpSpPr>
+        <p:cNvPr id="1" name=""/>
+        <p:cNvGrpSpPr/>
+        <p:nvPr/>
+      </p:nvGrpSpPr>
+      <p:grpSpPr>
+        <a:xfrm>
+          <a:off x="0" y="0"/>
+          <a:ext cx="0" cy="0"/>
+          <a:chOff x="0" y="0"/>
+          <a:chExt cx="0" cy="0"/>
+        </a:xfrm>
+      </p:grpSpPr>
+      <p:sp>
+        <p:nvSpPr>
+          <p:cNvPr id="2" name="幻灯片图像占位符 1"/>
+          <p:cNvSpPr>
+            <a:spLocks noGrp="1" noRot="1" noChangeAspect="1"/>
+          </p:cNvSpPr>
+          <p:nvPr>
+            <p:ph type="sldImg"/>
+          </p:nvPr>
+        </p:nvSpPr>
+        <p:spPr/>
+      </p:sp>
+      <p:sp>
+        <p:nvSpPr>
+          <p:cNvPr id="3" name="备注占位符 2"/>
+          <p:cNvSpPr>
+            <a:spLocks noGrp="1"/>
+          </p:cNvSpPr>
+          <p:nvPr>
+            <p:ph type="body" idx="1"/>
+          </p:nvPr>
+        </p:nvSpPr>
+        <p:spPr/>
+        <p:txBody>
+          <a:bodyPr/>
+          <a:lstStyle/>
+          <a:p>
             <a:r>
               <a:rPr lang="zh-CN" altLang="en-US" dirty="0" smtClean="0"/>
               <a:t>可以看出，一次异常炉况后，高炉往往很难完全恢复到之前的状态。</a:t>
@@ -809,7 +902,7 @@
           <a:p>
             <a:fld id="{2EF43EBA-0515-4AB4-A88F-C31CD14BA52F}" type="slidenum">
               <a:rPr lang="zh-CN" altLang="en-US" smtClean="0"/>
-              <a:t>16</a:t>
+              <a:t>14</a:t>
             </a:fld>
             <a:endParaRPr lang="zh-CN" altLang="en-US"/>
           </a:p>
@@ -819,6 +912,94 @@
     <p:extLst>
       <p:ext uri="{BB962C8B-B14F-4D97-AF65-F5344CB8AC3E}">
         <p14:creationId xmlns:p14="http://schemas.microsoft.com/office/powerpoint/2010/main" val="676716920"/>
+      </p:ext>
+    </p:extLst>
+  </p:cSld>
+  <p:clrMapOvr>
+    <a:masterClrMapping/>
+  </p:clrMapOvr>
+</p:notes>
+</file>
+
+<file path=ppt/notesSlides/notesSlide6.xml><?xml version="1.0" encoding="utf-8"?>
+<p:notes xmlns:a="http://schemas.openxmlformats.org/drawingml/2006/main" xmlns:r="http://schemas.openxmlformats.org/officeDocument/2006/relationships" xmlns:p="http://schemas.openxmlformats.org/presentationml/2006/main">
+  <p:cSld>
+    <p:spTree>
+      <p:nvGrpSpPr>
+        <p:cNvPr id="1" name=""/>
+        <p:cNvGrpSpPr/>
+        <p:nvPr/>
+      </p:nvGrpSpPr>
+      <p:grpSpPr>
+        <a:xfrm>
+          <a:off x="0" y="0"/>
+          <a:ext cx="0" cy="0"/>
+          <a:chOff x="0" y="0"/>
+          <a:chExt cx="0" cy="0"/>
+        </a:xfrm>
+      </p:grpSpPr>
+      <p:sp>
+        <p:nvSpPr>
+          <p:cNvPr id="2" name="幻灯片图像占位符 1"/>
+          <p:cNvSpPr>
+            <a:spLocks noGrp="1" noRot="1" noChangeAspect="1"/>
+          </p:cNvSpPr>
+          <p:nvPr>
+            <p:ph type="sldImg"/>
+          </p:nvPr>
+        </p:nvSpPr>
+        <p:spPr/>
+      </p:sp>
+      <p:sp>
+        <p:nvSpPr>
+          <p:cNvPr id="3" name="备注占位符 2"/>
+          <p:cNvSpPr>
+            <a:spLocks noGrp="1"/>
+          </p:cNvSpPr>
+          <p:nvPr>
+            <p:ph type="body" idx="1"/>
+          </p:nvPr>
+        </p:nvSpPr>
+        <p:spPr/>
+        <p:txBody>
+          <a:bodyPr/>
+          <a:lstStyle/>
+          <a:p>
+            <a:r>
+              <a:rPr lang="zh-CN" altLang="en-US" dirty="0" smtClean="0"/>
+              <a:t>可以看出炉况呈周期性的波动</a:t>
+            </a:r>
+            <a:endParaRPr lang="zh-CN" altLang="en-US" dirty="0"/>
+          </a:p>
+        </p:txBody>
+      </p:sp>
+      <p:sp>
+        <p:nvSpPr>
+          <p:cNvPr id="4" name="灯片编号占位符 3"/>
+          <p:cNvSpPr>
+            <a:spLocks noGrp="1"/>
+          </p:cNvSpPr>
+          <p:nvPr>
+            <p:ph type="sldNum" sz="quarter" idx="10"/>
+          </p:nvPr>
+        </p:nvSpPr>
+        <p:spPr/>
+        <p:txBody>
+          <a:bodyPr/>
+          <a:lstStyle/>
+          <a:p>
+            <a:fld id="{2EF43EBA-0515-4AB4-A88F-C31CD14BA52F}" type="slidenum">
+              <a:rPr lang="zh-CN" altLang="en-US" smtClean="0"/>
+              <a:t>15</a:t>
+            </a:fld>
+            <a:endParaRPr lang="zh-CN" altLang="en-US"/>
+          </a:p>
+        </p:txBody>
+      </p:sp>
+    </p:spTree>
+    <p:extLst>
+      <p:ext uri="{BB962C8B-B14F-4D97-AF65-F5344CB8AC3E}">
+        <p14:creationId xmlns:p14="http://schemas.microsoft.com/office/powerpoint/2010/main" val="2292526850"/>
       </p:ext>
     </p:extLst>
   </p:cSld>
@@ -959,7 +1140,7 @@
           <a:p>
             <a:fld id="{A3B48B78-41FE-4451-A652-F7987494B724}" type="datetimeFigureOut">
               <a:rPr lang="zh-CN" altLang="en-US" smtClean="0"/>
-              <a:t>2016/3/20</a:t>
+              <a:t>2016/3/21</a:t>
             </a:fld>
             <a:endParaRPr lang="zh-CN" altLang="en-US"/>
           </a:p>
@@ -1129,7 +1310,7 @@
           <a:p>
             <a:fld id="{A3B48B78-41FE-4451-A652-F7987494B724}" type="datetimeFigureOut">
               <a:rPr lang="zh-CN" altLang="en-US" smtClean="0"/>
-              <a:t>2016/3/20</a:t>
+              <a:t>2016/3/21</a:t>
             </a:fld>
             <a:endParaRPr lang="zh-CN" altLang="en-US"/>
           </a:p>
@@ -1309,7 +1490,7 @@
           <a:p>
             <a:fld id="{A3B48B78-41FE-4451-A652-F7987494B724}" type="datetimeFigureOut">
               <a:rPr lang="zh-CN" altLang="en-US" smtClean="0"/>
-              <a:t>2016/3/20</a:t>
+              <a:t>2016/3/21</a:t>
             </a:fld>
             <a:endParaRPr lang="zh-CN" altLang="en-US"/>
           </a:p>
@@ -1479,7 +1660,7 @@
           <a:p>
             <a:fld id="{A3B48B78-41FE-4451-A652-F7987494B724}" type="datetimeFigureOut">
               <a:rPr lang="zh-CN" altLang="en-US" smtClean="0"/>
-              <a:t>2016/3/20</a:t>
+              <a:t>2016/3/21</a:t>
             </a:fld>
             <a:endParaRPr lang="zh-CN" altLang="en-US"/>
           </a:p>
@@ -1723,7 +1904,7 @@
           <a:p>
             <a:fld id="{A3B48B78-41FE-4451-A652-F7987494B724}" type="datetimeFigureOut">
               <a:rPr lang="zh-CN" altLang="en-US" smtClean="0"/>
-              <a:t>2016/3/20</a:t>
+              <a:t>2016/3/21</a:t>
             </a:fld>
             <a:endParaRPr lang="zh-CN" altLang="en-US"/>
           </a:p>
@@ -1955,7 +2136,7 @@
           <a:p>
             <a:fld id="{A3B48B78-41FE-4451-A652-F7987494B724}" type="datetimeFigureOut">
               <a:rPr lang="zh-CN" altLang="en-US" smtClean="0"/>
-              <a:t>2016/3/20</a:t>
+              <a:t>2016/3/21</a:t>
             </a:fld>
             <a:endParaRPr lang="zh-CN" altLang="en-US"/>
           </a:p>
@@ -2322,7 +2503,7 @@
           <a:p>
             <a:fld id="{A3B48B78-41FE-4451-A652-F7987494B724}" type="datetimeFigureOut">
               <a:rPr lang="zh-CN" altLang="en-US" smtClean="0"/>
-              <a:t>2016/3/20</a:t>
+              <a:t>2016/3/21</a:t>
             </a:fld>
             <a:endParaRPr lang="zh-CN" altLang="en-US"/>
           </a:p>
@@ -2440,7 +2621,7 @@
           <a:p>
             <a:fld id="{A3B48B78-41FE-4451-A652-F7987494B724}" type="datetimeFigureOut">
               <a:rPr lang="zh-CN" altLang="en-US" smtClean="0"/>
-              <a:t>2016/3/20</a:t>
+              <a:t>2016/3/21</a:t>
             </a:fld>
             <a:endParaRPr lang="zh-CN" altLang="en-US"/>
           </a:p>
@@ -2535,7 +2716,7 @@
           <a:p>
             <a:fld id="{A3B48B78-41FE-4451-A652-F7987494B724}" type="datetimeFigureOut">
               <a:rPr lang="zh-CN" altLang="en-US" smtClean="0"/>
-              <a:t>2016/3/20</a:t>
+              <a:t>2016/3/21</a:t>
             </a:fld>
             <a:endParaRPr lang="zh-CN" altLang="en-US"/>
           </a:p>
@@ -2812,7 +2993,7 @@
           <a:p>
             <a:fld id="{A3B48B78-41FE-4451-A652-F7987494B724}" type="datetimeFigureOut">
               <a:rPr lang="zh-CN" altLang="en-US" smtClean="0"/>
-              <a:t>2016/3/20</a:t>
+              <a:t>2016/3/21</a:t>
             </a:fld>
             <a:endParaRPr lang="zh-CN" altLang="en-US"/>
           </a:p>
@@ -3069,7 +3250,7 @@
           <a:p>
             <a:fld id="{A3B48B78-41FE-4451-A652-F7987494B724}" type="datetimeFigureOut">
               <a:rPr lang="zh-CN" altLang="en-US" smtClean="0"/>
-              <a:t>2016/3/20</a:t>
+              <a:t>2016/3/21</a:t>
             </a:fld>
             <a:endParaRPr lang="zh-CN" altLang="en-US"/>
           </a:p>
@@ -3282,7 +3463,7 @@
           <a:p>
             <a:fld id="{A3B48B78-41FE-4451-A652-F7987494B724}" type="datetimeFigureOut">
               <a:rPr lang="zh-CN" altLang="en-US" smtClean="0"/>
-              <a:t>2016/3/20</a:t>
+              <a:t>2016/3/21</a:t>
             </a:fld>
             <a:endParaRPr lang="zh-CN" altLang="en-US"/>
           </a:p>
@@ -3825,13 +4006,54 @@
           </a:p>
           <a:p>
             <a:r>
-              <a:rPr lang="zh-CN" altLang="en-US" dirty="0"/>
+              <a:rPr lang="zh-CN" altLang="en-US" dirty="0" smtClean="0"/>
+              <a:t>高炉炉况的复杂多变和内部状态的不可测，使得基于某一段历史数据的建模很难有普遍代表性</a:t>
+            </a:r>
+            <a:r>
+              <a:rPr lang="zh-CN" altLang="en-US" dirty="0" smtClean="0"/>
+              <a:t>。</a:t>
+            </a:r>
+            <a:r>
+              <a:rPr lang="zh-CN" altLang="en-US" dirty="0" smtClean="0"/>
               <a:t>尽可能</a:t>
             </a:r>
             <a:r>
               <a:rPr lang="zh-CN" altLang="en-US" dirty="0" smtClean="0"/>
-              <a:t>多的利用历史数据</a:t>
-            </a:r>
+              <a:t>多的利用历史</a:t>
+            </a:r>
+            <a:r>
+              <a:rPr lang="zh-CN" altLang="en-US" dirty="0" smtClean="0"/>
+              <a:t>数据的信息，可以使得检测性能更加鲁棒。同时，又需要避免漏报率的上升。</a:t>
+            </a:r>
+            <a:endParaRPr lang="en-US" altLang="zh-CN" dirty="0" smtClean="0"/>
+          </a:p>
+          <a:p>
+            <a:r>
+              <a:rPr lang="zh-CN" altLang="en-US" sz="2800" dirty="0" smtClean="0"/>
+              <a:t>历史</a:t>
+            </a:r>
+            <a:r>
+              <a:rPr lang="zh-CN" altLang="en-US" sz="2800" dirty="0"/>
+              <a:t>数据中，顺行炉况占</a:t>
+            </a:r>
+            <a:r>
+              <a:rPr lang="zh-CN" altLang="en-US" sz="2800" dirty="0" smtClean="0"/>
+              <a:t>大多数</a:t>
+            </a:r>
+            <a:endParaRPr lang="en-US" altLang="zh-CN" sz="2800" dirty="0" smtClean="0"/>
+          </a:p>
+          <a:p>
+            <a:r>
+              <a:rPr lang="en-US" altLang="zh-CN" sz="2800" dirty="0" smtClean="0"/>
+              <a:t>PCA</a:t>
+            </a:r>
+            <a:r>
+              <a:rPr lang="zh-CN" altLang="en-US" sz="2800" dirty="0"/>
+              <a:t>模型对所有样本点敏感</a:t>
+            </a:r>
+            <a:endParaRPr lang="en-US" altLang="zh-CN" sz="2800" dirty="0"/>
+          </a:p>
+          <a:p>
             <a:endParaRPr lang="zh-CN" altLang="en-US" dirty="0"/>
           </a:p>
         </p:txBody>
@@ -4099,7 +4321,15 @@
           <a:p>
             <a:r>
               <a:rPr lang="zh-CN" altLang="en-US" dirty="0" smtClean="0"/>
-              <a:t>如何利用全部历史数据</a:t>
+              <a:t>基于</a:t>
+            </a:r>
+            <a:r>
+              <a:rPr lang="en-US" altLang="zh-CN" dirty="0" smtClean="0"/>
+              <a:t>MSI</a:t>
+            </a:r>
+            <a:r>
+              <a:rPr lang="zh-CN" altLang="en-US" dirty="0" smtClean="0"/>
+              <a:t>的大数据分析</a:t>
             </a:r>
             <a:endParaRPr lang="zh-CN" altLang="en-US" dirty="0"/>
           </a:p>
@@ -4121,12 +4351,52 @@
           <a:lstStyle/>
           <a:p>
             <a:r>
+              <a:rPr lang="zh-CN" altLang="zh-CN" dirty="0" smtClean="0"/>
+              <a:t>建立时间</a:t>
+            </a:r>
+            <a:r>
               <a:rPr lang="zh-CN" altLang="en-US" dirty="0"/>
-              <a:t>基本</a:t>
+              <a:t>窗口</a:t>
+            </a:r>
+            <a:r>
+              <a:rPr lang="zh-CN" altLang="zh-CN" dirty="0"/>
+              <a:t>长度为</a:t>
+            </a:r>
+            <a:r>
+              <a:rPr lang="en-US" altLang="zh-CN" dirty="0"/>
+              <a:t>24</a:t>
+            </a:r>
+            <a:r>
+              <a:rPr lang="zh-CN" altLang="zh-CN" dirty="0" smtClean="0"/>
+              <a:t>小时</a:t>
             </a:r>
             <a:r>
               <a:rPr lang="zh-CN" altLang="en-US" dirty="0" smtClean="0"/>
-              <a:t>假设</a:t>
+              <a:t>、步长</a:t>
+            </a:r>
+            <a:r>
+              <a:rPr lang="zh-CN" altLang="zh-CN" dirty="0" smtClean="0"/>
+              <a:t>为</a:t>
+            </a:r>
+            <a:r>
+              <a:rPr lang="en-US" altLang="zh-CN" dirty="0"/>
+              <a:t>1</a:t>
+            </a:r>
+            <a:r>
+              <a:rPr lang="zh-CN" altLang="zh-CN" dirty="0" smtClean="0"/>
+              <a:t>小时的</a:t>
+            </a:r>
+            <a:r>
+              <a:rPr lang="en-US" altLang="zh-CN" dirty="0" smtClean="0"/>
+              <a:t>PCA</a:t>
+            </a:r>
+            <a:r>
+              <a:rPr lang="zh-CN" altLang="zh-CN" dirty="0" smtClean="0"/>
+              <a:t>模型</a:t>
+            </a:r>
+            <a:r>
+              <a:rPr lang="zh-CN" altLang="en-US" dirty="0" smtClean="0"/>
+              <a:t>。</a:t>
             </a:r>
             <a:endParaRPr lang="en-US" altLang="zh-CN" dirty="0" smtClean="0"/>
           </a:p>
@@ -4134,23 +4404,113 @@
             <a:pPr lvl="1"/>
             <a:r>
               <a:rPr lang="zh-CN" altLang="en-US" dirty="0" smtClean="0"/>
-              <a:t>历史</a:t>
-            </a:r>
-            <a:r>
-              <a:rPr lang="zh-CN" altLang="en-US" dirty="0"/>
-              <a:t>数据中，顺行炉况占大多数</a:t>
+              <a:t>参数设置的标准是，既要</a:t>
+            </a:r>
+            <a:r>
+              <a:rPr lang="zh-CN" altLang="zh-CN" dirty="0" smtClean="0"/>
+              <a:t>保证</a:t>
+            </a:r>
+            <a:r>
+              <a:rPr lang="zh-CN" altLang="en-US" dirty="0" smtClean="0"/>
+              <a:t>模型</a:t>
+            </a:r>
+            <a:r>
+              <a:rPr lang="zh-CN" altLang="zh-CN" dirty="0" smtClean="0"/>
+              <a:t>足够平稳，</a:t>
+            </a:r>
+            <a:r>
+              <a:rPr lang="zh-CN" altLang="zh-CN" dirty="0"/>
+              <a:t>又要</a:t>
+            </a:r>
+            <a:r>
+              <a:rPr lang="zh-CN" altLang="zh-CN" dirty="0" smtClean="0"/>
+              <a:t>反映出系统的</a:t>
+            </a:r>
+            <a:r>
+              <a:rPr lang="zh-CN" altLang="zh-CN" dirty="0"/>
+              <a:t>动态特性</a:t>
+            </a:r>
+            <a:r>
+              <a:rPr lang="zh-CN" altLang="zh-CN" dirty="0" smtClean="0"/>
+              <a:t>。</a:t>
+            </a:r>
+            <a:endParaRPr lang="en-US" altLang="zh-CN" dirty="0" smtClean="0"/>
+          </a:p>
+          <a:p>
+            <a:pPr lvl="1"/>
+            <a:r>
+              <a:rPr lang="en-US" altLang="zh-CN" dirty="0" smtClean="0"/>
+              <a:t>P(t)=</a:t>
+            </a:r>
+            <a:r>
+              <a:rPr lang="en-US" altLang="zh-CN" dirty="0" err="1" smtClean="0"/>
+              <a:t>pca</a:t>
+            </a:r>
+            <a:r>
+              <a:rPr lang="en-US" altLang="zh-CN" dirty="0" smtClean="0"/>
+              <a:t>(data[t-24+1:t,:])</a:t>
+            </a:r>
+          </a:p>
+          <a:p>
+            <a:r>
+              <a:rPr lang="zh-CN" altLang="en-US" dirty="0" smtClean="0"/>
+              <a:t>计算每个</a:t>
+            </a:r>
+            <a:r>
+              <a:rPr lang="en-US" altLang="zh-CN" dirty="0" smtClean="0"/>
+              <a:t>PCA</a:t>
+            </a:r>
+            <a:r>
+              <a:rPr lang="zh-CN" altLang="en-US" dirty="0" smtClean="0"/>
+              <a:t>之间的模型相似度。</a:t>
             </a:r>
             <a:endParaRPr lang="en-US" altLang="zh-CN" dirty="0"/>
           </a:p>
           <a:p>
-            <a:endParaRPr lang="zh-CN" altLang="en-US" dirty="0"/>
+            <a:pPr lvl="1"/>
+            <a:r>
+              <a:rPr lang="zh-CN" altLang="en-US" dirty="0" smtClean="0"/>
+              <a:t>包括狭义相似度和广义相似度</a:t>
+            </a:r>
+            <a:endParaRPr lang="en-US" altLang="zh-CN" dirty="0" smtClean="0"/>
+          </a:p>
+          <a:p>
+            <a:pPr lvl="1"/>
+            <a:r>
+              <a:rPr lang="en-US" altLang="zh-CN" dirty="0" smtClean="0"/>
+              <a:t>S(</a:t>
+            </a:r>
+            <a:r>
+              <a:rPr lang="en-US" altLang="zh-CN" dirty="0" err="1" smtClean="0"/>
+              <a:t>i,j</a:t>
+            </a:r>
+            <a:r>
+              <a:rPr lang="en-US" altLang="zh-CN" dirty="0" smtClean="0"/>
+              <a:t>)=sim(P(</a:t>
+            </a:r>
+            <a:r>
+              <a:rPr lang="en-US" altLang="zh-CN" dirty="0" err="1" smtClean="0"/>
+              <a:t>i</a:t>
+            </a:r>
+            <a:r>
+              <a:rPr lang="en-US" altLang="zh-CN" dirty="0" smtClean="0"/>
+              <a:t>),P(j))</a:t>
+            </a:r>
+            <a:endParaRPr lang="en-US" altLang="zh-CN" dirty="0"/>
+          </a:p>
+          <a:p>
+            <a:r>
+              <a:rPr lang="zh-CN" altLang="en-US" dirty="0" smtClean="0"/>
+              <a:t>画图分析、聚类分析</a:t>
+            </a:r>
+            <a:endParaRPr lang="en-US" altLang="zh-CN" dirty="0" smtClean="0"/>
           </a:p>
         </p:txBody>
       </p:sp>
     </p:spTree>
     <p:extLst>
       <p:ext uri="{BB962C8B-B14F-4D97-AF65-F5344CB8AC3E}">
-        <p14:creationId xmlns:p14="http://schemas.microsoft.com/office/powerpoint/2010/main" val="1532673301"/>
+        <p14:creationId xmlns:p14="http://schemas.microsoft.com/office/powerpoint/2010/main" val="1146461438"/>
       </p:ext>
     </p:extLst>
   </p:cSld>
@@ -4193,50 +4553,128 @@
           <a:lstStyle/>
           <a:p>
             <a:r>
+              <a:rPr lang="zh-CN" altLang="en-US" dirty="0"/>
+              <a:t>基于</a:t>
+            </a:r>
+            <a:r>
+              <a:rPr lang="en-US" altLang="zh-CN" dirty="0"/>
+              <a:t>MSI</a:t>
+            </a:r>
+            <a:r>
+              <a:rPr lang="zh-CN" altLang="en-US" dirty="0"/>
+              <a:t>的大</a:t>
+            </a:r>
+            <a:r>
               <a:rPr lang="zh-CN" altLang="en-US" dirty="0" smtClean="0"/>
-              <a:t>基于</a:t>
+              <a:t>数据分析 </a:t>
+            </a:r>
+            <a:endParaRPr lang="zh-CN" altLang="en-US" dirty="0"/>
+          </a:p>
+        </p:txBody>
+      </p:sp>
+      <p:sp>
+        <p:nvSpPr>
+          <p:cNvPr id="3" name="内容占位符 2"/>
+          <p:cNvSpPr>
+            <a:spLocks noGrp="1"/>
+          </p:cNvSpPr>
+          <p:nvPr>
+            <p:ph idx="1"/>
+          </p:nvPr>
+        </p:nvSpPr>
+        <p:spPr/>
+        <p:txBody>
+          <a:bodyPr/>
+          <a:lstStyle/>
+          <a:p>
+            <a:r>
+              <a:rPr lang="zh-CN" altLang="en-US" dirty="0"/>
+              <a:t>一张细粒度的图</a:t>
+            </a:r>
+            <a:endParaRPr lang="en-US" altLang="zh-CN" dirty="0" smtClean="0"/>
+          </a:p>
+          <a:p>
+            <a:pPr lvl="1"/>
+            <a:r>
+              <a:rPr lang="zh-CN" altLang="en-US" dirty="0" smtClean="0"/>
+              <a:t>窗口长度</a:t>
             </a:r>
             <a:r>
               <a:rPr lang="en-US" altLang="zh-CN" dirty="0" smtClean="0"/>
-              <a:t>MSI</a:t>
+              <a:t>24h</a:t>
             </a:r>
             <a:r>
               <a:rPr lang="zh-CN" altLang="en-US" dirty="0" smtClean="0"/>
-              <a:t>可以看工作点变迁</a:t>
-            </a:r>
-            <a:endParaRPr lang="zh-CN" altLang="en-US" dirty="0"/>
-          </a:p>
-        </p:txBody>
-      </p:sp>
-      <p:sp>
-        <p:nvSpPr>
-          <p:cNvPr id="3" name="内容占位符 2"/>
-          <p:cNvSpPr>
-            <a:spLocks noGrp="1"/>
-          </p:cNvSpPr>
-          <p:nvPr>
-            <p:ph idx="1"/>
-          </p:nvPr>
-        </p:nvSpPr>
-        <p:spPr/>
-        <p:txBody>
-          <a:bodyPr/>
-          <a:lstStyle/>
-          <a:p>
-            <a:endParaRPr lang="zh-CN" altLang="en-US" dirty="0"/>
+              <a:t>，步长</a:t>
+            </a:r>
+            <a:r>
+              <a:rPr lang="en-US" altLang="zh-CN" dirty="0" smtClean="0"/>
+              <a:t>10min</a:t>
+            </a:r>
+          </a:p>
+          <a:p>
+            <a:pPr lvl="1"/>
+            <a:r>
+              <a:rPr lang="zh-CN" altLang="en-US" dirty="0" smtClean="0"/>
+              <a:t>计算</a:t>
+            </a:r>
+            <a:r>
+              <a:rPr lang="zh-CN" altLang="en-US" dirty="0" smtClean="0"/>
+              <a:t>能力有限，仅画了</a:t>
+            </a:r>
+            <a:r>
+              <a:rPr lang="en-US" altLang="zh-CN" dirty="0" smtClean="0"/>
+              <a:t>10</a:t>
+            </a:r>
+            <a:r>
+              <a:rPr lang="zh-CN" altLang="en-US" dirty="0" smtClean="0"/>
+              <a:t>天</a:t>
+            </a:r>
+            <a:r>
+              <a:rPr lang="zh-CN" altLang="en-US" dirty="0" smtClean="0"/>
+              <a:t>的</a:t>
+            </a:r>
+            <a:endParaRPr lang="en-US" altLang="zh-CN" dirty="0" smtClean="0"/>
+          </a:p>
+          <a:p>
+            <a:pPr lvl="1"/>
+            <a:r>
+              <a:rPr lang="zh-CN" altLang="en-US" dirty="0" smtClean="0"/>
+              <a:t>为了在</a:t>
+            </a:r>
+            <a:r>
+              <a:rPr lang="zh-CN" altLang="en-US" dirty="0"/>
+              <a:t>有限</a:t>
+            </a:r>
+            <a:r>
+              <a:rPr lang="zh-CN" altLang="en-US" dirty="0" smtClean="0"/>
+              <a:t>内存和有限时间内计算出更大范围的相似度，将步长调整为</a:t>
+            </a:r>
+            <a:r>
+              <a:rPr lang="en-US" altLang="zh-CN" dirty="0" smtClean="0"/>
+              <a:t>1h</a:t>
+            </a:r>
+            <a:endParaRPr lang="en-US" altLang="zh-CN" dirty="0" smtClean="0"/>
           </a:p>
         </p:txBody>
       </p:sp>
     </p:spTree>
     <p:extLst>
       <p:ext uri="{BB962C8B-B14F-4D97-AF65-F5344CB8AC3E}">
-        <p14:creationId xmlns:p14="http://schemas.microsoft.com/office/powerpoint/2010/main" val="1146461438"/>
+        <p14:creationId xmlns:p14="http://schemas.microsoft.com/office/powerpoint/2010/main" val="3374663047"/>
       </p:ext>
     </p:extLst>
   </p:cSld>
   <p:clrMapOvr>
     <a:masterClrMapping/>
   </p:clrMapOvr>
+  <p:timing>
+    <p:tnLst>
+      <p:par>
+        <p:cTn id="1" dur="indefinite" restart="never" nodeType="tmRoot"/>
+      </p:par>
+    </p:tnLst>
+  </p:timing>
 </p:sld>
 </file>
 
@@ -4282,32 +4720,85 @@
             </a:r>
             <a:r>
               <a:rPr lang="zh-CN" altLang="en-US" dirty="0"/>
-              <a:t>可以</a:t>
-            </a:r>
+              <a:t>的大数据分析</a:t>
+            </a:r>
+            <a:endParaRPr lang="zh-CN" altLang="en-US" dirty="0"/>
+          </a:p>
+        </p:txBody>
+      </p:sp>
+      <p:sp>
+        <p:nvSpPr>
+          <p:cNvPr id="3" name="内容占位符 2"/>
+          <p:cNvSpPr>
+            <a:spLocks noGrp="1"/>
+          </p:cNvSpPr>
+          <p:nvPr>
+            <p:ph idx="1"/>
+          </p:nvPr>
+        </p:nvSpPr>
+        <p:spPr/>
+        <p:txBody>
+          <a:bodyPr/>
+          <a:lstStyle/>
+          <a:p>
+            <a:pPr marL="0" indent="0">
+              <a:buNone/>
+            </a:pPr>
             <a:r>
               <a:rPr lang="zh-CN" altLang="en-US" dirty="0" smtClean="0"/>
-              <a:t>看炉况的周期性</a:t>
+              <a:t>初步分析可以有以下结论：</a:t>
+            </a:r>
+            <a:endParaRPr lang="en-US" altLang="zh-CN" dirty="0" smtClean="0"/>
+          </a:p>
+          <a:p>
+            <a:r>
+              <a:rPr lang="zh-CN" altLang="en-US" dirty="0" smtClean="0"/>
+              <a:t>两种相似度的图像较为相似</a:t>
+            </a:r>
+            <a:endParaRPr lang="en-US" altLang="zh-CN" dirty="0" smtClean="0"/>
+          </a:p>
+          <a:p>
+            <a:r>
+              <a:rPr lang="zh-CN" altLang="en-US" dirty="0" smtClean="0"/>
+              <a:t>炉况呈周期性波动，有明显的漂移和切换</a:t>
+            </a:r>
+            <a:endParaRPr lang="en-US" altLang="zh-CN" dirty="0" smtClean="0"/>
+          </a:p>
+          <a:p>
+            <a:r>
+              <a:rPr lang="zh-CN" altLang="en-US" dirty="0" smtClean="0"/>
+              <a:t>工作点一直在变化，有时会跟历史某一段工作点很相似，但再也不会完全一致</a:t>
+            </a:r>
+            <a:endParaRPr lang="en-US" altLang="zh-CN" dirty="0" smtClean="0"/>
+          </a:p>
+          <a:p>
+            <a:r>
+              <a:rPr lang="zh-CN" altLang="en-US" dirty="0"/>
+              <a:t>难行后，高炉往往</a:t>
+            </a:r>
+            <a:r>
+              <a:rPr lang="zh-CN" altLang="en-US" dirty="0" smtClean="0"/>
+              <a:t>很难恢复</a:t>
+            </a:r>
+            <a:r>
+              <a:rPr lang="zh-CN" altLang="en-US" dirty="0"/>
+              <a:t>到之前的</a:t>
+            </a:r>
+            <a:r>
+              <a:rPr lang="zh-CN" altLang="en-US" dirty="0" smtClean="0"/>
+              <a:t>状态</a:t>
+            </a:r>
+            <a:endParaRPr lang="en-US" altLang="zh-CN" dirty="0" smtClean="0"/>
+          </a:p>
+          <a:p>
+            <a:r>
+              <a:rPr lang="zh-CN" altLang="en-US" dirty="0" smtClean="0"/>
+              <a:t>聚类分析发现炉况可以划分为有限的几种情况</a:t>
             </a:r>
             <a:endParaRPr lang="zh-CN" altLang="en-US" dirty="0"/>
           </a:p>
-        </p:txBody>
-      </p:sp>
-      <p:sp>
-        <p:nvSpPr>
-          <p:cNvPr id="3" name="内容占位符 2"/>
-          <p:cNvSpPr>
-            <a:spLocks noGrp="1"/>
-          </p:cNvSpPr>
-          <p:nvPr>
-            <p:ph idx="1"/>
-          </p:nvPr>
-        </p:nvSpPr>
-        <p:spPr/>
-        <p:txBody>
-          <a:bodyPr/>
-          <a:lstStyle/>
-          <a:p>
-            <a:endParaRPr lang="zh-CN" altLang="en-US"/>
+          <a:p>
+            <a:endParaRPr lang="zh-CN" altLang="en-US" dirty="0"/>
           </a:p>
         </p:txBody>
       </p:sp>
@@ -4357,8 +4848,16 @@
           <a:lstStyle/>
           <a:p>
             <a:r>
+              <a:rPr lang="zh-CN" altLang="en-US" dirty="0"/>
+              <a:t>基于</a:t>
+            </a:r>
+            <a:r>
+              <a:rPr lang="en-US" altLang="zh-CN" dirty="0"/>
+              <a:t>MSI</a:t>
+            </a:r>
+            <a:r>
               <a:rPr lang="zh-CN" altLang="en-US" dirty="0" smtClean="0"/>
-              <a:t>一张细粒度的图</a:t>
+              <a:t>的异常炉况检测</a:t>
             </a:r>
             <a:endParaRPr lang="zh-CN" altLang="en-US" dirty="0"/>
           </a:p>
@@ -4376,45 +4875,2168 @@
         </p:nvSpPr>
         <p:spPr/>
         <p:txBody>
-          <a:bodyPr/>
-          <a:lstStyle/>
-          <a:p>
+          <a:bodyPr>
+            <a:normAutofit fontScale="92500" lnSpcReduction="10000"/>
+          </a:bodyPr>
+          <a:lstStyle/>
+          <a:p>
+            <a:pPr marL="0" indent="0">
+              <a:buNone/>
+            </a:pPr>
+            <a:r>
+              <a:rPr lang="zh-CN" altLang="zh-CN" dirty="0"/>
+              <a:t>方法：</a:t>
+            </a:r>
+          </a:p>
+          <a:p>
+            <a:r>
+              <a:rPr lang="en-US" altLang="zh-CN" dirty="0" smtClean="0"/>
+              <a:t>1</a:t>
+            </a:r>
+            <a:r>
+              <a:rPr lang="zh-CN" altLang="en-US" dirty="0"/>
+              <a:t>、</a:t>
+            </a:r>
+            <a:r>
+              <a:rPr lang="zh-CN" altLang="zh-CN" dirty="0" smtClean="0"/>
+              <a:t>训练集</a:t>
+            </a:r>
+            <a:r>
+              <a:rPr lang="zh-CN" altLang="zh-CN" dirty="0"/>
+              <a:t>：建立时间窗口长度为</a:t>
+            </a:r>
+            <a:r>
+              <a:rPr lang="en-US" altLang="zh-CN" dirty="0"/>
+              <a:t>24</a:t>
+            </a:r>
+            <a:r>
+              <a:rPr lang="zh-CN" altLang="zh-CN" dirty="0"/>
+              <a:t>小时、步长为</a:t>
+            </a:r>
+            <a:r>
+              <a:rPr lang="en-US" altLang="zh-CN" dirty="0"/>
+              <a:t>1</a:t>
+            </a:r>
+            <a:r>
+              <a:rPr lang="zh-CN" altLang="zh-CN" dirty="0"/>
+              <a:t>小时的</a:t>
+            </a:r>
+            <a:r>
+              <a:rPr lang="en-US" altLang="zh-CN" dirty="0"/>
+              <a:t>PCA</a:t>
+            </a:r>
+            <a:r>
+              <a:rPr lang="zh-CN" altLang="zh-CN" dirty="0"/>
+              <a:t>模型，保证足够平稳，又要反映出系统所有的动态特性</a:t>
+            </a:r>
+            <a:r>
+              <a:rPr lang="zh-CN" altLang="zh-CN" dirty="0" smtClean="0"/>
+              <a:t>。</a:t>
+            </a:r>
+            <a:endParaRPr lang="zh-CN" altLang="zh-CN" dirty="0"/>
+          </a:p>
+          <a:p>
+            <a:r>
+              <a:rPr lang="en-US" altLang="zh-CN" dirty="0" smtClean="0"/>
+              <a:t>2</a:t>
+            </a:r>
             <a:r>
               <a:rPr lang="zh-CN" altLang="en-US" dirty="0" smtClean="0"/>
-              <a:t>计算能力有限，仅画了</a:t>
-            </a:r>
+              <a:t>、</a:t>
+            </a:r>
+            <a:r>
+              <a:rPr lang="zh-CN" altLang="zh-CN" dirty="0" smtClean="0"/>
+              <a:t>测试</a:t>
+            </a:r>
+            <a:r>
+              <a:rPr lang="zh-CN" altLang="zh-CN" dirty="0"/>
+              <a:t>集：建立时间窗口长度为</a:t>
+            </a:r>
+            <a:r>
+              <a:rPr lang="en-US" altLang="zh-CN" dirty="0"/>
+              <a:t>5</a:t>
+            </a:r>
+            <a:r>
+              <a:rPr lang="zh-CN" altLang="zh-CN" dirty="0"/>
+              <a:t>小时（比训练集短，以充分跟随系统工作点和动态特性）、步长尽量小（目前内存和计算时间允许情况下，取</a:t>
+            </a:r>
+            <a:r>
+              <a:rPr lang="en-US" altLang="zh-CN" dirty="0"/>
+              <a:t>10</a:t>
+            </a:r>
+            <a:r>
+              <a:rPr lang="zh-CN" altLang="zh-CN" dirty="0"/>
+              <a:t>分钟）的数据建立</a:t>
+            </a:r>
+            <a:r>
+              <a:rPr lang="en-US" altLang="zh-CN" dirty="0"/>
+              <a:t>PCA</a:t>
+            </a:r>
+            <a:r>
+              <a:rPr lang="zh-CN" altLang="zh-CN" dirty="0"/>
+              <a:t>模型</a:t>
+            </a:r>
+            <a:r>
+              <a:rPr lang="zh-CN" altLang="zh-CN" dirty="0" smtClean="0"/>
+              <a:t>。</a:t>
+            </a:r>
+            <a:endParaRPr lang="zh-CN" altLang="zh-CN" dirty="0"/>
+          </a:p>
+          <a:p>
             <a:r>
               <a:rPr lang="en-US" altLang="zh-CN" dirty="0" smtClean="0"/>
-              <a:t>10</a:t>
+              <a:t>3</a:t>
             </a:r>
             <a:r>
               <a:rPr lang="zh-CN" altLang="en-US" dirty="0" smtClean="0"/>
-              <a:t>天的</a:t>
-            </a:r>
-            <a:endParaRPr lang="en-US" altLang="zh-CN" dirty="0" smtClean="0"/>
-          </a:p>
-          <a:p>
-            <a:r>
-              <a:rPr lang="zh-CN" altLang="en-US" dirty="0" smtClean="0"/>
-              <a:t>难行后</a:t>
-            </a:r>
-            <a:r>
-              <a:rPr lang="zh-CN" altLang="en-US" dirty="0"/>
-              <a:t>，高炉往往很难完全恢复到之前的状态</a:t>
-            </a:r>
+              <a:t>、</a:t>
+            </a:r>
+            <a:r>
+              <a:rPr lang="zh-CN" altLang="zh-CN" dirty="0" smtClean="0"/>
+              <a:t>通过</a:t>
+            </a:r>
+            <a:r>
+              <a:rPr lang="zh-CN" altLang="zh-CN" dirty="0"/>
+              <a:t>计算测试集负荷矩阵集合</a:t>
+            </a:r>
+            <a:r>
+              <a:rPr lang="en-US" altLang="zh-CN" dirty="0"/>
+              <a:t>{</a:t>
+            </a:r>
+            <a:r>
+              <a:rPr lang="en-US" altLang="zh-CN" dirty="0" err="1"/>
+              <a:t>P_train</a:t>
+            </a:r>
+            <a:r>
+              <a:rPr lang="en-US" altLang="zh-CN" dirty="0"/>
+              <a:t>}</a:t>
+            </a:r>
+            <a:r>
+              <a:rPr lang="zh-CN" altLang="zh-CN" dirty="0"/>
+              <a:t>与测试集负荷矩阵</a:t>
+            </a:r>
+            <a:r>
+              <a:rPr lang="en-US" altLang="zh-CN" dirty="0" err="1"/>
+              <a:t>P_test</a:t>
+            </a:r>
+            <a:r>
+              <a:rPr lang="zh-CN" altLang="zh-CN" dirty="0"/>
+              <a:t>的相似度，求平均值和方差（或者概率密度分布）作为统计量。</a:t>
+            </a:r>
+          </a:p>
+          <a:p>
+            <a:endParaRPr lang="zh-CN" altLang="en-US" dirty="0"/>
           </a:p>
         </p:txBody>
       </p:sp>
     </p:spTree>
     <p:extLst>
       <p:ext uri="{BB962C8B-B14F-4D97-AF65-F5344CB8AC3E}">
-        <p14:creationId xmlns:p14="http://schemas.microsoft.com/office/powerpoint/2010/main" val="3374663047"/>
+        <p14:creationId xmlns:p14="http://schemas.microsoft.com/office/powerpoint/2010/main" val="2206698107"/>
       </p:ext>
     </p:extLst>
   </p:cSld>
   <p:clrMapOvr>
     <a:masterClrMapping/>
   </p:clrMapOvr>
+  <p:timing>
+    <p:tnLst>
+      <p:par>
+        <p:cTn id="1" dur="indefinite" restart="never" nodeType="tmRoot"/>
+      </p:par>
+    </p:tnLst>
+  </p:timing>
+</p:sld>
+</file>
+
+<file path=ppt/slides/slide17.xml><?xml version="1.0" encoding="utf-8"?>
+<p:sld xmlns:a="http://schemas.openxmlformats.org/drawingml/2006/main" xmlns:r="http://schemas.openxmlformats.org/officeDocument/2006/relationships" xmlns:p="http://schemas.openxmlformats.org/presentationml/2006/main">
+  <p:cSld>
+    <p:spTree>
+      <p:nvGrpSpPr>
+        <p:cNvPr id="1" name=""/>
+        <p:cNvGrpSpPr/>
+        <p:nvPr/>
+      </p:nvGrpSpPr>
+      <p:grpSpPr>
+        <a:xfrm>
+          <a:off x="0" y="0"/>
+          <a:ext cx="0" cy="0"/>
+          <a:chOff x="0" y="0"/>
+          <a:chExt cx="0" cy="0"/>
+        </a:xfrm>
+      </p:grpSpPr>
+      <p:sp>
+        <p:nvSpPr>
+          <p:cNvPr id="2" name="标题 1"/>
+          <p:cNvSpPr>
+            <a:spLocks noGrp="1"/>
+          </p:cNvSpPr>
+          <p:nvPr>
+            <p:ph type="title"/>
+          </p:nvPr>
+        </p:nvSpPr>
+        <p:spPr/>
+        <p:txBody>
+          <a:bodyPr/>
+          <a:lstStyle/>
+          <a:p>
+            <a:r>
+              <a:rPr lang="zh-CN" altLang="en-US" dirty="0"/>
+              <a:t>基于</a:t>
+            </a:r>
+            <a:r>
+              <a:rPr lang="en-US" altLang="zh-CN" dirty="0"/>
+              <a:t>MSI</a:t>
+            </a:r>
+            <a:r>
+              <a:rPr lang="zh-CN" altLang="en-US" dirty="0"/>
+              <a:t>的异常炉况检测</a:t>
+            </a:r>
+          </a:p>
+        </p:txBody>
+      </p:sp>
+      <p:sp>
+        <p:nvSpPr>
+          <p:cNvPr id="3" name="内容占位符 2"/>
+          <p:cNvSpPr>
+            <a:spLocks noGrp="1"/>
+          </p:cNvSpPr>
+          <p:nvPr>
+            <p:ph idx="1"/>
+          </p:nvPr>
+        </p:nvSpPr>
+        <p:spPr/>
+        <p:txBody>
+          <a:bodyPr/>
+          <a:lstStyle/>
+          <a:p>
+            <a:r>
+              <a:rPr lang="zh-CN" altLang="en-US" dirty="0" smtClean="0"/>
+              <a:t>训练集：</a:t>
+            </a:r>
+            <a:r>
+              <a:rPr lang="en-US" altLang="zh-CN" dirty="0" smtClean="0"/>
+              <a:t>2012-09-01</a:t>
+            </a:r>
+            <a:r>
+              <a:rPr lang="zh-CN" altLang="en-US" dirty="0" smtClean="0"/>
+              <a:t>至</a:t>
+            </a:r>
+            <a:r>
+              <a:rPr lang="en-US" altLang="zh-CN" dirty="0" smtClean="0"/>
+              <a:t>2013-01-01</a:t>
+            </a:r>
+            <a:endParaRPr lang="en-US" altLang="zh-CN" dirty="0"/>
+          </a:p>
+          <a:p>
+            <a:pPr lvl="1"/>
+            <a:r>
+              <a:rPr lang="zh-CN" altLang="en-US" dirty="0" smtClean="0"/>
+              <a:t>步长</a:t>
+            </a:r>
+            <a:r>
+              <a:rPr lang="en-US" altLang="zh-CN" dirty="0" smtClean="0"/>
+              <a:t>1h</a:t>
+            </a:r>
+          </a:p>
+          <a:p>
+            <a:pPr lvl="1"/>
+            <a:r>
+              <a:rPr lang="zh-CN" altLang="en-US" dirty="0" smtClean="0"/>
+              <a:t>窗口长度</a:t>
+            </a:r>
+            <a:r>
+              <a:rPr lang="en-US" altLang="zh-CN" dirty="0" smtClean="0"/>
+              <a:t>24h</a:t>
+            </a:r>
+            <a:endParaRPr lang="en-US" altLang="zh-CN" dirty="0"/>
+          </a:p>
+          <a:p>
+            <a:r>
+              <a:rPr lang="zh-CN" altLang="en-US" dirty="0" smtClean="0"/>
+              <a:t>测试集：根据所要仿真的时间确定相应的数据集</a:t>
+            </a:r>
+            <a:endParaRPr lang="en-US" altLang="zh-CN" dirty="0" smtClean="0"/>
+          </a:p>
+          <a:p>
+            <a:pPr lvl="1"/>
+            <a:r>
+              <a:rPr lang="zh-CN" altLang="en-US" dirty="0" smtClean="0"/>
+              <a:t>步长</a:t>
+            </a:r>
+            <a:r>
+              <a:rPr lang="en-US" altLang="zh-CN" dirty="0" smtClean="0"/>
+              <a:t>10min</a:t>
+            </a:r>
+          </a:p>
+          <a:p>
+            <a:endParaRPr lang="zh-CN" altLang="en-US" dirty="0"/>
+          </a:p>
+        </p:txBody>
+      </p:sp>
+    </p:spTree>
+    <p:extLst>
+      <p:ext uri="{BB962C8B-B14F-4D97-AF65-F5344CB8AC3E}">
+        <p14:creationId xmlns:p14="http://schemas.microsoft.com/office/powerpoint/2010/main" val="186245224"/>
+      </p:ext>
+    </p:extLst>
+  </p:cSld>
+  <p:clrMapOvr>
+    <a:masterClrMapping/>
+  </p:clrMapOvr>
+  <p:timing>
+    <p:tnLst>
+      <p:par>
+        <p:cTn id="1" dur="indefinite" restart="never" nodeType="tmRoot"/>
+      </p:par>
+    </p:tnLst>
+  </p:timing>
+</p:sld>
+</file>
+
+<file path=ppt/slides/slide18.xml><?xml version="1.0" encoding="utf-8"?>
+<p:sld xmlns:a="http://schemas.openxmlformats.org/drawingml/2006/main" xmlns:r="http://schemas.openxmlformats.org/officeDocument/2006/relationships" xmlns:p="http://schemas.openxmlformats.org/presentationml/2006/main">
+  <p:cSld>
+    <p:spTree>
+      <p:nvGrpSpPr>
+        <p:cNvPr id="1" name=""/>
+        <p:cNvGrpSpPr/>
+        <p:nvPr/>
+      </p:nvGrpSpPr>
+      <p:grpSpPr>
+        <a:xfrm>
+          <a:off x="0" y="0"/>
+          <a:ext cx="0" cy="0"/>
+          <a:chOff x="0" y="0"/>
+          <a:chExt cx="0" cy="0"/>
+        </a:xfrm>
+      </p:grpSpPr>
+      <p:sp>
+        <p:nvSpPr>
+          <p:cNvPr id="2" name="标题 1"/>
+          <p:cNvSpPr>
+            <a:spLocks noGrp="1"/>
+          </p:cNvSpPr>
+          <p:nvPr>
+            <p:ph type="title"/>
+          </p:nvPr>
+        </p:nvSpPr>
+        <p:spPr/>
+        <p:txBody>
+          <a:bodyPr/>
+          <a:lstStyle/>
+          <a:p>
+            <a:r>
+              <a:rPr lang="en-US" altLang="zh-CN" dirty="0">
+                <a:latin typeface="Times New Roman" panose="02020603050405020304" pitchFamily="18" charset="0"/>
+                <a:cs typeface="Times New Roman" panose="02020603050405020304" pitchFamily="18" charset="0"/>
+              </a:rPr>
+              <a:t>Focus point</a:t>
+            </a:r>
+            <a:endParaRPr lang="zh-CN" altLang="en-US" dirty="0">
+              <a:latin typeface="Times New Roman" panose="02020603050405020304" pitchFamily="18" charset="0"/>
+              <a:cs typeface="Times New Roman" panose="02020603050405020304" pitchFamily="18" charset="0"/>
+            </a:endParaRPr>
+          </a:p>
+        </p:txBody>
+      </p:sp>
+      <p:sp>
+        <p:nvSpPr>
+          <p:cNvPr id="4" name="文本框 3"/>
+          <p:cNvSpPr txBox="1"/>
+          <p:nvPr/>
+        </p:nvSpPr>
+        <p:spPr>
+          <a:xfrm>
+            <a:off x="2456763" y="1690689"/>
+            <a:ext cx="2820317" cy="646331"/>
+          </a:xfrm>
+          <a:prstGeom prst="rect">
+            <a:avLst/>
+          </a:prstGeom>
+          <a:noFill/>
+        </p:spPr>
+        <p:txBody>
+          <a:bodyPr wrap="square" rtlCol="0">
+            <a:spAutoFit/>
+          </a:bodyPr>
+          <a:lstStyle/>
+          <a:p>
+            <a:r>
+              <a:rPr lang="en-US" altLang="zh-CN" sz="3600" dirty="0">
+                <a:latin typeface="Times New Roman" panose="02020603050405020304" pitchFamily="18" charset="0"/>
+                <a:cs typeface="Times New Roman" panose="02020603050405020304" pitchFamily="18" charset="0"/>
+              </a:rPr>
+              <a:t>Just </a:t>
+            </a:r>
+            <a:r>
+              <a:rPr lang="en-US" altLang="zh-CN" sz="3600" dirty="0" smtClean="0">
+                <a:latin typeface="Times New Roman" panose="02020603050405020304" pitchFamily="18" charset="0"/>
+                <a:cs typeface="Times New Roman" panose="02020603050405020304" pitchFamily="18" charset="0"/>
+              </a:rPr>
+              <a:t>direction</a:t>
+            </a:r>
+            <a:r>
+              <a:rPr lang="en-US" altLang="zh-CN" sz="3600" dirty="0">
+                <a:latin typeface="Times New Roman" panose="02020603050405020304" pitchFamily="18" charset="0"/>
+                <a:cs typeface="Times New Roman" panose="02020603050405020304" pitchFamily="18" charset="0"/>
+              </a:rPr>
+              <a:t>!</a:t>
+            </a:r>
+            <a:endParaRPr lang="zh-CN" altLang="en-US" sz="3600" dirty="0">
+              <a:latin typeface="Times New Roman" panose="02020603050405020304" pitchFamily="18" charset="0"/>
+              <a:cs typeface="Times New Roman" panose="02020603050405020304" pitchFamily="18" charset="0"/>
+            </a:endParaRPr>
+          </a:p>
+        </p:txBody>
+      </p:sp>
+      <p:sp>
+        <p:nvSpPr>
+          <p:cNvPr id="5" name="文本框 4"/>
+          <p:cNvSpPr txBox="1"/>
+          <p:nvPr/>
+        </p:nvSpPr>
+        <p:spPr>
+          <a:xfrm>
+            <a:off x="1482687" y="2492695"/>
+            <a:ext cx="4768467" cy="646331"/>
+          </a:xfrm>
+          <a:prstGeom prst="rect">
+            <a:avLst/>
+          </a:prstGeom>
+          <a:noFill/>
+        </p:spPr>
+        <p:txBody>
+          <a:bodyPr wrap="square" rtlCol="0">
+            <a:spAutoFit/>
+          </a:bodyPr>
+          <a:lstStyle/>
+          <a:p>
+            <a:r>
+              <a:rPr lang="en-US" altLang="zh-CN" sz="3600" dirty="0" smtClean="0">
+                <a:latin typeface="Times New Roman" panose="02020603050405020304" pitchFamily="18" charset="0"/>
+                <a:cs typeface="Times New Roman" panose="02020603050405020304" pitchFamily="18" charset="0"/>
+              </a:rPr>
+              <a:t>Amplitude do not matter!</a:t>
+            </a:r>
+            <a:endParaRPr lang="zh-CN" altLang="en-US" sz="3600" dirty="0">
+              <a:latin typeface="Times New Roman" panose="02020603050405020304" pitchFamily="18" charset="0"/>
+              <a:cs typeface="Times New Roman" panose="02020603050405020304" pitchFamily="18" charset="0"/>
+            </a:endParaRPr>
+          </a:p>
+        </p:txBody>
+      </p:sp>
+      <p:sp>
+        <p:nvSpPr>
+          <p:cNvPr id="7" name="文本框 6"/>
+          <p:cNvSpPr txBox="1"/>
+          <p:nvPr/>
+        </p:nvSpPr>
+        <p:spPr>
+          <a:xfrm>
+            <a:off x="3238959" y="3294701"/>
+            <a:ext cx="1255921" cy="646331"/>
+          </a:xfrm>
+          <a:prstGeom prst="rect">
+            <a:avLst/>
+          </a:prstGeom>
+          <a:noFill/>
+        </p:spPr>
+        <p:txBody>
+          <a:bodyPr wrap="square" rtlCol="0">
+            <a:spAutoFit/>
+          </a:bodyPr>
+          <a:lstStyle/>
+          <a:p>
+            <a:r>
+              <a:rPr lang="en-US" altLang="zh-CN" sz="3600" dirty="0" smtClean="0">
+                <a:latin typeface="Times New Roman" panose="02020603050405020304" pitchFamily="18" charset="0"/>
+                <a:cs typeface="Times New Roman" panose="02020603050405020304" pitchFamily="18" charset="0"/>
+              </a:rPr>
+              <a:t>Why?</a:t>
+            </a:r>
+            <a:endParaRPr lang="zh-CN" altLang="en-US" sz="3600" dirty="0">
+              <a:latin typeface="Times New Roman" panose="02020603050405020304" pitchFamily="18" charset="0"/>
+              <a:cs typeface="Times New Roman" panose="02020603050405020304" pitchFamily="18" charset="0"/>
+            </a:endParaRPr>
+          </a:p>
+        </p:txBody>
+      </p:sp>
+      <p:sp>
+        <p:nvSpPr>
+          <p:cNvPr id="8" name="文本框 7"/>
+          <p:cNvSpPr txBox="1"/>
+          <p:nvPr/>
+        </p:nvSpPr>
+        <p:spPr>
+          <a:xfrm>
+            <a:off x="2148287" y="4096707"/>
+            <a:ext cx="3437264" cy="646331"/>
+          </a:xfrm>
+          <a:prstGeom prst="rect">
+            <a:avLst/>
+          </a:prstGeom>
+          <a:noFill/>
+        </p:spPr>
+        <p:txBody>
+          <a:bodyPr wrap="square" rtlCol="0">
+            <a:spAutoFit/>
+          </a:bodyPr>
+          <a:lstStyle/>
+          <a:p>
+            <a:r>
+              <a:rPr lang="en-US" altLang="zh-CN" sz="3600" dirty="0" smtClean="0">
+                <a:latin typeface="Times New Roman" panose="02020603050405020304" pitchFamily="18" charset="0"/>
+                <a:cs typeface="Times New Roman" panose="02020603050405020304" pitchFamily="18" charset="0"/>
+              </a:rPr>
+              <a:t>Nonlinear system!</a:t>
+            </a:r>
+            <a:endParaRPr lang="zh-CN" altLang="en-US" sz="3600" dirty="0">
+              <a:latin typeface="Times New Roman" panose="02020603050405020304" pitchFamily="18" charset="0"/>
+              <a:cs typeface="Times New Roman" panose="02020603050405020304" pitchFamily="18" charset="0"/>
+            </a:endParaRPr>
+          </a:p>
+        </p:txBody>
+      </p:sp>
+      <p:sp>
+        <p:nvSpPr>
+          <p:cNvPr id="9" name="文本框 8"/>
+          <p:cNvSpPr txBox="1"/>
+          <p:nvPr/>
+        </p:nvSpPr>
+        <p:spPr>
+          <a:xfrm>
+            <a:off x="2533877" y="4898713"/>
+            <a:ext cx="2666084" cy="646331"/>
+          </a:xfrm>
+          <a:prstGeom prst="rect">
+            <a:avLst/>
+          </a:prstGeom>
+          <a:noFill/>
+        </p:spPr>
+        <p:txBody>
+          <a:bodyPr wrap="square" rtlCol="0">
+            <a:spAutoFit/>
+          </a:bodyPr>
+          <a:lstStyle/>
+          <a:p>
+            <a:r>
+              <a:rPr lang="en-US" altLang="zh-CN" sz="3600" dirty="0" smtClean="0">
+                <a:latin typeface="Times New Roman" panose="02020603050405020304" pitchFamily="18" charset="0"/>
+                <a:cs typeface="Times New Roman" panose="02020603050405020304" pitchFamily="18" charset="0"/>
+              </a:rPr>
+              <a:t>Linear model!</a:t>
+            </a:r>
+            <a:endParaRPr lang="zh-CN" altLang="en-US" sz="3600" dirty="0">
+              <a:latin typeface="Times New Roman" panose="02020603050405020304" pitchFamily="18" charset="0"/>
+              <a:cs typeface="Times New Roman" panose="02020603050405020304" pitchFamily="18" charset="0"/>
+            </a:endParaRPr>
+          </a:p>
+        </p:txBody>
+      </p:sp>
+    </p:spTree>
+    <p:extLst>
+      <p:ext uri="{BB962C8B-B14F-4D97-AF65-F5344CB8AC3E}">
+        <p14:creationId xmlns:p14="http://schemas.microsoft.com/office/powerpoint/2010/main" val="3055147218"/>
+      </p:ext>
+    </p:extLst>
+  </p:cSld>
+  <p:clrMapOvr>
+    <a:masterClrMapping/>
+  </p:clrMapOvr>
+  <p:timing>
+    <p:tnLst>
+      <p:par>
+        <p:cTn id="1" dur="indefinite" restart="never" nodeType="tmRoot">
+          <p:childTnLst>
+            <p:seq concurrent="1" nextAc="seek">
+              <p:cTn id="2" dur="indefinite" nodeType="mainSeq">
+                <p:childTnLst>
+                  <p:par>
+                    <p:cTn id="3" fill="hold">
+                      <p:stCondLst>
+                        <p:cond delay="indefinite"/>
+                      </p:stCondLst>
+                      <p:childTnLst>
+                        <p:par>
+                          <p:cTn id="4" fill="hold">
+                            <p:stCondLst>
+                              <p:cond delay="0"/>
+                            </p:stCondLst>
+                            <p:childTnLst>
+                              <p:par>
+                                <p:cTn id="5" presetID="26" presetClass="entr" presetSubtype="0" fill="hold" grpId="0" nodeType="clickEffect">
+                                  <p:stCondLst>
+                                    <p:cond delay="0"/>
+                                  </p:stCondLst>
+                                  <p:childTnLst>
+                                    <p:set>
+                                      <p:cBhvr>
+                                        <p:cTn id="6" dur="1" fill="hold">
+                                          <p:stCondLst>
+                                            <p:cond delay="0"/>
+                                          </p:stCondLst>
+                                        </p:cTn>
+                                        <p:tgtEl>
+                                          <p:spTgt spid="4"/>
+                                        </p:tgtEl>
+                                        <p:attrNameLst>
+                                          <p:attrName>style.visibility</p:attrName>
+                                        </p:attrNameLst>
+                                      </p:cBhvr>
+                                      <p:to>
+                                        <p:strVal val="visible"/>
+                                      </p:to>
+                                    </p:set>
+                                    <p:animEffect transition="in" filter="wipe(down)">
+                                      <p:cBhvr>
+                                        <p:cTn id="7" dur="580">
+                                          <p:stCondLst>
+                                            <p:cond delay="0"/>
+                                          </p:stCondLst>
+                                        </p:cTn>
+                                        <p:tgtEl>
+                                          <p:spTgt spid="4"/>
+                                        </p:tgtEl>
+                                      </p:cBhvr>
+                                    </p:animEffect>
+                                    <p:anim calcmode="lin" valueType="num">
+                                      <p:cBhvr>
+                                        <p:cTn id="8" dur="1822" tmFilter="0,0; 0.14,0.36; 0.43,0.73; 0.71,0.91; 1.0,1.0">
+                                          <p:stCondLst>
+                                            <p:cond delay="0"/>
+                                          </p:stCondLst>
+                                        </p:cTn>
+                                        <p:tgtEl>
+                                          <p:spTgt spid="4"/>
+                                        </p:tgtEl>
+                                        <p:attrNameLst>
+                                          <p:attrName>ppt_x</p:attrName>
+                                        </p:attrNameLst>
+                                      </p:cBhvr>
+                                      <p:tavLst>
+                                        <p:tav tm="0">
+                                          <p:val>
+                                            <p:strVal val="#ppt_x-0.25"/>
+                                          </p:val>
+                                        </p:tav>
+                                        <p:tav tm="100000">
+                                          <p:val>
+                                            <p:strVal val="#ppt_x"/>
+                                          </p:val>
+                                        </p:tav>
+                                      </p:tavLst>
+                                    </p:anim>
+                                    <p:anim calcmode="lin" valueType="num">
+                                      <p:cBhvr>
+                                        <p:cTn id="9" dur="664" tmFilter="0.0,0.0; 0.25,0.07; 0.50,0.2; 0.75,0.467; 1.0,1.0">
+                                          <p:stCondLst>
+                                            <p:cond delay="0"/>
+                                          </p:stCondLst>
+                                        </p:cTn>
+                                        <p:tgtEl>
+                                          <p:spTgt spid="4"/>
+                                        </p:tgtEl>
+                                        <p:attrNameLst>
+                                          <p:attrName>ppt_y</p:attrName>
+                                        </p:attrNameLst>
+                                      </p:cBhvr>
+                                      <p:tavLst>
+                                        <p:tav tm="0" fmla="#ppt_y-sin(pi*$)/3">
+                                          <p:val>
+                                            <p:fltVal val="0.5"/>
+                                          </p:val>
+                                        </p:tav>
+                                        <p:tav tm="100000">
+                                          <p:val>
+                                            <p:fltVal val="1"/>
+                                          </p:val>
+                                        </p:tav>
+                                      </p:tavLst>
+                                    </p:anim>
+                                    <p:anim calcmode="lin" valueType="num">
+                                      <p:cBhvr>
+                                        <p:cTn id="10" dur="664" tmFilter="0, 0; 0.125,0.2665; 0.25,0.4; 0.375,0.465; 0.5,0.5;  0.625,0.535; 0.75,0.6; 0.875,0.7335; 1,1">
+                                          <p:stCondLst>
+                                            <p:cond delay="664"/>
+                                          </p:stCondLst>
+                                        </p:cTn>
+                                        <p:tgtEl>
+                                          <p:spTgt spid="4"/>
+                                        </p:tgtEl>
+                                        <p:attrNameLst>
+                                          <p:attrName>ppt_y</p:attrName>
+                                        </p:attrNameLst>
+                                      </p:cBhvr>
+                                      <p:tavLst>
+                                        <p:tav tm="0" fmla="#ppt_y-sin(pi*$)/9">
+                                          <p:val>
+                                            <p:fltVal val="0"/>
+                                          </p:val>
+                                        </p:tav>
+                                        <p:tav tm="100000">
+                                          <p:val>
+                                            <p:fltVal val="1"/>
+                                          </p:val>
+                                        </p:tav>
+                                      </p:tavLst>
+                                    </p:anim>
+                                    <p:anim calcmode="lin" valueType="num">
+                                      <p:cBhvr>
+                                        <p:cTn id="11" dur="332" tmFilter="0, 0; 0.125,0.2665; 0.25,0.4; 0.375,0.465; 0.5,0.5;  0.625,0.535; 0.75,0.6; 0.875,0.7335; 1,1">
+                                          <p:stCondLst>
+                                            <p:cond delay="1324"/>
+                                          </p:stCondLst>
+                                        </p:cTn>
+                                        <p:tgtEl>
+                                          <p:spTgt spid="4"/>
+                                        </p:tgtEl>
+                                        <p:attrNameLst>
+                                          <p:attrName>ppt_y</p:attrName>
+                                        </p:attrNameLst>
+                                      </p:cBhvr>
+                                      <p:tavLst>
+                                        <p:tav tm="0" fmla="#ppt_y-sin(pi*$)/27">
+                                          <p:val>
+                                            <p:fltVal val="0"/>
+                                          </p:val>
+                                        </p:tav>
+                                        <p:tav tm="100000">
+                                          <p:val>
+                                            <p:fltVal val="1"/>
+                                          </p:val>
+                                        </p:tav>
+                                      </p:tavLst>
+                                    </p:anim>
+                                    <p:anim calcmode="lin" valueType="num">
+                                      <p:cBhvr>
+                                        <p:cTn id="12" dur="164" tmFilter="0, 0; 0.125,0.2665; 0.25,0.4; 0.375,0.465; 0.5,0.5;  0.625,0.535; 0.75,0.6; 0.875,0.7335; 1,1">
+                                          <p:stCondLst>
+                                            <p:cond delay="1656"/>
+                                          </p:stCondLst>
+                                        </p:cTn>
+                                        <p:tgtEl>
+                                          <p:spTgt spid="4"/>
+                                        </p:tgtEl>
+                                        <p:attrNameLst>
+                                          <p:attrName>ppt_y</p:attrName>
+                                        </p:attrNameLst>
+                                      </p:cBhvr>
+                                      <p:tavLst>
+                                        <p:tav tm="0" fmla="#ppt_y-sin(pi*$)/81">
+                                          <p:val>
+                                            <p:fltVal val="0"/>
+                                          </p:val>
+                                        </p:tav>
+                                        <p:tav tm="100000">
+                                          <p:val>
+                                            <p:fltVal val="1"/>
+                                          </p:val>
+                                        </p:tav>
+                                      </p:tavLst>
+                                    </p:anim>
+                                    <p:animScale>
+                                      <p:cBhvr>
+                                        <p:cTn id="13" dur="26">
+                                          <p:stCondLst>
+                                            <p:cond delay="650"/>
+                                          </p:stCondLst>
+                                        </p:cTn>
+                                        <p:tgtEl>
+                                          <p:spTgt spid="4"/>
+                                        </p:tgtEl>
+                                      </p:cBhvr>
+                                      <p:to x="100000" y="60000"/>
+                                    </p:animScale>
+                                    <p:animScale>
+                                      <p:cBhvr>
+                                        <p:cTn id="14" dur="166" decel="50000">
+                                          <p:stCondLst>
+                                            <p:cond delay="676"/>
+                                          </p:stCondLst>
+                                        </p:cTn>
+                                        <p:tgtEl>
+                                          <p:spTgt spid="4"/>
+                                        </p:tgtEl>
+                                      </p:cBhvr>
+                                      <p:to x="100000" y="100000"/>
+                                    </p:animScale>
+                                    <p:animScale>
+                                      <p:cBhvr>
+                                        <p:cTn id="15" dur="26">
+                                          <p:stCondLst>
+                                            <p:cond delay="1312"/>
+                                          </p:stCondLst>
+                                        </p:cTn>
+                                        <p:tgtEl>
+                                          <p:spTgt spid="4"/>
+                                        </p:tgtEl>
+                                      </p:cBhvr>
+                                      <p:to x="100000" y="80000"/>
+                                    </p:animScale>
+                                    <p:animScale>
+                                      <p:cBhvr>
+                                        <p:cTn id="16" dur="166" decel="50000">
+                                          <p:stCondLst>
+                                            <p:cond delay="1338"/>
+                                          </p:stCondLst>
+                                        </p:cTn>
+                                        <p:tgtEl>
+                                          <p:spTgt spid="4"/>
+                                        </p:tgtEl>
+                                      </p:cBhvr>
+                                      <p:to x="100000" y="100000"/>
+                                    </p:animScale>
+                                    <p:animScale>
+                                      <p:cBhvr>
+                                        <p:cTn id="17" dur="26">
+                                          <p:stCondLst>
+                                            <p:cond delay="1642"/>
+                                          </p:stCondLst>
+                                        </p:cTn>
+                                        <p:tgtEl>
+                                          <p:spTgt spid="4"/>
+                                        </p:tgtEl>
+                                      </p:cBhvr>
+                                      <p:to x="100000" y="90000"/>
+                                    </p:animScale>
+                                    <p:animScale>
+                                      <p:cBhvr>
+                                        <p:cTn id="18" dur="166" decel="50000">
+                                          <p:stCondLst>
+                                            <p:cond delay="1668"/>
+                                          </p:stCondLst>
+                                        </p:cTn>
+                                        <p:tgtEl>
+                                          <p:spTgt spid="4"/>
+                                        </p:tgtEl>
+                                      </p:cBhvr>
+                                      <p:to x="100000" y="100000"/>
+                                    </p:animScale>
+                                    <p:animScale>
+                                      <p:cBhvr>
+                                        <p:cTn id="19" dur="26">
+                                          <p:stCondLst>
+                                            <p:cond delay="1808"/>
+                                          </p:stCondLst>
+                                        </p:cTn>
+                                        <p:tgtEl>
+                                          <p:spTgt spid="4"/>
+                                        </p:tgtEl>
+                                      </p:cBhvr>
+                                      <p:to x="100000" y="95000"/>
+                                    </p:animScale>
+                                    <p:animScale>
+                                      <p:cBhvr>
+                                        <p:cTn id="20" dur="166" decel="50000">
+                                          <p:stCondLst>
+                                            <p:cond delay="1834"/>
+                                          </p:stCondLst>
+                                        </p:cTn>
+                                        <p:tgtEl>
+                                          <p:spTgt spid="4"/>
+                                        </p:tgtEl>
+                                      </p:cBhvr>
+                                      <p:to x="100000" y="100000"/>
+                                    </p:animScale>
+                                  </p:childTnLst>
+                                </p:cTn>
+                              </p:par>
+                            </p:childTnLst>
+                          </p:cTn>
+                        </p:par>
+                      </p:childTnLst>
+                    </p:cTn>
+                  </p:par>
+                  <p:par>
+                    <p:cTn id="21" fill="hold">
+                      <p:stCondLst>
+                        <p:cond delay="indefinite"/>
+                      </p:stCondLst>
+                      <p:childTnLst>
+                        <p:par>
+                          <p:cTn id="22" fill="hold">
+                            <p:stCondLst>
+                              <p:cond delay="0"/>
+                            </p:stCondLst>
+                            <p:childTnLst>
+                              <p:par>
+                                <p:cTn id="23" presetID="26" presetClass="entr" presetSubtype="0" fill="hold" grpId="0" nodeType="clickEffect">
+                                  <p:stCondLst>
+                                    <p:cond delay="0"/>
+                                  </p:stCondLst>
+                                  <p:childTnLst>
+                                    <p:set>
+                                      <p:cBhvr>
+                                        <p:cTn id="24" dur="1" fill="hold">
+                                          <p:stCondLst>
+                                            <p:cond delay="0"/>
+                                          </p:stCondLst>
+                                        </p:cTn>
+                                        <p:tgtEl>
+                                          <p:spTgt spid="5"/>
+                                        </p:tgtEl>
+                                        <p:attrNameLst>
+                                          <p:attrName>style.visibility</p:attrName>
+                                        </p:attrNameLst>
+                                      </p:cBhvr>
+                                      <p:to>
+                                        <p:strVal val="visible"/>
+                                      </p:to>
+                                    </p:set>
+                                    <p:animEffect transition="in" filter="wipe(down)">
+                                      <p:cBhvr>
+                                        <p:cTn id="25" dur="580">
+                                          <p:stCondLst>
+                                            <p:cond delay="0"/>
+                                          </p:stCondLst>
+                                        </p:cTn>
+                                        <p:tgtEl>
+                                          <p:spTgt spid="5"/>
+                                        </p:tgtEl>
+                                      </p:cBhvr>
+                                    </p:animEffect>
+                                    <p:anim calcmode="lin" valueType="num">
+                                      <p:cBhvr>
+                                        <p:cTn id="26" dur="1822" tmFilter="0,0; 0.14,0.36; 0.43,0.73; 0.71,0.91; 1.0,1.0">
+                                          <p:stCondLst>
+                                            <p:cond delay="0"/>
+                                          </p:stCondLst>
+                                        </p:cTn>
+                                        <p:tgtEl>
+                                          <p:spTgt spid="5"/>
+                                        </p:tgtEl>
+                                        <p:attrNameLst>
+                                          <p:attrName>ppt_x</p:attrName>
+                                        </p:attrNameLst>
+                                      </p:cBhvr>
+                                      <p:tavLst>
+                                        <p:tav tm="0">
+                                          <p:val>
+                                            <p:strVal val="#ppt_x-0.25"/>
+                                          </p:val>
+                                        </p:tav>
+                                        <p:tav tm="100000">
+                                          <p:val>
+                                            <p:strVal val="#ppt_x"/>
+                                          </p:val>
+                                        </p:tav>
+                                      </p:tavLst>
+                                    </p:anim>
+                                    <p:anim calcmode="lin" valueType="num">
+                                      <p:cBhvr>
+                                        <p:cTn id="27" dur="664" tmFilter="0.0,0.0; 0.25,0.07; 0.50,0.2; 0.75,0.467; 1.0,1.0">
+                                          <p:stCondLst>
+                                            <p:cond delay="0"/>
+                                          </p:stCondLst>
+                                        </p:cTn>
+                                        <p:tgtEl>
+                                          <p:spTgt spid="5"/>
+                                        </p:tgtEl>
+                                        <p:attrNameLst>
+                                          <p:attrName>ppt_y</p:attrName>
+                                        </p:attrNameLst>
+                                      </p:cBhvr>
+                                      <p:tavLst>
+                                        <p:tav tm="0" fmla="#ppt_y-sin(pi*$)/3">
+                                          <p:val>
+                                            <p:fltVal val="0.5"/>
+                                          </p:val>
+                                        </p:tav>
+                                        <p:tav tm="100000">
+                                          <p:val>
+                                            <p:fltVal val="1"/>
+                                          </p:val>
+                                        </p:tav>
+                                      </p:tavLst>
+                                    </p:anim>
+                                    <p:anim calcmode="lin" valueType="num">
+                                      <p:cBhvr>
+                                        <p:cTn id="28" dur="664" tmFilter="0, 0; 0.125,0.2665; 0.25,0.4; 0.375,0.465; 0.5,0.5;  0.625,0.535; 0.75,0.6; 0.875,0.7335; 1,1">
+                                          <p:stCondLst>
+                                            <p:cond delay="664"/>
+                                          </p:stCondLst>
+                                        </p:cTn>
+                                        <p:tgtEl>
+                                          <p:spTgt spid="5"/>
+                                        </p:tgtEl>
+                                        <p:attrNameLst>
+                                          <p:attrName>ppt_y</p:attrName>
+                                        </p:attrNameLst>
+                                      </p:cBhvr>
+                                      <p:tavLst>
+                                        <p:tav tm="0" fmla="#ppt_y-sin(pi*$)/9">
+                                          <p:val>
+                                            <p:fltVal val="0"/>
+                                          </p:val>
+                                        </p:tav>
+                                        <p:tav tm="100000">
+                                          <p:val>
+                                            <p:fltVal val="1"/>
+                                          </p:val>
+                                        </p:tav>
+                                      </p:tavLst>
+                                    </p:anim>
+                                    <p:anim calcmode="lin" valueType="num">
+                                      <p:cBhvr>
+                                        <p:cTn id="29" dur="332" tmFilter="0, 0; 0.125,0.2665; 0.25,0.4; 0.375,0.465; 0.5,0.5;  0.625,0.535; 0.75,0.6; 0.875,0.7335; 1,1">
+                                          <p:stCondLst>
+                                            <p:cond delay="1324"/>
+                                          </p:stCondLst>
+                                        </p:cTn>
+                                        <p:tgtEl>
+                                          <p:spTgt spid="5"/>
+                                        </p:tgtEl>
+                                        <p:attrNameLst>
+                                          <p:attrName>ppt_y</p:attrName>
+                                        </p:attrNameLst>
+                                      </p:cBhvr>
+                                      <p:tavLst>
+                                        <p:tav tm="0" fmla="#ppt_y-sin(pi*$)/27">
+                                          <p:val>
+                                            <p:fltVal val="0"/>
+                                          </p:val>
+                                        </p:tav>
+                                        <p:tav tm="100000">
+                                          <p:val>
+                                            <p:fltVal val="1"/>
+                                          </p:val>
+                                        </p:tav>
+                                      </p:tavLst>
+                                    </p:anim>
+                                    <p:anim calcmode="lin" valueType="num">
+                                      <p:cBhvr>
+                                        <p:cTn id="30" dur="164" tmFilter="0, 0; 0.125,0.2665; 0.25,0.4; 0.375,0.465; 0.5,0.5;  0.625,0.535; 0.75,0.6; 0.875,0.7335; 1,1">
+                                          <p:stCondLst>
+                                            <p:cond delay="1656"/>
+                                          </p:stCondLst>
+                                        </p:cTn>
+                                        <p:tgtEl>
+                                          <p:spTgt spid="5"/>
+                                        </p:tgtEl>
+                                        <p:attrNameLst>
+                                          <p:attrName>ppt_y</p:attrName>
+                                        </p:attrNameLst>
+                                      </p:cBhvr>
+                                      <p:tavLst>
+                                        <p:tav tm="0" fmla="#ppt_y-sin(pi*$)/81">
+                                          <p:val>
+                                            <p:fltVal val="0"/>
+                                          </p:val>
+                                        </p:tav>
+                                        <p:tav tm="100000">
+                                          <p:val>
+                                            <p:fltVal val="1"/>
+                                          </p:val>
+                                        </p:tav>
+                                      </p:tavLst>
+                                    </p:anim>
+                                    <p:animScale>
+                                      <p:cBhvr>
+                                        <p:cTn id="31" dur="26">
+                                          <p:stCondLst>
+                                            <p:cond delay="650"/>
+                                          </p:stCondLst>
+                                        </p:cTn>
+                                        <p:tgtEl>
+                                          <p:spTgt spid="5"/>
+                                        </p:tgtEl>
+                                      </p:cBhvr>
+                                      <p:to x="100000" y="60000"/>
+                                    </p:animScale>
+                                    <p:animScale>
+                                      <p:cBhvr>
+                                        <p:cTn id="32" dur="166" decel="50000">
+                                          <p:stCondLst>
+                                            <p:cond delay="676"/>
+                                          </p:stCondLst>
+                                        </p:cTn>
+                                        <p:tgtEl>
+                                          <p:spTgt spid="5"/>
+                                        </p:tgtEl>
+                                      </p:cBhvr>
+                                      <p:to x="100000" y="100000"/>
+                                    </p:animScale>
+                                    <p:animScale>
+                                      <p:cBhvr>
+                                        <p:cTn id="33" dur="26">
+                                          <p:stCondLst>
+                                            <p:cond delay="1312"/>
+                                          </p:stCondLst>
+                                        </p:cTn>
+                                        <p:tgtEl>
+                                          <p:spTgt spid="5"/>
+                                        </p:tgtEl>
+                                      </p:cBhvr>
+                                      <p:to x="100000" y="80000"/>
+                                    </p:animScale>
+                                    <p:animScale>
+                                      <p:cBhvr>
+                                        <p:cTn id="34" dur="166" decel="50000">
+                                          <p:stCondLst>
+                                            <p:cond delay="1338"/>
+                                          </p:stCondLst>
+                                        </p:cTn>
+                                        <p:tgtEl>
+                                          <p:spTgt spid="5"/>
+                                        </p:tgtEl>
+                                      </p:cBhvr>
+                                      <p:to x="100000" y="100000"/>
+                                    </p:animScale>
+                                    <p:animScale>
+                                      <p:cBhvr>
+                                        <p:cTn id="35" dur="26">
+                                          <p:stCondLst>
+                                            <p:cond delay="1642"/>
+                                          </p:stCondLst>
+                                        </p:cTn>
+                                        <p:tgtEl>
+                                          <p:spTgt spid="5"/>
+                                        </p:tgtEl>
+                                      </p:cBhvr>
+                                      <p:to x="100000" y="90000"/>
+                                    </p:animScale>
+                                    <p:animScale>
+                                      <p:cBhvr>
+                                        <p:cTn id="36" dur="166" decel="50000">
+                                          <p:stCondLst>
+                                            <p:cond delay="1668"/>
+                                          </p:stCondLst>
+                                        </p:cTn>
+                                        <p:tgtEl>
+                                          <p:spTgt spid="5"/>
+                                        </p:tgtEl>
+                                      </p:cBhvr>
+                                      <p:to x="100000" y="100000"/>
+                                    </p:animScale>
+                                    <p:animScale>
+                                      <p:cBhvr>
+                                        <p:cTn id="37" dur="26">
+                                          <p:stCondLst>
+                                            <p:cond delay="1808"/>
+                                          </p:stCondLst>
+                                        </p:cTn>
+                                        <p:tgtEl>
+                                          <p:spTgt spid="5"/>
+                                        </p:tgtEl>
+                                      </p:cBhvr>
+                                      <p:to x="100000" y="95000"/>
+                                    </p:animScale>
+                                    <p:animScale>
+                                      <p:cBhvr>
+                                        <p:cTn id="38" dur="166" decel="50000">
+                                          <p:stCondLst>
+                                            <p:cond delay="1834"/>
+                                          </p:stCondLst>
+                                        </p:cTn>
+                                        <p:tgtEl>
+                                          <p:spTgt spid="5"/>
+                                        </p:tgtEl>
+                                      </p:cBhvr>
+                                      <p:to x="100000" y="100000"/>
+                                    </p:animScale>
+                                  </p:childTnLst>
+                                </p:cTn>
+                              </p:par>
+                            </p:childTnLst>
+                          </p:cTn>
+                        </p:par>
+                      </p:childTnLst>
+                    </p:cTn>
+                  </p:par>
+                  <p:par>
+                    <p:cTn id="39" fill="hold">
+                      <p:stCondLst>
+                        <p:cond delay="indefinite"/>
+                      </p:stCondLst>
+                      <p:childTnLst>
+                        <p:par>
+                          <p:cTn id="40" fill="hold">
+                            <p:stCondLst>
+                              <p:cond delay="0"/>
+                            </p:stCondLst>
+                            <p:childTnLst>
+                              <p:par>
+                                <p:cTn id="41" presetID="26" presetClass="entr" presetSubtype="0" fill="hold" grpId="0" nodeType="clickEffect">
+                                  <p:stCondLst>
+                                    <p:cond delay="0"/>
+                                  </p:stCondLst>
+                                  <p:childTnLst>
+                                    <p:set>
+                                      <p:cBhvr>
+                                        <p:cTn id="42" dur="1" fill="hold">
+                                          <p:stCondLst>
+                                            <p:cond delay="0"/>
+                                          </p:stCondLst>
+                                        </p:cTn>
+                                        <p:tgtEl>
+                                          <p:spTgt spid="7"/>
+                                        </p:tgtEl>
+                                        <p:attrNameLst>
+                                          <p:attrName>style.visibility</p:attrName>
+                                        </p:attrNameLst>
+                                      </p:cBhvr>
+                                      <p:to>
+                                        <p:strVal val="visible"/>
+                                      </p:to>
+                                    </p:set>
+                                    <p:animEffect transition="in" filter="wipe(down)">
+                                      <p:cBhvr>
+                                        <p:cTn id="43" dur="580">
+                                          <p:stCondLst>
+                                            <p:cond delay="0"/>
+                                          </p:stCondLst>
+                                        </p:cTn>
+                                        <p:tgtEl>
+                                          <p:spTgt spid="7"/>
+                                        </p:tgtEl>
+                                      </p:cBhvr>
+                                    </p:animEffect>
+                                    <p:anim calcmode="lin" valueType="num">
+                                      <p:cBhvr>
+                                        <p:cTn id="44" dur="1822" tmFilter="0,0; 0.14,0.36; 0.43,0.73; 0.71,0.91; 1.0,1.0">
+                                          <p:stCondLst>
+                                            <p:cond delay="0"/>
+                                          </p:stCondLst>
+                                        </p:cTn>
+                                        <p:tgtEl>
+                                          <p:spTgt spid="7"/>
+                                        </p:tgtEl>
+                                        <p:attrNameLst>
+                                          <p:attrName>ppt_x</p:attrName>
+                                        </p:attrNameLst>
+                                      </p:cBhvr>
+                                      <p:tavLst>
+                                        <p:tav tm="0">
+                                          <p:val>
+                                            <p:strVal val="#ppt_x-0.25"/>
+                                          </p:val>
+                                        </p:tav>
+                                        <p:tav tm="100000">
+                                          <p:val>
+                                            <p:strVal val="#ppt_x"/>
+                                          </p:val>
+                                        </p:tav>
+                                      </p:tavLst>
+                                    </p:anim>
+                                    <p:anim calcmode="lin" valueType="num">
+                                      <p:cBhvr>
+                                        <p:cTn id="45" dur="664" tmFilter="0.0,0.0; 0.25,0.07; 0.50,0.2; 0.75,0.467; 1.0,1.0">
+                                          <p:stCondLst>
+                                            <p:cond delay="0"/>
+                                          </p:stCondLst>
+                                        </p:cTn>
+                                        <p:tgtEl>
+                                          <p:spTgt spid="7"/>
+                                        </p:tgtEl>
+                                        <p:attrNameLst>
+                                          <p:attrName>ppt_y</p:attrName>
+                                        </p:attrNameLst>
+                                      </p:cBhvr>
+                                      <p:tavLst>
+                                        <p:tav tm="0" fmla="#ppt_y-sin(pi*$)/3">
+                                          <p:val>
+                                            <p:fltVal val="0.5"/>
+                                          </p:val>
+                                        </p:tav>
+                                        <p:tav tm="100000">
+                                          <p:val>
+                                            <p:fltVal val="1"/>
+                                          </p:val>
+                                        </p:tav>
+                                      </p:tavLst>
+                                    </p:anim>
+                                    <p:anim calcmode="lin" valueType="num">
+                                      <p:cBhvr>
+                                        <p:cTn id="46" dur="664" tmFilter="0, 0; 0.125,0.2665; 0.25,0.4; 0.375,0.465; 0.5,0.5;  0.625,0.535; 0.75,0.6; 0.875,0.7335; 1,1">
+                                          <p:stCondLst>
+                                            <p:cond delay="664"/>
+                                          </p:stCondLst>
+                                        </p:cTn>
+                                        <p:tgtEl>
+                                          <p:spTgt spid="7"/>
+                                        </p:tgtEl>
+                                        <p:attrNameLst>
+                                          <p:attrName>ppt_y</p:attrName>
+                                        </p:attrNameLst>
+                                      </p:cBhvr>
+                                      <p:tavLst>
+                                        <p:tav tm="0" fmla="#ppt_y-sin(pi*$)/9">
+                                          <p:val>
+                                            <p:fltVal val="0"/>
+                                          </p:val>
+                                        </p:tav>
+                                        <p:tav tm="100000">
+                                          <p:val>
+                                            <p:fltVal val="1"/>
+                                          </p:val>
+                                        </p:tav>
+                                      </p:tavLst>
+                                    </p:anim>
+                                    <p:anim calcmode="lin" valueType="num">
+                                      <p:cBhvr>
+                                        <p:cTn id="47" dur="332" tmFilter="0, 0; 0.125,0.2665; 0.25,0.4; 0.375,0.465; 0.5,0.5;  0.625,0.535; 0.75,0.6; 0.875,0.7335; 1,1">
+                                          <p:stCondLst>
+                                            <p:cond delay="1324"/>
+                                          </p:stCondLst>
+                                        </p:cTn>
+                                        <p:tgtEl>
+                                          <p:spTgt spid="7"/>
+                                        </p:tgtEl>
+                                        <p:attrNameLst>
+                                          <p:attrName>ppt_y</p:attrName>
+                                        </p:attrNameLst>
+                                      </p:cBhvr>
+                                      <p:tavLst>
+                                        <p:tav tm="0" fmla="#ppt_y-sin(pi*$)/27">
+                                          <p:val>
+                                            <p:fltVal val="0"/>
+                                          </p:val>
+                                        </p:tav>
+                                        <p:tav tm="100000">
+                                          <p:val>
+                                            <p:fltVal val="1"/>
+                                          </p:val>
+                                        </p:tav>
+                                      </p:tavLst>
+                                    </p:anim>
+                                    <p:anim calcmode="lin" valueType="num">
+                                      <p:cBhvr>
+                                        <p:cTn id="48" dur="164" tmFilter="0, 0; 0.125,0.2665; 0.25,0.4; 0.375,0.465; 0.5,0.5;  0.625,0.535; 0.75,0.6; 0.875,0.7335; 1,1">
+                                          <p:stCondLst>
+                                            <p:cond delay="1656"/>
+                                          </p:stCondLst>
+                                        </p:cTn>
+                                        <p:tgtEl>
+                                          <p:spTgt spid="7"/>
+                                        </p:tgtEl>
+                                        <p:attrNameLst>
+                                          <p:attrName>ppt_y</p:attrName>
+                                        </p:attrNameLst>
+                                      </p:cBhvr>
+                                      <p:tavLst>
+                                        <p:tav tm="0" fmla="#ppt_y-sin(pi*$)/81">
+                                          <p:val>
+                                            <p:fltVal val="0"/>
+                                          </p:val>
+                                        </p:tav>
+                                        <p:tav tm="100000">
+                                          <p:val>
+                                            <p:fltVal val="1"/>
+                                          </p:val>
+                                        </p:tav>
+                                      </p:tavLst>
+                                    </p:anim>
+                                    <p:animScale>
+                                      <p:cBhvr>
+                                        <p:cTn id="49" dur="26">
+                                          <p:stCondLst>
+                                            <p:cond delay="650"/>
+                                          </p:stCondLst>
+                                        </p:cTn>
+                                        <p:tgtEl>
+                                          <p:spTgt spid="7"/>
+                                        </p:tgtEl>
+                                      </p:cBhvr>
+                                      <p:to x="100000" y="60000"/>
+                                    </p:animScale>
+                                    <p:animScale>
+                                      <p:cBhvr>
+                                        <p:cTn id="50" dur="166" decel="50000">
+                                          <p:stCondLst>
+                                            <p:cond delay="676"/>
+                                          </p:stCondLst>
+                                        </p:cTn>
+                                        <p:tgtEl>
+                                          <p:spTgt spid="7"/>
+                                        </p:tgtEl>
+                                      </p:cBhvr>
+                                      <p:to x="100000" y="100000"/>
+                                    </p:animScale>
+                                    <p:animScale>
+                                      <p:cBhvr>
+                                        <p:cTn id="51" dur="26">
+                                          <p:stCondLst>
+                                            <p:cond delay="1312"/>
+                                          </p:stCondLst>
+                                        </p:cTn>
+                                        <p:tgtEl>
+                                          <p:spTgt spid="7"/>
+                                        </p:tgtEl>
+                                      </p:cBhvr>
+                                      <p:to x="100000" y="80000"/>
+                                    </p:animScale>
+                                    <p:animScale>
+                                      <p:cBhvr>
+                                        <p:cTn id="52" dur="166" decel="50000">
+                                          <p:stCondLst>
+                                            <p:cond delay="1338"/>
+                                          </p:stCondLst>
+                                        </p:cTn>
+                                        <p:tgtEl>
+                                          <p:spTgt spid="7"/>
+                                        </p:tgtEl>
+                                      </p:cBhvr>
+                                      <p:to x="100000" y="100000"/>
+                                    </p:animScale>
+                                    <p:animScale>
+                                      <p:cBhvr>
+                                        <p:cTn id="53" dur="26">
+                                          <p:stCondLst>
+                                            <p:cond delay="1642"/>
+                                          </p:stCondLst>
+                                        </p:cTn>
+                                        <p:tgtEl>
+                                          <p:spTgt spid="7"/>
+                                        </p:tgtEl>
+                                      </p:cBhvr>
+                                      <p:to x="100000" y="90000"/>
+                                    </p:animScale>
+                                    <p:animScale>
+                                      <p:cBhvr>
+                                        <p:cTn id="54" dur="166" decel="50000">
+                                          <p:stCondLst>
+                                            <p:cond delay="1668"/>
+                                          </p:stCondLst>
+                                        </p:cTn>
+                                        <p:tgtEl>
+                                          <p:spTgt spid="7"/>
+                                        </p:tgtEl>
+                                      </p:cBhvr>
+                                      <p:to x="100000" y="100000"/>
+                                    </p:animScale>
+                                    <p:animScale>
+                                      <p:cBhvr>
+                                        <p:cTn id="55" dur="26">
+                                          <p:stCondLst>
+                                            <p:cond delay="1808"/>
+                                          </p:stCondLst>
+                                        </p:cTn>
+                                        <p:tgtEl>
+                                          <p:spTgt spid="7"/>
+                                        </p:tgtEl>
+                                      </p:cBhvr>
+                                      <p:to x="100000" y="95000"/>
+                                    </p:animScale>
+                                    <p:animScale>
+                                      <p:cBhvr>
+                                        <p:cTn id="56" dur="166" decel="50000">
+                                          <p:stCondLst>
+                                            <p:cond delay="1834"/>
+                                          </p:stCondLst>
+                                        </p:cTn>
+                                        <p:tgtEl>
+                                          <p:spTgt spid="7"/>
+                                        </p:tgtEl>
+                                      </p:cBhvr>
+                                      <p:to x="100000" y="100000"/>
+                                    </p:animScale>
+                                  </p:childTnLst>
+                                </p:cTn>
+                              </p:par>
+                            </p:childTnLst>
+                          </p:cTn>
+                        </p:par>
+                      </p:childTnLst>
+                    </p:cTn>
+                  </p:par>
+                  <p:par>
+                    <p:cTn id="57" fill="hold">
+                      <p:stCondLst>
+                        <p:cond delay="indefinite"/>
+                      </p:stCondLst>
+                      <p:childTnLst>
+                        <p:par>
+                          <p:cTn id="58" fill="hold">
+                            <p:stCondLst>
+                              <p:cond delay="0"/>
+                            </p:stCondLst>
+                            <p:childTnLst>
+                              <p:par>
+                                <p:cTn id="59" presetID="26" presetClass="entr" presetSubtype="0" fill="hold" grpId="0" nodeType="clickEffect">
+                                  <p:stCondLst>
+                                    <p:cond delay="0"/>
+                                  </p:stCondLst>
+                                  <p:childTnLst>
+                                    <p:set>
+                                      <p:cBhvr>
+                                        <p:cTn id="60" dur="1" fill="hold">
+                                          <p:stCondLst>
+                                            <p:cond delay="0"/>
+                                          </p:stCondLst>
+                                        </p:cTn>
+                                        <p:tgtEl>
+                                          <p:spTgt spid="8"/>
+                                        </p:tgtEl>
+                                        <p:attrNameLst>
+                                          <p:attrName>style.visibility</p:attrName>
+                                        </p:attrNameLst>
+                                      </p:cBhvr>
+                                      <p:to>
+                                        <p:strVal val="visible"/>
+                                      </p:to>
+                                    </p:set>
+                                    <p:animEffect transition="in" filter="wipe(down)">
+                                      <p:cBhvr>
+                                        <p:cTn id="61" dur="580">
+                                          <p:stCondLst>
+                                            <p:cond delay="0"/>
+                                          </p:stCondLst>
+                                        </p:cTn>
+                                        <p:tgtEl>
+                                          <p:spTgt spid="8"/>
+                                        </p:tgtEl>
+                                      </p:cBhvr>
+                                    </p:animEffect>
+                                    <p:anim calcmode="lin" valueType="num">
+                                      <p:cBhvr>
+                                        <p:cTn id="62" dur="1822" tmFilter="0,0; 0.14,0.36; 0.43,0.73; 0.71,0.91; 1.0,1.0">
+                                          <p:stCondLst>
+                                            <p:cond delay="0"/>
+                                          </p:stCondLst>
+                                        </p:cTn>
+                                        <p:tgtEl>
+                                          <p:spTgt spid="8"/>
+                                        </p:tgtEl>
+                                        <p:attrNameLst>
+                                          <p:attrName>ppt_x</p:attrName>
+                                        </p:attrNameLst>
+                                      </p:cBhvr>
+                                      <p:tavLst>
+                                        <p:tav tm="0">
+                                          <p:val>
+                                            <p:strVal val="#ppt_x-0.25"/>
+                                          </p:val>
+                                        </p:tav>
+                                        <p:tav tm="100000">
+                                          <p:val>
+                                            <p:strVal val="#ppt_x"/>
+                                          </p:val>
+                                        </p:tav>
+                                      </p:tavLst>
+                                    </p:anim>
+                                    <p:anim calcmode="lin" valueType="num">
+                                      <p:cBhvr>
+                                        <p:cTn id="63" dur="664" tmFilter="0.0,0.0; 0.25,0.07; 0.50,0.2; 0.75,0.467; 1.0,1.0">
+                                          <p:stCondLst>
+                                            <p:cond delay="0"/>
+                                          </p:stCondLst>
+                                        </p:cTn>
+                                        <p:tgtEl>
+                                          <p:spTgt spid="8"/>
+                                        </p:tgtEl>
+                                        <p:attrNameLst>
+                                          <p:attrName>ppt_y</p:attrName>
+                                        </p:attrNameLst>
+                                      </p:cBhvr>
+                                      <p:tavLst>
+                                        <p:tav tm="0" fmla="#ppt_y-sin(pi*$)/3">
+                                          <p:val>
+                                            <p:fltVal val="0.5"/>
+                                          </p:val>
+                                        </p:tav>
+                                        <p:tav tm="100000">
+                                          <p:val>
+                                            <p:fltVal val="1"/>
+                                          </p:val>
+                                        </p:tav>
+                                      </p:tavLst>
+                                    </p:anim>
+                                    <p:anim calcmode="lin" valueType="num">
+                                      <p:cBhvr>
+                                        <p:cTn id="64" dur="664" tmFilter="0, 0; 0.125,0.2665; 0.25,0.4; 0.375,0.465; 0.5,0.5;  0.625,0.535; 0.75,0.6; 0.875,0.7335; 1,1">
+                                          <p:stCondLst>
+                                            <p:cond delay="664"/>
+                                          </p:stCondLst>
+                                        </p:cTn>
+                                        <p:tgtEl>
+                                          <p:spTgt spid="8"/>
+                                        </p:tgtEl>
+                                        <p:attrNameLst>
+                                          <p:attrName>ppt_y</p:attrName>
+                                        </p:attrNameLst>
+                                      </p:cBhvr>
+                                      <p:tavLst>
+                                        <p:tav tm="0" fmla="#ppt_y-sin(pi*$)/9">
+                                          <p:val>
+                                            <p:fltVal val="0"/>
+                                          </p:val>
+                                        </p:tav>
+                                        <p:tav tm="100000">
+                                          <p:val>
+                                            <p:fltVal val="1"/>
+                                          </p:val>
+                                        </p:tav>
+                                      </p:tavLst>
+                                    </p:anim>
+                                    <p:anim calcmode="lin" valueType="num">
+                                      <p:cBhvr>
+                                        <p:cTn id="65" dur="332" tmFilter="0, 0; 0.125,0.2665; 0.25,0.4; 0.375,0.465; 0.5,0.5;  0.625,0.535; 0.75,0.6; 0.875,0.7335; 1,1">
+                                          <p:stCondLst>
+                                            <p:cond delay="1324"/>
+                                          </p:stCondLst>
+                                        </p:cTn>
+                                        <p:tgtEl>
+                                          <p:spTgt spid="8"/>
+                                        </p:tgtEl>
+                                        <p:attrNameLst>
+                                          <p:attrName>ppt_y</p:attrName>
+                                        </p:attrNameLst>
+                                      </p:cBhvr>
+                                      <p:tavLst>
+                                        <p:tav tm="0" fmla="#ppt_y-sin(pi*$)/27">
+                                          <p:val>
+                                            <p:fltVal val="0"/>
+                                          </p:val>
+                                        </p:tav>
+                                        <p:tav tm="100000">
+                                          <p:val>
+                                            <p:fltVal val="1"/>
+                                          </p:val>
+                                        </p:tav>
+                                      </p:tavLst>
+                                    </p:anim>
+                                    <p:anim calcmode="lin" valueType="num">
+                                      <p:cBhvr>
+                                        <p:cTn id="66" dur="164" tmFilter="0, 0; 0.125,0.2665; 0.25,0.4; 0.375,0.465; 0.5,0.5;  0.625,0.535; 0.75,0.6; 0.875,0.7335; 1,1">
+                                          <p:stCondLst>
+                                            <p:cond delay="1656"/>
+                                          </p:stCondLst>
+                                        </p:cTn>
+                                        <p:tgtEl>
+                                          <p:spTgt spid="8"/>
+                                        </p:tgtEl>
+                                        <p:attrNameLst>
+                                          <p:attrName>ppt_y</p:attrName>
+                                        </p:attrNameLst>
+                                      </p:cBhvr>
+                                      <p:tavLst>
+                                        <p:tav tm="0" fmla="#ppt_y-sin(pi*$)/81">
+                                          <p:val>
+                                            <p:fltVal val="0"/>
+                                          </p:val>
+                                        </p:tav>
+                                        <p:tav tm="100000">
+                                          <p:val>
+                                            <p:fltVal val="1"/>
+                                          </p:val>
+                                        </p:tav>
+                                      </p:tavLst>
+                                    </p:anim>
+                                    <p:animScale>
+                                      <p:cBhvr>
+                                        <p:cTn id="67" dur="26">
+                                          <p:stCondLst>
+                                            <p:cond delay="650"/>
+                                          </p:stCondLst>
+                                        </p:cTn>
+                                        <p:tgtEl>
+                                          <p:spTgt spid="8"/>
+                                        </p:tgtEl>
+                                      </p:cBhvr>
+                                      <p:to x="100000" y="60000"/>
+                                    </p:animScale>
+                                    <p:animScale>
+                                      <p:cBhvr>
+                                        <p:cTn id="68" dur="166" decel="50000">
+                                          <p:stCondLst>
+                                            <p:cond delay="676"/>
+                                          </p:stCondLst>
+                                        </p:cTn>
+                                        <p:tgtEl>
+                                          <p:spTgt spid="8"/>
+                                        </p:tgtEl>
+                                      </p:cBhvr>
+                                      <p:to x="100000" y="100000"/>
+                                    </p:animScale>
+                                    <p:animScale>
+                                      <p:cBhvr>
+                                        <p:cTn id="69" dur="26">
+                                          <p:stCondLst>
+                                            <p:cond delay="1312"/>
+                                          </p:stCondLst>
+                                        </p:cTn>
+                                        <p:tgtEl>
+                                          <p:spTgt spid="8"/>
+                                        </p:tgtEl>
+                                      </p:cBhvr>
+                                      <p:to x="100000" y="80000"/>
+                                    </p:animScale>
+                                    <p:animScale>
+                                      <p:cBhvr>
+                                        <p:cTn id="70" dur="166" decel="50000">
+                                          <p:stCondLst>
+                                            <p:cond delay="1338"/>
+                                          </p:stCondLst>
+                                        </p:cTn>
+                                        <p:tgtEl>
+                                          <p:spTgt spid="8"/>
+                                        </p:tgtEl>
+                                      </p:cBhvr>
+                                      <p:to x="100000" y="100000"/>
+                                    </p:animScale>
+                                    <p:animScale>
+                                      <p:cBhvr>
+                                        <p:cTn id="71" dur="26">
+                                          <p:stCondLst>
+                                            <p:cond delay="1642"/>
+                                          </p:stCondLst>
+                                        </p:cTn>
+                                        <p:tgtEl>
+                                          <p:spTgt spid="8"/>
+                                        </p:tgtEl>
+                                      </p:cBhvr>
+                                      <p:to x="100000" y="90000"/>
+                                    </p:animScale>
+                                    <p:animScale>
+                                      <p:cBhvr>
+                                        <p:cTn id="72" dur="166" decel="50000">
+                                          <p:stCondLst>
+                                            <p:cond delay="1668"/>
+                                          </p:stCondLst>
+                                        </p:cTn>
+                                        <p:tgtEl>
+                                          <p:spTgt spid="8"/>
+                                        </p:tgtEl>
+                                      </p:cBhvr>
+                                      <p:to x="100000" y="100000"/>
+                                    </p:animScale>
+                                    <p:animScale>
+                                      <p:cBhvr>
+                                        <p:cTn id="73" dur="26">
+                                          <p:stCondLst>
+                                            <p:cond delay="1808"/>
+                                          </p:stCondLst>
+                                        </p:cTn>
+                                        <p:tgtEl>
+                                          <p:spTgt spid="8"/>
+                                        </p:tgtEl>
+                                      </p:cBhvr>
+                                      <p:to x="100000" y="95000"/>
+                                    </p:animScale>
+                                    <p:animScale>
+                                      <p:cBhvr>
+                                        <p:cTn id="74" dur="166" decel="50000">
+                                          <p:stCondLst>
+                                            <p:cond delay="1834"/>
+                                          </p:stCondLst>
+                                        </p:cTn>
+                                        <p:tgtEl>
+                                          <p:spTgt spid="8"/>
+                                        </p:tgtEl>
+                                      </p:cBhvr>
+                                      <p:to x="100000" y="100000"/>
+                                    </p:animScale>
+                                  </p:childTnLst>
+                                </p:cTn>
+                              </p:par>
+                            </p:childTnLst>
+                          </p:cTn>
+                        </p:par>
+                      </p:childTnLst>
+                    </p:cTn>
+                  </p:par>
+                  <p:par>
+                    <p:cTn id="75" fill="hold">
+                      <p:stCondLst>
+                        <p:cond delay="indefinite"/>
+                      </p:stCondLst>
+                      <p:childTnLst>
+                        <p:par>
+                          <p:cTn id="76" fill="hold">
+                            <p:stCondLst>
+                              <p:cond delay="0"/>
+                            </p:stCondLst>
+                            <p:childTnLst>
+                              <p:par>
+                                <p:cTn id="77" presetID="26" presetClass="entr" presetSubtype="0" fill="hold" grpId="0" nodeType="clickEffect">
+                                  <p:stCondLst>
+                                    <p:cond delay="0"/>
+                                  </p:stCondLst>
+                                  <p:childTnLst>
+                                    <p:set>
+                                      <p:cBhvr>
+                                        <p:cTn id="78" dur="1" fill="hold">
+                                          <p:stCondLst>
+                                            <p:cond delay="0"/>
+                                          </p:stCondLst>
+                                        </p:cTn>
+                                        <p:tgtEl>
+                                          <p:spTgt spid="9"/>
+                                        </p:tgtEl>
+                                        <p:attrNameLst>
+                                          <p:attrName>style.visibility</p:attrName>
+                                        </p:attrNameLst>
+                                      </p:cBhvr>
+                                      <p:to>
+                                        <p:strVal val="visible"/>
+                                      </p:to>
+                                    </p:set>
+                                    <p:animEffect transition="in" filter="wipe(down)">
+                                      <p:cBhvr>
+                                        <p:cTn id="79" dur="580">
+                                          <p:stCondLst>
+                                            <p:cond delay="0"/>
+                                          </p:stCondLst>
+                                        </p:cTn>
+                                        <p:tgtEl>
+                                          <p:spTgt spid="9"/>
+                                        </p:tgtEl>
+                                      </p:cBhvr>
+                                    </p:animEffect>
+                                    <p:anim calcmode="lin" valueType="num">
+                                      <p:cBhvr>
+                                        <p:cTn id="80" dur="1822" tmFilter="0,0; 0.14,0.36; 0.43,0.73; 0.71,0.91; 1.0,1.0">
+                                          <p:stCondLst>
+                                            <p:cond delay="0"/>
+                                          </p:stCondLst>
+                                        </p:cTn>
+                                        <p:tgtEl>
+                                          <p:spTgt spid="9"/>
+                                        </p:tgtEl>
+                                        <p:attrNameLst>
+                                          <p:attrName>ppt_x</p:attrName>
+                                        </p:attrNameLst>
+                                      </p:cBhvr>
+                                      <p:tavLst>
+                                        <p:tav tm="0">
+                                          <p:val>
+                                            <p:strVal val="#ppt_x-0.25"/>
+                                          </p:val>
+                                        </p:tav>
+                                        <p:tav tm="100000">
+                                          <p:val>
+                                            <p:strVal val="#ppt_x"/>
+                                          </p:val>
+                                        </p:tav>
+                                      </p:tavLst>
+                                    </p:anim>
+                                    <p:anim calcmode="lin" valueType="num">
+                                      <p:cBhvr>
+                                        <p:cTn id="81" dur="664" tmFilter="0.0,0.0; 0.25,0.07; 0.50,0.2; 0.75,0.467; 1.0,1.0">
+                                          <p:stCondLst>
+                                            <p:cond delay="0"/>
+                                          </p:stCondLst>
+                                        </p:cTn>
+                                        <p:tgtEl>
+                                          <p:spTgt spid="9"/>
+                                        </p:tgtEl>
+                                        <p:attrNameLst>
+                                          <p:attrName>ppt_y</p:attrName>
+                                        </p:attrNameLst>
+                                      </p:cBhvr>
+                                      <p:tavLst>
+                                        <p:tav tm="0" fmla="#ppt_y-sin(pi*$)/3">
+                                          <p:val>
+                                            <p:fltVal val="0.5"/>
+                                          </p:val>
+                                        </p:tav>
+                                        <p:tav tm="100000">
+                                          <p:val>
+                                            <p:fltVal val="1"/>
+                                          </p:val>
+                                        </p:tav>
+                                      </p:tavLst>
+                                    </p:anim>
+                                    <p:anim calcmode="lin" valueType="num">
+                                      <p:cBhvr>
+                                        <p:cTn id="82" dur="664" tmFilter="0, 0; 0.125,0.2665; 0.25,0.4; 0.375,0.465; 0.5,0.5;  0.625,0.535; 0.75,0.6; 0.875,0.7335; 1,1">
+                                          <p:stCondLst>
+                                            <p:cond delay="664"/>
+                                          </p:stCondLst>
+                                        </p:cTn>
+                                        <p:tgtEl>
+                                          <p:spTgt spid="9"/>
+                                        </p:tgtEl>
+                                        <p:attrNameLst>
+                                          <p:attrName>ppt_y</p:attrName>
+                                        </p:attrNameLst>
+                                      </p:cBhvr>
+                                      <p:tavLst>
+                                        <p:tav tm="0" fmla="#ppt_y-sin(pi*$)/9">
+                                          <p:val>
+                                            <p:fltVal val="0"/>
+                                          </p:val>
+                                        </p:tav>
+                                        <p:tav tm="100000">
+                                          <p:val>
+                                            <p:fltVal val="1"/>
+                                          </p:val>
+                                        </p:tav>
+                                      </p:tavLst>
+                                    </p:anim>
+                                    <p:anim calcmode="lin" valueType="num">
+                                      <p:cBhvr>
+                                        <p:cTn id="83" dur="332" tmFilter="0, 0; 0.125,0.2665; 0.25,0.4; 0.375,0.465; 0.5,0.5;  0.625,0.535; 0.75,0.6; 0.875,0.7335; 1,1">
+                                          <p:stCondLst>
+                                            <p:cond delay="1324"/>
+                                          </p:stCondLst>
+                                        </p:cTn>
+                                        <p:tgtEl>
+                                          <p:spTgt spid="9"/>
+                                        </p:tgtEl>
+                                        <p:attrNameLst>
+                                          <p:attrName>ppt_y</p:attrName>
+                                        </p:attrNameLst>
+                                      </p:cBhvr>
+                                      <p:tavLst>
+                                        <p:tav tm="0" fmla="#ppt_y-sin(pi*$)/27">
+                                          <p:val>
+                                            <p:fltVal val="0"/>
+                                          </p:val>
+                                        </p:tav>
+                                        <p:tav tm="100000">
+                                          <p:val>
+                                            <p:fltVal val="1"/>
+                                          </p:val>
+                                        </p:tav>
+                                      </p:tavLst>
+                                    </p:anim>
+                                    <p:anim calcmode="lin" valueType="num">
+                                      <p:cBhvr>
+                                        <p:cTn id="84" dur="164" tmFilter="0, 0; 0.125,0.2665; 0.25,0.4; 0.375,0.465; 0.5,0.5;  0.625,0.535; 0.75,0.6; 0.875,0.7335; 1,1">
+                                          <p:stCondLst>
+                                            <p:cond delay="1656"/>
+                                          </p:stCondLst>
+                                        </p:cTn>
+                                        <p:tgtEl>
+                                          <p:spTgt spid="9"/>
+                                        </p:tgtEl>
+                                        <p:attrNameLst>
+                                          <p:attrName>ppt_y</p:attrName>
+                                        </p:attrNameLst>
+                                      </p:cBhvr>
+                                      <p:tavLst>
+                                        <p:tav tm="0" fmla="#ppt_y-sin(pi*$)/81">
+                                          <p:val>
+                                            <p:fltVal val="0"/>
+                                          </p:val>
+                                        </p:tav>
+                                        <p:tav tm="100000">
+                                          <p:val>
+                                            <p:fltVal val="1"/>
+                                          </p:val>
+                                        </p:tav>
+                                      </p:tavLst>
+                                    </p:anim>
+                                    <p:animScale>
+                                      <p:cBhvr>
+                                        <p:cTn id="85" dur="26">
+                                          <p:stCondLst>
+                                            <p:cond delay="650"/>
+                                          </p:stCondLst>
+                                        </p:cTn>
+                                        <p:tgtEl>
+                                          <p:spTgt spid="9"/>
+                                        </p:tgtEl>
+                                      </p:cBhvr>
+                                      <p:to x="100000" y="60000"/>
+                                    </p:animScale>
+                                    <p:animScale>
+                                      <p:cBhvr>
+                                        <p:cTn id="86" dur="166" decel="50000">
+                                          <p:stCondLst>
+                                            <p:cond delay="676"/>
+                                          </p:stCondLst>
+                                        </p:cTn>
+                                        <p:tgtEl>
+                                          <p:spTgt spid="9"/>
+                                        </p:tgtEl>
+                                      </p:cBhvr>
+                                      <p:to x="100000" y="100000"/>
+                                    </p:animScale>
+                                    <p:animScale>
+                                      <p:cBhvr>
+                                        <p:cTn id="87" dur="26">
+                                          <p:stCondLst>
+                                            <p:cond delay="1312"/>
+                                          </p:stCondLst>
+                                        </p:cTn>
+                                        <p:tgtEl>
+                                          <p:spTgt spid="9"/>
+                                        </p:tgtEl>
+                                      </p:cBhvr>
+                                      <p:to x="100000" y="80000"/>
+                                    </p:animScale>
+                                    <p:animScale>
+                                      <p:cBhvr>
+                                        <p:cTn id="88" dur="166" decel="50000">
+                                          <p:stCondLst>
+                                            <p:cond delay="1338"/>
+                                          </p:stCondLst>
+                                        </p:cTn>
+                                        <p:tgtEl>
+                                          <p:spTgt spid="9"/>
+                                        </p:tgtEl>
+                                      </p:cBhvr>
+                                      <p:to x="100000" y="100000"/>
+                                    </p:animScale>
+                                    <p:animScale>
+                                      <p:cBhvr>
+                                        <p:cTn id="89" dur="26">
+                                          <p:stCondLst>
+                                            <p:cond delay="1642"/>
+                                          </p:stCondLst>
+                                        </p:cTn>
+                                        <p:tgtEl>
+                                          <p:spTgt spid="9"/>
+                                        </p:tgtEl>
+                                      </p:cBhvr>
+                                      <p:to x="100000" y="90000"/>
+                                    </p:animScale>
+                                    <p:animScale>
+                                      <p:cBhvr>
+                                        <p:cTn id="90" dur="166" decel="50000">
+                                          <p:stCondLst>
+                                            <p:cond delay="1668"/>
+                                          </p:stCondLst>
+                                        </p:cTn>
+                                        <p:tgtEl>
+                                          <p:spTgt spid="9"/>
+                                        </p:tgtEl>
+                                      </p:cBhvr>
+                                      <p:to x="100000" y="100000"/>
+                                    </p:animScale>
+                                    <p:animScale>
+                                      <p:cBhvr>
+                                        <p:cTn id="91" dur="26">
+                                          <p:stCondLst>
+                                            <p:cond delay="1808"/>
+                                          </p:stCondLst>
+                                        </p:cTn>
+                                        <p:tgtEl>
+                                          <p:spTgt spid="9"/>
+                                        </p:tgtEl>
+                                      </p:cBhvr>
+                                      <p:to x="100000" y="95000"/>
+                                    </p:animScale>
+                                    <p:animScale>
+                                      <p:cBhvr>
+                                        <p:cTn id="92" dur="166" decel="50000">
+                                          <p:stCondLst>
+                                            <p:cond delay="1834"/>
+                                          </p:stCondLst>
+                                        </p:cTn>
+                                        <p:tgtEl>
+                                          <p:spTgt spid="9"/>
+                                        </p:tgtEl>
+                                      </p:cBhvr>
+                                      <p:to x="100000" y="100000"/>
+                                    </p:animScale>
+                                  </p:childTnLst>
+                                </p:cTn>
+                              </p:par>
+                            </p:childTnLst>
+                          </p:cTn>
+                        </p:par>
+                      </p:childTnLst>
+                    </p:cTn>
+                  </p:par>
+                </p:childTnLst>
+              </p:cTn>
+              <p:prevCondLst>
+                <p:cond evt="onPrev" delay="0">
+                  <p:tgtEl>
+                    <p:sldTgt/>
+                  </p:tgtEl>
+                </p:cond>
+              </p:prevCondLst>
+              <p:nextCondLst>
+                <p:cond evt="onNext" delay="0">
+                  <p:tgtEl>
+                    <p:sldTgt/>
+                  </p:tgtEl>
+                </p:cond>
+              </p:nextCondLst>
+            </p:seq>
+          </p:childTnLst>
+        </p:cTn>
+      </p:par>
+    </p:tnLst>
+    <p:bldLst>
+      <p:bldP spid="4" grpId="0"/>
+      <p:bldP spid="5" grpId="0"/>
+      <p:bldP spid="7" grpId="0"/>
+      <p:bldP spid="8" grpId="0"/>
+      <p:bldP spid="9" grpId="0"/>
+    </p:bldLst>
+  </p:timing>
+</p:sld>
+</file>
+
+<file path=ppt/slides/slide19.xml><?xml version="1.0" encoding="utf-8"?>
+<p:sld xmlns:a="http://schemas.openxmlformats.org/drawingml/2006/main" xmlns:r="http://schemas.openxmlformats.org/officeDocument/2006/relationships" xmlns:p="http://schemas.openxmlformats.org/presentationml/2006/main">
+  <p:cSld>
+    <p:spTree>
+      <p:nvGrpSpPr>
+        <p:cNvPr id="1" name=""/>
+        <p:cNvGrpSpPr/>
+        <p:nvPr/>
+      </p:nvGrpSpPr>
+      <p:grpSpPr>
+        <a:xfrm>
+          <a:off x="0" y="0"/>
+          <a:ext cx="0" cy="0"/>
+          <a:chOff x="0" y="0"/>
+          <a:chExt cx="0" cy="0"/>
+        </a:xfrm>
+      </p:grpSpPr>
+      <p:sp>
+        <p:nvSpPr>
+          <p:cNvPr id="2" name="标题 1"/>
+          <p:cNvSpPr>
+            <a:spLocks noGrp="1"/>
+          </p:cNvSpPr>
+          <p:nvPr>
+            <p:ph type="title"/>
+          </p:nvPr>
+        </p:nvSpPr>
+        <p:spPr/>
+        <p:txBody>
+          <a:bodyPr/>
+          <a:lstStyle/>
+          <a:p>
+            <a:endParaRPr lang="zh-CN" altLang="en-US"/>
+          </a:p>
+        </p:txBody>
+      </p:sp>
+      <p:sp>
+        <p:nvSpPr>
+          <p:cNvPr id="3" name="内容占位符 2"/>
+          <p:cNvSpPr>
+            <a:spLocks noGrp="1"/>
+          </p:cNvSpPr>
+          <p:nvPr>
+            <p:ph idx="1"/>
+          </p:nvPr>
+        </p:nvSpPr>
+        <p:spPr/>
+        <p:txBody>
+          <a:bodyPr/>
+          <a:lstStyle/>
+          <a:p>
+            <a:endParaRPr lang="zh-CN" altLang="en-US"/>
+          </a:p>
+        </p:txBody>
+      </p:sp>
+    </p:spTree>
+    <p:extLst>
+      <p:ext uri="{BB962C8B-B14F-4D97-AF65-F5344CB8AC3E}">
+        <p14:creationId xmlns:p14="http://schemas.microsoft.com/office/powerpoint/2010/main" val="3600408753"/>
+      </p:ext>
+    </p:extLst>
+  </p:cSld>
+  <p:clrMapOvr>
+    <a:masterClrMapping/>
+  </p:clrMapOvr>
+  <p:timing>
+    <p:tnLst>
+      <p:par>
+        <p:cTn id="1" dur="indefinite" restart="never" nodeType="tmRoot"/>
+      </p:par>
+    </p:tnLst>
+  </p:timing>
 </p:sld>
 </file>
 
@@ -4789,6 +7411,81 @@
 </p:sld>
 </file>
 
+<file path=ppt/slides/slide20.xml><?xml version="1.0" encoding="utf-8"?>
+<p:sld xmlns:a="http://schemas.openxmlformats.org/drawingml/2006/main" xmlns:r="http://schemas.openxmlformats.org/officeDocument/2006/relationships" xmlns:p="http://schemas.openxmlformats.org/presentationml/2006/main">
+  <p:cSld>
+    <p:spTree>
+      <p:nvGrpSpPr>
+        <p:cNvPr id="1" name=""/>
+        <p:cNvGrpSpPr/>
+        <p:nvPr/>
+      </p:nvGrpSpPr>
+      <p:grpSpPr>
+        <a:xfrm>
+          <a:off x="0" y="0"/>
+          <a:ext cx="0" cy="0"/>
+          <a:chOff x="0" y="0"/>
+          <a:chExt cx="0" cy="0"/>
+        </a:xfrm>
+      </p:grpSpPr>
+      <p:sp>
+        <p:nvSpPr>
+          <p:cNvPr id="2" name="标题 1"/>
+          <p:cNvSpPr>
+            <a:spLocks noGrp="1"/>
+          </p:cNvSpPr>
+          <p:nvPr>
+            <p:ph type="title"/>
+          </p:nvPr>
+        </p:nvSpPr>
+        <p:spPr/>
+        <p:txBody>
+          <a:bodyPr/>
+          <a:lstStyle/>
+          <a:p>
+            <a:endParaRPr lang="zh-CN" altLang="en-US"/>
+          </a:p>
+        </p:txBody>
+      </p:sp>
+      <p:sp>
+        <p:nvSpPr>
+          <p:cNvPr id="3" name="内容占位符 2"/>
+          <p:cNvSpPr>
+            <a:spLocks noGrp="1"/>
+          </p:cNvSpPr>
+          <p:nvPr>
+            <p:ph idx="1"/>
+          </p:nvPr>
+        </p:nvSpPr>
+        <p:spPr/>
+        <p:txBody>
+          <a:bodyPr/>
+          <a:lstStyle/>
+          <a:p>
+            <a:endParaRPr lang="zh-CN" altLang="en-US"/>
+          </a:p>
+        </p:txBody>
+      </p:sp>
+    </p:spTree>
+    <p:extLst>
+      <p:ext uri="{BB962C8B-B14F-4D97-AF65-F5344CB8AC3E}">
+        <p14:creationId xmlns:p14="http://schemas.microsoft.com/office/powerpoint/2010/main" val="558266320"/>
+      </p:ext>
+    </p:extLst>
+  </p:cSld>
+  <p:clrMapOvr>
+    <a:masterClrMapping/>
+  </p:clrMapOvr>
+  <p:timing>
+    <p:tnLst>
+      <p:par>
+        <p:cTn id="1" dur="indefinite" restart="never" nodeType="tmRoot"/>
+      </p:par>
+    </p:tnLst>
+  </p:timing>
+</p:sld>
+</file>
+
 <file path=ppt/slides/slide3.xml><?xml version="1.0" encoding="utf-8"?>
 <p:sld xmlns:a="http://schemas.openxmlformats.org/drawingml/2006/main" xmlns:r="http://schemas.openxmlformats.org/officeDocument/2006/relationships" xmlns:p="http://schemas.openxmlformats.org/presentationml/2006/main">
   <p:cSld>
@@ -5152,11 +7849,7 @@
             </a:r>
             <a:r>
               <a:rPr lang="zh-CN" altLang="en-US" dirty="0" smtClean="0"/>
-              <a:t>尝试选取</a:t>
-            </a:r>
-            <a:r>
-              <a:rPr lang="zh-CN" altLang="en-US" dirty="0" smtClean="0"/>
-              <a:t>正常炉况（顺行）所在区间，训练集的好坏直接决定了异常炉况检测的性能</a:t>
+              <a:t>尝试选取正常炉况（顺行）所在区间，训练集的好坏直接决定了异常炉况检测的性能</a:t>
             </a:r>
             <a:endParaRPr lang="en-US" altLang="zh-CN" dirty="0" smtClean="0"/>
           </a:p>
@@ -5692,35 +8385,245 @@
           <a:p>
             <a:r>
               <a:rPr lang="zh-CN" altLang="en-US" dirty="0" smtClean="0"/>
-              <a:t>一个工作点漂移的例子</a:t>
+              <a:t>为什么会这样</a:t>
             </a:r>
             <a:endParaRPr lang="zh-CN" altLang="en-US" dirty="0"/>
           </a:p>
         </p:txBody>
       </p:sp>
-      <p:sp>
-        <p:nvSpPr>
-          <p:cNvPr id="3" name="内容占位符 2"/>
-          <p:cNvSpPr>
-            <a:spLocks noGrp="1"/>
-          </p:cNvSpPr>
+      <p:pic>
+        <p:nvPicPr>
+          <p:cNvPr id="4" name="内容占位符 3"/>
+          <p:cNvPicPr>
+            <a:picLocks noGrp="1" noChangeAspect="1"/>
+          </p:cNvPicPr>
           <p:nvPr>
             <p:ph idx="1"/>
           </p:nvPr>
-        </p:nvSpPr>
-        <p:spPr/>
-        <p:txBody>
-          <a:bodyPr/>
-          <a:lstStyle/>
-          <a:p>
-            <a:endParaRPr lang="zh-CN" altLang="en-US"/>
-          </a:p>
-        </p:txBody>
-      </p:sp>
+        </p:nvPicPr>
+        <p:blipFill rotWithShape="1">
+          <a:blip r:embed="rId2">
+            <a:extLst>
+              <a:ext uri="{28A0092B-C50C-407E-A947-70E740481C1C}">
+                <a14:useLocalDpi xmlns:a14="http://schemas.microsoft.com/office/drawing/2010/main" val="0"/>
+              </a:ext>
+            </a:extLst>
+          </a:blip>
+          <a:srcRect l="2769" r="26800" b="19865"/>
+          <a:stretch/>
+        </p:blipFill>
+        <p:spPr bwMode="auto">
+          <a:xfrm>
+            <a:off x="0" y="1499060"/>
+            <a:ext cx="6249801" cy="5358940"/>
+          </a:xfrm>
+          <a:prstGeom prst="rect">
+            <a:avLst/>
+          </a:prstGeom>
+          <a:noFill/>
+          <a:ln>
+            <a:noFill/>
+          </a:ln>
+          <a:extLst>
+            <a:ext uri="{53640926-AAD7-44D8-BBD7-CCE9431645EC}">
+              <a14:shadowObscured xmlns:a14="http://schemas.microsoft.com/office/drawing/2010/main"/>
+            </a:ext>
+          </a:extLst>
+        </p:spPr>
+      </p:pic>
+      <p:sp>
+        <p:nvSpPr>
+          <p:cNvPr id="5" name="矩形 4"/>
+          <p:cNvSpPr/>
+          <p:nvPr/>
+        </p:nvSpPr>
+        <p:spPr>
+          <a:xfrm>
+            <a:off x="5945416" y="1522449"/>
+            <a:ext cx="2569934" cy="369332"/>
+          </a:xfrm>
+          <a:prstGeom prst="rect">
+            <a:avLst/>
+          </a:prstGeom>
+        </p:spPr>
+        <p:txBody>
+          <a:bodyPr wrap="none">
+            <a:spAutoFit/>
+          </a:bodyPr>
+          <a:lstStyle/>
+          <a:p>
+            <a:r>
+              <a:rPr lang="en-US" altLang="zh-CN" dirty="0" smtClean="0"/>
+              <a:t>2012-07-01</a:t>
+            </a:r>
+            <a:r>
+              <a:rPr lang="zh-CN" altLang="zh-CN" dirty="0" smtClean="0"/>
+              <a:t>至</a:t>
+            </a:r>
+            <a:r>
+              <a:rPr lang="en-US" altLang="zh-CN" dirty="0" smtClean="0"/>
+              <a:t>2012-07-06</a:t>
+            </a:r>
+            <a:endParaRPr lang="zh-CN" altLang="en-US" dirty="0"/>
+          </a:p>
+        </p:txBody>
+      </p:sp>
+      <p:sp>
+        <p:nvSpPr>
+          <p:cNvPr id="6" name="文本框 5"/>
+          <p:cNvSpPr txBox="1"/>
+          <p:nvPr/>
+        </p:nvSpPr>
+        <p:spPr>
+          <a:xfrm>
+            <a:off x="6533002" y="3541456"/>
+            <a:ext cx="2492990" cy="369332"/>
+          </a:xfrm>
+          <a:prstGeom prst="rect">
+            <a:avLst/>
+          </a:prstGeom>
+          <a:noFill/>
+          <a:ln>
+            <a:solidFill>
+              <a:srgbClr val="FF0000"/>
+            </a:solidFill>
+          </a:ln>
+        </p:spPr>
+        <p:txBody>
+          <a:bodyPr wrap="none" rtlCol="0">
+            <a:spAutoFit/>
+          </a:bodyPr>
+          <a:lstStyle/>
+          <a:p>
+            <a:r>
+              <a:rPr lang="zh-CN" altLang="en-US" dirty="0" smtClean="0"/>
+              <a:t>所谓的“工作点漂移”</a:t>
+            </a:r>
+            <a:endParaRPr lang="zh-CN" altLang="en-US" dirty="0"/>
+          </a:p>
+        </p:txBody>
+      </p:sp>
+      <p:cxnSp>
+        <p:nvCxnSpPr>
+          <p:cNvPr id="8" name="直接箭头连接符 7"/>
+          <p:cNvCxnSpPr>
+            <a:stCxn id="6" idx="1"/>
+          </p:cNvCxnSpPr>
+          <p:nvPr/>
+        </p:nvCxnSpPr>
+        <p:spPr>
+          <a:xfrm flipH="1">
+            <a:off x="3481330" y="3726122"/>
+            <a:ext cx="3051672" cy="151815"/>
+          </a:xfrm>
+          <a:prstGeom prst="straightConnector1">
+            <a:avLst/>
+          </a:prstGeom>
+          <a:ln w="28575">
+            <a:solidFill>
+              <a:schemeClr val="tx1"/>
+            </a:solidFill>
+            <a:prstDash val="dash"/>
+            <a:tailEnd type="triangle"/>
+          </a:ln>
+        </p:spPr>
+        <p:style>
+          <a:lnRef idx="1">
+            <a:schemeClr val="accent1"/>
+          </a:lnRef>
+          <a:fillRef idx="0">
+            <a:schemeClr val="accent1"/>
+          </a:fillRef>
+          <a:effectRef idx="0">
+            <a:schemeClr val="accent1"/>
+          </a:effectRef>
+          <a:fontRef idx="minor">
+            <a:schemeClr val="tx1"/>
+          </a:fontRef>
+        </p:style>
+      </p:cxnSp>
+      <p:cxnSp>
+        <p:nvCxnSpPr>
+          <p:cNvPr id="11" name="直接箭头连接符 10"/>
+          <p:cNvCxnSpPr>
+            <a:stCxn id="6" idx="1"/>
+          </p:cNvCxnSpPr>
+          <p:nvPr/>
+        </p:nvCxnSpPr>
+        <p:spPr>
+          <a:xfrm flipH="1">
+            <a:off x="2324559" y="3726122"/>
+            <a:ext cx="4208443" cy="1033165"/>
+          </a:xfrm>
+          <a:prstGeom prst="straightConnector1">
+            <a:avLst/>
+          </a:prstGeom>
+          <a:ln w="28575">
+            <a:solidFill>
+              <a:schemeClr val="tx1"/>
+            </a:solidFill>
+            <a:prstDash val="dash"/>
+            <a:tailEnd type="triangle"/>
+          </a:ln>
+        </p:spPr>
+        <p:style>
+          <a:lnRef idx="1">
+            <a:schemeClr val="accent1"/>
+          </a:lnRef>
+          <a:fillRef idx="0">
+            <a:schemeClr val="accent1"/>
+          </a:fillRef>
+          <a:effectRef idx="0">
+            <a:schemeClr val="accent1"/>
+          </a:effectRef>
+          <a:fontRef idx="minor">
+            <a:schemeClr val="tx1"/>
+          </a:fontRef>
+        </p:style>
+      </p:cxnSp>
+      <p:cxnSp>
+        <p:nvCxnSpPr>
+          <p:cNvPr id="14" name="直接箭头连接符 13"/>
+          <p:cNvCxnSpPr>
+            <a:stCxn id="6" idx="1"/>
+          </p:cNvCxnSpPr>
+          <p:nvPr/>
+        </p:nvCxnSpPr>
+        <p:spPr>
+          <a:xfrm flipH="1">
+            <a:off x="3481330" y="3726122"/>
+            <a:ext cx="3051672" cy="1572991"/>
+          </a:xfrm>
+          <a:prstGeom prst="straightConnector1">
+            <a:avLst/>
+          </a:prstGeom>
+          <a:ln w="28575">
+            <a:solidFill>
+              <a:schemeClr val="tx1"/>
+            </a:solidFill>
+            <a:prstDash val="dash"/>
+            <a:tailEnd type="triangle"/>
+          </a:ln>
+        </p:spPr>
+        <p:style>
+          <a:lnRef idx="1">
+            <a:schemeClr val="accent1"/>
+          </a:lnRef>
+          <a:fillRef idx="0">
+            <a:schemeClr val="accent1"/>
+          </a:fillRef>
+          <a:effectRef idx="0">
+            <a:schemeClr val="accent1"/>
+          </a:effectRef>
+          <a:fontRef idx="minor">
+            <a:schemeClr val="tx1"/>
+          </a:fontRef>
+        </p:style>
+      </p:cxnSp>
     </p:spTree>
     <p:extLst>
       <p:ext uri="{BB962C8B-B14F-4D97-AF65-F5344CB8AC3E}">
-        <p14:creationId xmlns:p14="http://schemas.microsoft.com/office/powerpoint/2010/main" val="2749728437"/>
+        <p14:creationId xmlns:p14="http://schemas.microsoft.com/office/powerpoint/2010/main" val="529510060"/>
       </p:ext>
     </p:extLst>
   </p:cSld>

--- a/presentation/msi.pptx
+++ b/presentation/msi.pptx
@@ -5,29 +5,32 @@
     <p:sldMasterId id="2147483660" r:id="rId1"/>
   </p:sldMasterIdLst>
   <p:notesMasterIdLst>
-    <p:notesMasterId r:id="rId22"/>
+    <p:notesMasterId r:id="rId25"/>
   </p:notesMasterIdLst>
   <p:sldIdLst>
     <p:sldId id="256" r:id="rId2"/>
-    <p:sldId id="265" r:id="rId3"/>
-    <p:sldId id="257" r:id="rId4"/>
-    <p:sldId id="260" r:id="rId5"/>
-    <p:sldId id="259" r:id="rId6"/>
-    <p:sldId id="261" r:id="rId7"/>
-    <p:sldId id="262" r:id="rId8"/>
-    <p:sldId id="274" r:id="rId9"/>
-    <p:sldId id="263" r:id="rId10"/>
-    <p:sldId id="264" r:id="rId11"/>
-    <p:sldId id="267" r:id="rId12"/>
-    <p:sldId id="268" r:id="rId13"/>
-    <p:sldId id="270" r:id="rId14"/>
-    <p:sldId id="271" r:id="rId15"/>
-    <p:sldId id="272" r:id="rId16"/>
-    <p:sldId id="275" r:id="rId17"/>
-    <p:sldId id="276" r:id="rId18"/>
-    <p:sldId id="277" r:id="rId19"/>
-    <p:sldId id="278" r:id="rId20"/>
-    <p:sldId id="279" r:id="rId21"/>
+    <p:sldId id="282" r:id="rId3"/>
+    <p:sldId id="265" r:id="rId4"/>
+    <p:sldId id="257" r:id="rId5"/>
+    <p:sldId id="260" r:id="rId6"/>
+    <p:sldId id="259" r:id="rId7"/>
+    <p:sldId id="261" r:id="rId8"/>
+    <p:sldId id="262" r:id="rId9"/>
+    <p:sldId id="274" r:id="rId10"/>
+    <p:sldId id="281" r:id="rId11"/>
+    <p:sldId id="263" r:id="rId12"/>
+    <p:sldId id="264" r:id="rId13"/>
+    <p:sldId id="267" r:id="rId14"/>
+    <p:sldId id="268" r:id="rId15"/>
+    <p:sldId id="283" r:id="rId16"/>
+    <p:sldId id="285" r:id="rId17"/>
+    <p:sldId id="270" r:id="rId18"/>
+    <p:sldId id="271" r:id="rId19"/>
+    <p:sldId id="272" r:id="rId20"/>
+    <p:sldId id="284" r:id="rId21"/>
+    <p:sldId id="286" r:id="rId22"/>
+    <p:sldId id="278" r:id="rId23"/>
+    <p:sldId id="279" r:id="rId24"/>
   </p:sldIdLst>
   <p:sldSz cx="9144000" cy="6858000" type="screen4x3"/>
   <p:notesSz cx="6858000" cy="9144000"/>
@@ -216,7 +219,7 @@
           <a:p>
             <a:fld id="{69DA5102-A676-4635-9CFA-148E356E891E}" type="datetimeFigureOut">
               <a:rPr lang="zh-CN" altLang="en-US" smtClean="0"/>
-              <a:t>2016/3/21</a:t>
+              <a:t>2016/3/29</a:t>
             </a:fld>
             <a:endParaRPr lang="zh-CN" altLang="en-US"/>
           </a:p>
@@ -642,7 +645,7 @@
           <a:p>
             <a:fld id="{2EF43EBA-0515-4AB4-A88F-C31CD14BA52F}" type="slidenum">
               <a:rPr lang="zh-CN" altLang="en-US" smtClean="0"/>
-              <a:t>6</a:t>
+              <a:t>7</a:t>
             </a:fld>
             <a:endParaRPr lang="zh-CN" altLang="en-US"/>
           </a:p>
@@ -730,7 +733,7 @@
           <a:p>
             <a:fld id="{2EF43EBA-0515-4AB4-A88F-C31CD14BA52F}" type="slidenum">
               <a:rPr lang="zh-CN" altLang="en-US" smtClean="0"/>
-              <a:t>7</a:t>
+              <a:t>8</a:t>
             </a:fld>
             <a:endParaRPr lang="zh-CN" altLang="en-US"/>
           </a:p>
@@ -814,7 +817,7 @@
           <a:p>
             <a:fld id="{2EF43EBA-0515-4AB4-A88F-C31CD14BA52F}" type="slidenum">
               <a:rPr lang="zh-CN" altLang="en-US" smtClean="0"/>
-              <a:t>13</a:t>
+              <a:t>17</a:t>
             </a:fld>
             <a:endParaRPr lang="zh-CN" altLang="en-US"/>
           </a:p>
@@ -902,7 +905,7 @@
           <a:p>
             <a:fld id="{2EF43EBA-0515-4AB4-A88F-C31CD14BA52F}" type="slidenum">
               <a:rPr lang="zh-CN" altLang="en-US" smtClean="0"/>
-              <a:t>14</a:t>
+              <a:t>18</a:t>
             </a:fld>
             <a:endParaRPr lang="zh-CN" altLang="en-US"/>
           </a:p>
@@ -990,7 +993,7 @@
           <a:p>
             <a:fld id="{2EF43EBA-0515-4AB4-A88F-C31CD14BA52F}" type="slidenum">
               <a:rPr lang="zh-CN" altLang="en-US" smtClean="0"/>
-              <a:t>15</a:t>
+              <a:t>19</a:t>
             </a:fld>
             <a:endParaRPr lang="zh-CN" altLang="en-US"/>
           </a:p>
@@ -1140,7 +1143,7 @@
           <a:p>
             <a:fld id="{A3B48B78-41FE-4451-A652-F7987494B724}" type="datetimeFigureOut">
               <a:rPr lang="zh-CN" altLang="en-US" smtClean="0"/>
-              <a:t>2016/3/21</a:t>
+              <a:t>2016/3/29</a:t>
             </a:fld>
             <a:endParaRPr lang="zh-CN" altLang="en-US"/>
           </a:p>
@@ -1310,7 +1313,7 @@
           <a:p>
             <a:fld id="{A3B48B78-41FE-4451-A652-F7987494B724}" type="datetimeFigureOut">
               <a:rPr lang="zh-CN" altLang="en-US" smtClean="0"/>
-              <a:t>2016/3/21</a:t>
+              <a:t>2016/3/29</a:t>
             </a:fld>
             <a:endParaRPr lang="zh-CN" altLang="en-US"/>
           </a:p>
@@ -1490,7 +1493,7 @@
           <a:p>
             <a:fld id="{A3B48B78-41FE-4451-A652-F7987494B724}" type="datetimeFigureOut">
               <a:rPr lang="zh-CN" altLang="en-US" smtClean="0"/>
-              <a:t>2016/3/21</a:t>
+              <a:t>2016/3/29</a:t>
             </a:fld>
             <a:endParaRPr lang="zh-CN" altLang="en-US"/>
           </a:p>
@@ -1660,7 +1663,7 @@
           <a:p>
             <a:fld id="{A3B48B78-41FE-4451-A652-F7987494B724}" type="datetimeFigureOut">
               <a:rPr lang="zh-CN" altLang="en-US" smtClean="0"/>
-              <a:t>2016/3/21</a:t>
+              <a:t>2016/3/29</a:t>
             </a:fld>
             <a:endParaRPr lang="zh-CN" altLang="en-US"/>
           </a:p>
@@ -1904,7 +1907,7 @@
           <a:p>
             <a:fld id="{A3B48B78-41FE-4451-A652-F7987494B724}" type="datetimeFigureOut">
               <a:rPr lang="zh-CN" altLang="en-US" smtClean="0"/>
-              <a:t>2016/3/21</a:t>
+              <a:t>2016/3/29</a:t>
             </a:fld>
             <a:endParaRPr lang="zh-CN" altLang="en-US"/>
           </a:p>
@@ -2136,7 +2139,7 @@
           <a:p>
             <a:fld id="{A3B48B78-41FE-4451-A652-F7987494B724}" type="datetimeFigureOut">
               <a:rPr lang="zh-CN" altLang="en-US" smtClean="0"/>
-              <a:t>2016/3/21</a:t>
+              <a:t>2016/3/29</a:t>
             </a:fld>
             <a:endParaRPr lang="zh-CN" altLang="en-US"/>
           </a:p>
@@ -2503,7 +2506,7 @@
           <a:p>
             <a:fld id="{A3B48B78-41FE-4451-A652-F7987494B724}" type="datetimeFigureOut">
               <a:rPr lang="zh-CN" altLang="en-US" smtClean="0"/>
-              <a:t>2016/3/21</a:t>
+              <a:t>2016/3/29</a:t>
             </a:fld>
             <a:endParaRPr lang="zh-CN" altLang="en-US"/>
           </a:p>
@@ -2621,7 +2624,7 @@
           <a:p>
             <a:fld id="{A3B48B78-41FE-4451-A652-F7987494B724}" type="datetimeFigureOut">
               <a:rPr lang="zh-CN" altLang="en-US" smtClean="0"/>
-              <a:t>2016/3/21</a:t>
+              <a:t>2016/3/29</a:t>
             </a:fld>
             <a:endParaRPr lang="zh-CN" altLang="en-US"/>
           </a:p>
@@ -2716,7 +2719,7 @@
           <a:p>
             <a:fld id="{A3B48B78-41FE-4451-A652-F7987494B724}" type="datetimeFigureOut">
               <a:rPr lang="zh-CN" altLang="en-US" smtClean="0"/>
-              <a:t>2016/3/21</a:t>
+              <a:t>2016/3/29</a:t>
             </a:fld>
             <a:endParaRPr lang="zh-CN" altLang="en-US"/>
           </a:p>
@@ -2993,7 +2996,7 @@
           <a:p>
             <a:fld id="{A3B48B78-41FE-4451-A652-F7987494B724}" type="datetimeFigureOut">
               <a:rPr lang="zh-CN" altLang="en-US" smtClean="0"/>
-              <a:t>2016/3/21</a:t>
+              <a:t>2016/3/29</a:t>
             </a:fld>
             <a:endParaRPr lang="zh-CN" altLang="en-US"/>
           </a:p>
@@ -3250,7 +3253,7 @@
           <a:p>
             <a:fld id="{A3B48B78-41FE-4451-A652-F7987494B724}" type="datetimeFigureOut">
               <a:rPr lang="zh-CN" altLang="en-US" smtClean="0"/>
-              <a:t>2016/3/21</a:t>
+              <a:t>2016/3/29</a:t>
             </a:fld>
             <a:endParaRPr lang="zh-CN" altLang="en-US"/>
           </a:p>
@@ -3463,7 +3466,7 @@
           <a:p>
             <a:fld id="{A3B48B78-41FE-4451-A652-F7987494B724}" type="datetimeFigureOut">
               <a:rPr lang="zh-CN" altLang="en-US" smtClean="0"/>
-              <a:t>2016/3/21</a:t>
+              <a:t>2016/3/29</a:t>
             </a:fld>
             <a:endParaRPr lang="zh-CN" altLang="en-US"/>
           </a:p>
@@ -3881,13 +3884,21 @@
         <p:spPr/>
         <p:txBody>
           <a:bodyPr>
-            <a:normAutofit fontScale="90000"/>
+            <a:normAutofit/>
           </a:bodyPr>
           <a:lstStyle/>
           <a:p>
             <a:r>
               <a:rPr lang="zh-CN" altLang="en-US" dirty="0" smtClean="0"/>
-              <a:t>基于模型相似度的异常炉况检测和大数据分析</a:t>
+              <a:t>基于模型</a:t>
+            </a:r>
+            <a:r>
+              <a:rPr lang="zh-CN" altLang="en-US" dirty="0" smtClean="0"/>
+              <a:t>相似度</a:t>
+            </a:r>
+            <a:r>
+              <a:rPr lang="zh-CN" altLang="en-US" dirty="0" smtClean="0"/>
+              <a:t>的炉况分析</a:t>
             </a:r>
             <a:endParaRPr lang="zh-CN" altLang="en-US" dirty="0"/>
           </a:p>
@@ -3962,9 +3973,10 @@
           <a:lstStyle/>
           <a:p>
             <a:r>
-              <a:rPr lang="zh-CN" altLang="en-US" dirty="0"/>
-              <a:t>关键</a:t>
-            </a:r>
+              <a:rPr lang="zh-CN" altLang="en-US" dirty="0" smtClean="0"/>
+              <a:t>原因</a:t>
+            </a:r>
+            <a:endParaRPr lang="zh-CN" altLang="en-US" dirty="0"/>
           </a:p>
         </p:txBody>
       </p:sp>
@@ -3984,74 +3996,50 @@
           <a:lstStyle/>
           <a:p>
             <a:r>
-              <a:rPr lang="zh-CN" altLang="en-US" dirty="0"/>
-              <a:t>减少</a:t>
-            </a:r>
-            <a:r>
-              <a:rPr lang="zh-CN" altLang="en-US" dirty="0" smtClean="0"/>
-              <a:t>过程噪声的干扰</a:t>
+              <a:rPr lang="zh-CN" altLang="en-US" dirty="0" smtClean="0"/>
+              <a:t>工作点漂移</a:t>
             </a:r>
             <a:endParaRPr lang="en-US" altLang="zh-CN" dirty="0" smtClean="0"/>
           </a:p>
           <a:p>
             <a:r>
-              <a:rPr lang="zh-CN" altLang="en-US" dirty="0"/>
-              <a:t>减少</a:t>
-            </a:r>
-            <a:r>
-              <a:rPr lang="zh-CN" altLang="en-US" dirty="0" smtClean="0"/>
-              <a:t>工作点漂移的干扰</a:t>
+              <a:rPr lang="zh-CN" altLang="en-US" dirty="0" smtClean="0"/>
+              <a:t>炉况难行、矿石成分等变化后工作点跳变</a:t>
             </a:r>
             <a:endParaRPr lang="en-US" altLang="zh-CN" dirty="0" smtClean="0"/>
           </a:p>
           <a:p>
-            <a:r>
-              <a:rPr lang="zh-CN" altLang="en-US" dirty="0" smtClean="0"/>
-              <a:t>高炉炉况的复杂多变和内部状态的不可测，使得基于某一段历史数据的建模很难有普遍代表性</a:t>
-            </a:r>
-            <a:r>
-              <a:rPr lang="zh-CN" altLang="en-US" dirty="0" smtClean="0"/>
-              <a:t>。</a:t>
-            </a:r>
-            <a:r>
-              <a:rPr lang="zh-CN" altLang="en-US" dirty="0" smtClean="0"/>
-              <a:t>尽可能</a:t>
-            </a:r>
-            <a:r>
-              <a:rPr lang="zh-CN" altLang="en-US" dirty="0" smtClean="0"/>
-              <a:t>多的利用历史</a:t>
-            </a:r>
-            <a:r>
-              <a:rPr lang="zh-CN" altLang="en-US" dirty="0" smtClean="0"/>
-              <a:t>数据的信息，可以使得检测性能更加鲁棒。同时，又需要避免漏报率的上升。</a:t>
+            <a:endParaRPr lang="en-US" altLang="zh-CN" dirty="0"/>
+          </a:p>
+          <a:p>
+            <a:r>
+              <a:rPr lang="zh-CN" altLang="en-US" dirty="0" smtClean="0"/>
+              <a:t>迭代算法的难点：</a:t>
+            </a:r>
+            <a:endParaRPr lang="en-US" altLang="zh-CN" dirty="0"/>
+          </a:p>
+          <a:p>
+            <a:pPr lvl="1"/>
+            <a:r>
+              <a:rPr lang="zh-CN" altLang="en-US" dirty="0" smtClean="0"/>
+              <a:t>如何区分炉况的正常波动和异常炉况（基于阈值不靠谱，基于人工过于繁琐）</a:t>
             </a:r>
             <a:endParaRPr lang="en-US" altLang="zh-CN" dirty="0" smtClean="0"/>
           </a:p>
           <a:p>
-            <a:r>
-              <a:rPr lang="zh-CN" altLang="en-US" sz="2800" dirty="0" smtClean="0"/>
-              <a:t>历史</a:t>
-            </a:r>
-            <a:r>
-              <a:rPr lang="zh-CN" altLang="en-US" sz="2800" dirty="0"/>
-              <a:t>数据中，顺行炉况占</a:t>
-            </a:r>
-            <a:r>
-              <a:rPr lang="zh-CN" altLang="en-US" sz="2800" dirty="0" smtClean="0"/>
-              <a:t>大多数</a:t>
-            </a:r>
-            <a:endParaRPr lang="en-US" altLang="zh-CN" sz="2800" dirty="0" smtClean="0"/>
-          </a:p>
-          <a:p>
-            <a:r>
-              <a:rPr lang="en-US" altLang="zh-CN" sz="2800" dirty="0" smtClean="0"/>
-              <a:t>PCA</a:t>
-            </a:r>
-            <a:r>
-              <a:rPr lang="zh-CN" altLang="en-US" sz="2800" dirty="0"/>
-              <a:t>模型对所有样本点敏感</a:t>
-            </a:r>
-            <a:endParaRPr lang="en-US" altLang="zh-CN" sz="2800" dirty="0"/>
+            <a:pPr lvl="1"/>
+            <a:r>
+              <a:rPr lang="zh-CN" altLang="en-US" dirty="0" smtClean="0"/>
+              <a:t>设计一套怎样的规则实现数据集的更新</a:t>
+            </a:r>
+            <a:endParaRPr lang="en-US" altLang="zh-CN" dirty="0" smtClean="0"/>
+          </a:p>
+          <a:p>
+            <a:pPr lvl="1"/>
+            <a:endParaRPr lang="en-US" altLang="zh-CN" dirty="0" smtClean="0"/>
+          </a:p>
+          <a:p>
+            <a:endParaRPr lang="en-US" altLang="zh-CN" dirty="0" smtClean="0"/>
           </a:p>
           <a:p>
             <a:endParaRPr lang="zh-CN" altLang="en-US" dirty="0"/>
@@ -4061,7 +4049,7 @@
     </p:spTree>
     <p:extLst>
       <p:ext uri="{BB962C8B-B14F-4D97-AF65-F5344CB8AC3E}">
-        <p14:creationId xmlns:p14="http://schemas.microsoft.com/office/powerpoint/2010/main" val="1478854219"/>
+        <p14:creationId xmlns:p14="http://schemas.microsoft.com/office/powerpoint/2010/main" val="3612222204"/>
       </p:ext>
     </p:extLst>
   </p:cSld>
@@ -4104,8 +4092,8 @@
           <a:lstStyle/>
           <a:p>
             <a:r>
-              <a:rPr lang="zh-CN" altLang="en-US" dirty="0" smtClean="0"/>
-              <a:t>模型相似度（狭义）</a:t>
+              <a:rPr lang="zh-CN" altLang="en-US" dirty="0"/>
+              <a:t>小结</a:t>
             </a:r>
             <a:endParaRPr lang="zh-CN" altLang="en-US" dirty="0"/>
           </a:p>
@@ -4121,64 +4109,64 @@
             <p:ph idx="1"/>
           </p:nvPr>
         </p:nvSpPr>
-        <p:spPr>
-          <a:xfrm>
-            <a:off x="628650" y="4880471"/>
-            <a:ext cx="7886700" cy="1296491"/>
-          </a:xfrm>
-        </p:spPr>
+        <p:spPr/>
         <p:txBody>
           <a:bodyPr/>
           <a:lstStyle/>
           <a:p>
             <a:r>
-              <a:rPr lang="en-US" altLang="zh-CN" dirty="0"/>
-              <a:t>Lu, </a:t>
-            </a:r>
-            <a:r>
-              <a:rPr lang="en-US" altLang="zh-CN" dirty="0" err="1"/>
-              <a:t>Ningyun</a:t>
-            </a:r>
-            <a:r>
-              <a:rPr lang="en-US" altLang="zh-CN" dirty="0"/>
-              <a:t>, </a:t>
-            </a:r>
-            <a:r>
-              <a:rPr lang="en-US" altLang="zh-CN" dirty="0" err="1"/>
-              <a:t>Furong</a:t>
-            </a:r>
-            <a:r>
-              <a:rPr lang="en-US" altLang="zh-CN" dirty="0"/>
-              <a:t> Gao, and </a:t>
-            </a:r>
-            <a:r>
-              <a:rPr lang="en-US" altLang="zh-CN" dirty="0" err="1"/>
-              <a:t>Fuli</a:t>
-            </a:r>
-            <a:r>
-              <a:rPr lang="en-US" altLang="zh-CN" dirty="0"/>
-              <a:t> Wang. "Sub‐PCA modeling and on‐line monitoring strategy for batch processes." </a:t>
-            </a:r>
-            <a:r>
-              <a:rPr lang="en-US" altLang="zh-CN" i="1" dirty="0" err="1"/>
-              <a:t>AIChE</a:t>
-            </a:r>
-            <a:r>
-              <a:rPr lang="en-US" altLang="zh-CN" i="1" dirty="0"/>
-              <a:t> Journal</a:t>
-            </a:r>
-            <a:r>
-              <a:rPr lang="en-US" altLang="zh-CN" dirty="0"/>
-              <a:t> 50.1 (2004): 255-259.</a:t>
-            </a:r>
-            <a:endParaRPr lang="zh-CN" altLang="en-US" dirty="0"/>
+              <a:rPr lang="zh-CN" altLang="en-US" dirty="0" smtClean="0"/>
+              <a:t>敏感的代价是持续误报</a:t>
+            </a:r>
+            <a:endParaRPr lang="en-US" altLang="zh-CN" dirty="0" smtClean="0"/>
+          </a:p>
+          <a:p>
+            <a:r>
+              <a:rPr lang="zh-CN" altLang="en-US" dirty="0" smtClean="0"/>
+              <a:t>模型对异常炉况检测的</a:t>
+            </a:r>
+            <a:r>
+              <a:rPr lang="zh-CN" altLang="en-US" dirty="0" smtClean="0"/>
+              <a:t>灵敏度与</a:t>
+            </a:r>
+            <a:r>
+              <a:rPr lang="zh-CN" altLang="en-US" dirty="0" smtClean="0"/>
+              <a:t>在线运行的</a:t>
+            </a:r>
+            <a:r>
+              <a:rPr lang="zh-CN" altLang="en-US" dirty="0" smtClean="0"/>
+              <a:t>鲁棒性之间</a:t>
+            </a:r>
+            <a:r>
+              <a:rPr lang="zh-CN" altLang="en-US" dirty="0" smtClean="0"/>
+              <a:t>权衡很困难</a:t>
+            </a:r>
+            <a:r>
+              <a:rPr lang="zh-CN" altLang="en-US" dirty="0" smtClean="0"/>
+              <a:t>，缺乏依据</a:t>
+            </a:r>
+            <a:endParaRPr lang="en-US" altLang="zh-CN" dirty="0"/>
+          </a:p>
+          <a:p>
+            <a:r>
+              <a:rPr lang="zh-CN" altLang="en-US" dirty="0" smtClean="0"/>
+              <a:t>迭代</a:t>
+            </a:r>
+            <a:r>
+              <a:rPr lang="zh-CN" altLang="en-US" dirty="0" smtClean="0"/>
+              <a:t>模型使得误报降低，但同时也对异常炉况不敏感；而且更新不够快仍然会误报</a:t>
+            </a:r>
+            <a:endParaRPr lang="en-US" altLang="zh-CN" dirty="0" smtClean="0"/>
+          </a:p>
+          <a:p>
+            <a:endParaRPr lang="en-US" altLang="zh-CN" dirty="0"/>
           </a:p>
         </p:txBody>
       </p:sp>
     </p:spTree>
     <p:extLst>
       <p:ext uri="{BB962C8B-B14F-4D97-AF65-F5344CB8AC3E}">
-        <p14:creationId xmlns:p14="http://schemas.microsoft.com/office/powerpoint/2010/main" val="1038726342"/>
+        <p14:creationId xmlns:p14="http://schemas.microsoft.com/office/powerpoint/2010/main" val="659609611"/>
       </p:ext>
     </p:extLst>
   </p:cSld>
@@ -4221,10 +4209,9 @@
           <a:lstStyle/>
           <a:p>
             <a:r>
-              <a:rPr lang="zh-CN" altLang="en-US" dirty="0" smtClean="0"/>
-              <a:t>模型相似度（广义）</a:t>
-            </a:r>
-            <a:endParaRPr lang="zh-CN" altLang="en-US" dirty="0"/>
+              <a:rPr lang="zh-CN" altLang="en-US" dirty="0"/>
+              <a:t>关键</a:t>
+            </a:r>
           </a:p>
         </p:txBody>
       </p:sp>
@@ -4238,38 +4225,78 @@
             <p:ph idx="1"/>
           </p:nvPr>
         </p:nvSpPr>
-        <p:spPr>
-          <a:xfrm>
-            <a:off x="628650" y="4715219"/>
-            <a:ext cx="7886700" cy="1649030"/>
-          </a:xfrm>
-        </p:spPr>
-        <p:txBody>
-          <a:bodyPr>
-            <a:normAutofit fontScale="92500" lnSpcReduction="20000"/>
-          </a:bodyPr>
-          <a:lstStyle/>
-          <a:p>
-            <a:r>
-              <a:rPr lang="en-US" altLang="zh-CN" dirty="0"/>
-              <a:t>Zhao, Shi Jian, </a:t>
-            </a:r>
-            <a:r>
-              <a:rPr lang="en-US" altLang="zh-CN" dirty="0" err="1"/>
-              <a:t>Jie</a:t>
-            </a:r>
-            <a:r>
-              <a:rPr lang="en-US" altLang="zh-CN" dirty="0"/>
-              <a:t> Zhang, and Yong Mao Xu. "Monitoring of processes with multiple operating modes through multiple principle component analysis models." </a:t>
-            </a:r>
-            <a:r>
-              <a:rPr lang="en-US" altLang="zh-CN" i="1" dirty="0"/>
-              <a:t>Industrial &amp; engineering chemistry research</a:t>
-            </a:r>
-            <a:r>
-              <a:rPr lang="en-US" altLang="zh-CN" dirty="0"/>
-              <a:t> 43.22 (2004): 7025-7035.</a:t>
-            </a:r>
+        <p:spPr/>
+        <p:txBody>
+          <a:bodyPr/>
+          <a:lstStyle/>
+          <a:p>
+            <a:r>
+              <a:rPr lang="zh-CN" altLang="en-US" dirty="0"/>
+              <a:t>减少</a:t>
+            </a:r>
+            <a:r>
+              <a:rPr lang="zh-CN" altLang="en-US" dirty="0" smtClean="0"/>
+              <a:t>过程噪声的干扰</a:t>
+            </a:r>
+            <a:endParaRPr lang="en-US" altLang="zh-CN" dirty="0" smtClean="0"/>
+          </a:p>
+          <a:p>
+            <a:r>
+              <a:rPr lang="zh-CN" altLang="en-US" dirty="0"/>
+              <a:t>减少</a:t>
+            </a:r>
+            <a:r>
+              <a:rPr lang="zh-CN" altLang="en-US" dirty="0" smtClean="0"/>
+              <a:t>工作点漂移的干扰</a:t>
+            </a:r>
+            <a:endParaRPr lang="en-US" altLang="zh-CN" dirty="0" smtClean="0"/>
+          </a:p>
+          <a:p>
+            <a:r>
+              <a:rPr lang="zh-CN" altLang="en-US" dirty="0" smtClean="0"/>
+              <a:t>高炉炉况的复杂多变和内部状态的不可测，使得基于某一段历史数据的建模很难有普遍代表性。尽可能多的利用历史数据的信息，可以使得检测性能更加鲁棒。同时，又需要避免漏报率的上升。</a:t>
+            </a:r>
+            <a:endParaRPr lang="en-US" altLang="zh-CN" dirty="0" smtClean="0"/>
+          </a:p>
+          <a:p>
+            <a:r>
+              <a:rPr lang="zh-CN" altLang="en-US" sz="2800" dirty="0" smtClean="0"/>
+              <a:t>历史</a:t>
+            </a:r>
+            <a:r>
+              <a:rPr lang="zh-CN" altLang="en-US" sz="2800" dirty="0"/>
+              <a:t>数据中，顺行炉况占</a:t>
+            </a:r>
+            <a:r>
+              <a:rPr lang="zh-CN" altLang="en-US" sz="2800" dirty="0" smtClean="0"/>
+              <a:t>大多数</a:t>
+            </a:r>
+            <a:endParaRPr lang="en-US" altLang="zh-CN" sz="2800" dirty="0" smtClean="0"/>
+          </a:p>
+          <a:p>
+            <a:r>
+              <a:rPr lang="en-US" altLang="zh-CN" sz="2800" dirty="0" smtClean="0"/>
+              <a:t>PCA</a:t>
+            </a:r>
+            <a:r>
+              <a:rPr lang="zh-CN" altLang="en-US" sz="2800" dirty="0"/>
+              <a:t>模型对所有样本点</a:t>
+            </a:r>
+            <a:r>
+              <a:rPr lang="zh-CN" altLang="en-US" sz="2800" dirty="0" smtClean="0"/>
+              <a:t>敏感，可以考虑一种将每个数据样本对</a:t>
+            </a:r>
+            <a:r>
+              <a:rPr lang="en-US" altLang="zh-CN" sz="2800" dirty="0" err="1" smtClean="0"/>
+              <a:t>pca</a:t>
+            </a:r>
+            <a:r>
+              <a:rPr lang="zh-CN" altLang="en-US" sz="2800" dirty="0" smtClean="0"/>
+              <a:t>模型的贡献定量描述的方法。</a:t>
+            </a:r>
+            <a:endParaRPr lang="en-US" altLang="zh-CN" sz="2800" dirty="0"/>
+          </a:p>
+          <a:p>
             <a:endParaRPr lang="zh-CN" altLang="en-US" dirty="0"/>
           </a:p>
         </p:txBody>
@@ -4277,7 +4304,7 @@
     </p:spTree>
     <p:extLst>
       <p:ext uri="{BB962C8B-B14F-4D97-AF65-F5344CB8AC3E}">
-        <p14:creationId xmlns:p14="http://schemas.microsoft.com/office/powerpoint/2010/main" val="616709764"/>
+        <p14:creationId xmlns:p14="http://schemas.microsoft.com/office/powerpoint/2010/main" val="1478854219"/>
       </p:ext>
     </p:extLst>
   </p:cSld>
@@ -4321,15 +4348,7 @@
           <a:p>
             <a:r>
               <a:rPr lang="zh-CN" altLang="en-US" dirty="0" smtClean="0"/>
-              <a:t>基于</a:t>
-            </a:r>
-            <a:r>
-              <a:rPr lang="en-US" altLang="zh-CN" dirty="0" smtClean="0"/>
-              <a:t>MSI</a:t>
-            </a:r>
-            <a:r>
-              <a:rPr lang="zh-CN" altLang="en-US" dirty="0" smtClean="0"/>
-              <a:t>的大数据分析</a:t>
+              <a:t>模型相似度（狭义）</a:t>
             </a:r>
             <a:endParaRPr lang="zh-CN" altLang="en-US" dirty="0"/>
           </a:p>
@@ -4345,172 +4364,240 @@
             <p:ph idx="1"/>
           </p:nvPr>
         </p:nvSpPr>
-        <p:spPr/>
-        <p:txBody>
-          <a:bodyPr/>
-          <a:lstStyle/>
-          <a:p>
-            <a:r>
-              <a:rPr lang="zh-CN" altLang="zh-CN" dirty="0" smtClean="0"/>
-              <a:t>建立时间</a:t>
-            </a:r>
-            <a:r>
-              <a:rPr lang="zh-CN" altLang="en-US" dirty="0"/>
-              <a:t>窗口</a:t>
-            </a:r>
-            <a:r>
-              <a:rPr lang="zh-CN" altLang="zh-CN" dirty="0"/>
-              <a:t>长度为</a:t>
-            </a:r>
-            <a:r>
-              <a:rPr lang="en-US" altLang="zh-CN" dirty="0"/>
-              <a:t>24</a:t>
-            </a:r>
-            <a:r>
-              <a:rPr lang="zh-CN" altLang="zh-CN" dirty="0" smtClean="0"/>
-              <a:t>小时</a:t>
-            </a:r>
-            <a:r>
-              <a:rPr lang="zh-CN" altLang="en-US" dirty="0" smtClean="0"/>
-              <a:t>、步长</a:t>
-            </a:r>
-            <a:r>
-              <a:rPr lang="zh-CN" altLang="zh-CN" dirty="0" smtClean="0"/>
-              <a:t>为</a:t>
-            </a:r>
-            <a:r>
-              <a:rPr lang="en-US" altLang="zh-CN" dirty="0"/>
-              <a:t>1</a:t>
-            </a:r>
-            <a:r>
-              <a:rPr lang="zh-CN" altLang="zh-CN" dirty="0" smtClean="0"/>
-              <a:t>小时的</a:t>
-            </a:r>
-            <a:r>
-              <a:rPr lang="en-US" altLang="zh-CN" dirty="0" smtClean="0"/>
-              <a:t>PCA</a:t>
-            </a:r>
-            <a:r>
-              <a:rPr lang="zh-CN" altLang="zh-CN" dirty="0" smtClean="0"/>
-              <a:t>模型</a:t>
-            </a:r>
-            <a:r>
-              <a:rPr lang="zh-CN" altLang="en-US" dirty="0" smtClean="0"/>
-              <a:t>。</a:t>
-            </a:r>
-            <a:endParaRPr lang="en-US" altLang="zh-CN" dirty="0" smtClean="0"/>
-          </a:p>
-          <a:p>
-            <a:pPr lvl="1"/>
-            <a:r>
-              <a:rPr lang="zh-CN" altLang="en-US" dirty="0" smtClean="0"/>
-              <a:t>参数设置的标准是，既要</a:t>
-            </a:r>
-            <a:r>
-              <a:rPr lang="zh-CN" altLang="zh-CN" dirty="0" smtClean="0"/>
-              <a:t>保证</a:t>
-            </a:r>
-            <a:r>
-              <a:rPr lang="zh-CN" altLang="en-US" dirty="0" smtClean="0"/>
-              <a:t>模型</a:t>
-            </a:r>
-            <a:r>
-              <a:rPr lang="zh-CN" altLang="zh-CN" dirty="0" smtClean="0"/>
-              <a:t>足够平稳，</a:t>
-            </a:r>
-            <a:r>
-              <a:rPr lang="zh-CN" altLang="zh-CN" dirty="0"/>
-              <a:t>又要</a:t>
-            </a:r>
-            <a:r>
-              <a:rPr lang="zh-CN" altLang="zh-CN" dirty="0" smtClean="0"/>
-              <a:t>反映出系统的</a:t>
-            </a:r>
-            <a:r>
-              <a:rPr lang="zh-CN" altLang="zh-CN" dirty="0"/>
-              <a:t>动态特性</a:t>
-            </a:r>
-            <a:r>
-              <a:rPr lang="zh-CN" altLang="zh-CN" dirty="0" smtClean="0"/>
-              <a:t>。</a:t>
-            </a:r>
-            <a:endParaRPr lang="en-US" altLang="zh-CN" dirty="0" smtClean="0"/>
-          </a:p>
-          <a:p>
-            <a:pPr lvl="1"/>
-            <a:r>
-              <a:rPr lang="en-US" altLang="zh-CN" dirty="0" smtClean="0"/>
-              <a:t>P(t)=</a:t>
-            </a:r>
-            <a:r>
-              <a:rPr lang="en-US" altLang="zh-CN" dirty="0" err="1" smtClean="0"/>
-              <a:t>pca</a:t>
-            </a:r>
-            <a:r>
-              <a:rPr lang="en-US" altLang="zh-CN" dirty="0" smtClean="0"/>
-              <a:t>(data[t-24+1:t,:])</a:t>
-            </a:r>
-          </a:p>
-          <a:p>
-            <a:r>
-              <a:rPr lang="zh-CN" altLang="en-US" dirty="0" smtClean="0"/>
-              <a:t>计算每个</a:t>
-            </a:r>
-            <a:r>
-              <a:rPr lang="en-US" altLang="zh-CN" dirty="0" smtClean="0"/>
-              <a:t>PCA</a:t>
-            </a:r>
-            <a:r>
-              <a:rPr lang="zh-CN" altLang="en-US" dirty="0" smtClean="0"/>
-              <a:t>之间的模型相似度。</a:t>
-            </a:r>
-            <a:endParaRPr lang="en-US" altLang="zh-CN" dirty="0"/>
-          </a:p>
-          <a:p>
-            <a:pPr lvl="1"/>
-            <a:r>
-              <a:rPr lang="zh-CN" altLang="en-US" dirty="0" smtClean="0"/>
-              <a:t>包括狭义相似度和广义相似度</a:t>
-            </a:r>
-            <a:endParaRPr lang="en-US" altLang="zh-CN" dirty="0" smtClean="0"/>
-          </a:p>
-          <a:p>
-            <a:pPr lvl="1"/>
-            <a:r>
-              <a:rPr lang="en-US" altLang="zh-CN" dirty="0" smtClean="0"/>
-              <a:t>S(</a:t>
-            </a:r>
-            <a:r>
-              <a:rPr lang="en-US" altLang="zh-CN" dirty="0" err="1" smtClean="0"/>
-              <a:t>i,j</a:t>
-            </a:r>
-            <a:r>
-              <a:rPr lang="en-US" altLang="zh-CN" dirty="0" smtClean="0"/>
-              <a:t>)=sim(P(</a:t>
-            </a:r>
-            <a:r>
-              <a:rPr lang="en-US" altLang="zh-CN" dirty="0" err="1" smtClean="0"/>
-              <a:t>i</a:t>
-            </a:r>
-            <a:r>
-              <a:rPr lang="en-US" altLang="zh-CN" dirty="0" smtClean="0"/>
-              <a:t>),P(j))</a:t>
-            </a:r>
-            <a:endParaRPr lang="en-US" altLang="zh-CN" dirty="0"/>
-          </a:p>
-          <a:p>
-            <a:r>
-              <a:rPr lang="zh-CN" altLang="en-US" dirty="0" smtClean="0"/>
-              <a:t>画图分析、聚类分析</a:t>
-            </a:r>
-            <a:endParaRPr lang="en-US" altLang="zh-CN" dirty="0" smtClean="0"/>
+        <p:spPr>
+          <a:xfrm>
+            <a:off x="628650" y="5680571"/>
+            <a:ext cx="7886700" cy="580529"/>
+          </a:xfrm>
+        </p:spPr>
+        <p:txBody>
+          <a:bodyPr>
+            <a:normAutofit lnSpcReduction="10000"/>
+          </a:bodyPr>
+          <a:lstStyle/>
+          <a:p>
+            <a:pPr marL="0" indent="0">
+              <a:buNone/>
+            </a:pPr>
+            <a:r>
+              <a:rPr lang="en-US" altLang="zh-CN" sz="1800" dirty="0">
+                <a:latin typeface="Times New Roman" panose="02020603050405020304" pitchFamily="18" charset="0"/>
+                <a:cs typeface="Times New Roman" panose="02020603050405020304" pitchFamily="18" charset="0"/>
+              </a:rPr>
+              <a:t>Lu, </a:t>
+            </a:r>
+            <a:r>
+              <a:rPr lang="en-US" altLang="zh-CN" sz="1800" dirty="0" err="1">
+                <a:latin typeface="Times New Roman" panose="02020603050405020304" pitchFamily="18" charset="0"/>
+                <a:cs typeface="Times New Roman" panose="02020603050405020304" pitchFamily="18" charset="0"/>
+              </a:rPr>
+              <a:t>Ningyun</a:t>
+            </a:r>
+            <a:r>
+              <a:rPr lang="en-US" altLang="zh-CN" sz="1800" dirty="0">
+                <a:latin typeface="Times New Roman" panose="02020603050405020304" pitchFamily="18" charset="0"/>
+                <a:cs typeface="Times New Roman" panose="02020603050405020304" pitchFamily="18" charset="0"/>
+              </a:rPr>
+              <a:t>, </a:t>
+            </a:r>
+            <a:r>
+              <a:rPr lang="en-US" altLang="zh-CN" sz="1800" dirty="0" err="1">
+                <a:latin typeface="Times New Roman" panose="02020603050405020304" pitchFamily="18" charset="0"/>
+                <a:cs typeface="Times New Roman" panose="02020603050405020304" pitchFamily="18" charset="0"/>
+              </a:rPr>
+              <a:t>Furong</a:t>
+            </a:r>
+            <a:r>
+              <a:rPr lang="en-US" altLang="zh-CN" sz="1800" dirty="0">
+                <a:latin typeface="Times New Roman" panose="02020603050405020304" pitchFamily="18" charset="0"/>
+                <a:cs typeface="Times New Roman" panose="02020603050405020304" pitchFamily="18" charset="0"/>
+              </a:rPr>
+              <a:t> Gao, and </a:t>
+            </a:r>
+            <a:r>
+              <a:rPr lang="en-US" altLang="zh-CN" sz="1800" dirty="0" err="1">
+                <a:latin typeface="Times New Roman" panose="02020603050405020304" pitchFamily="18" charset="0"/>
+                <a:cs typeface="Times New Roman" panose="02020603050405020304" pitchFamily="18" charset="0"/>
+              </a:rPr>
+              <a:t>Fuli</a:t>
+            </a:r>
+            <a:r>
+              <a:rPr lang="en-US" altLang="zh-CN" sz="1800" dirty="0">
+                <a:latin typeface="Times New Roman" panose="02020603050405020304" pitchFamily="18" charset="0"/>
+                <a:cs typeface="Times New Roman" panose="02020603050405020304" pitchFamily="18" charset="0"/>
+              </a:rPr>
+              <a:t> Wang. "Sub‐PCA modeling and on‐line monitoring strategy for batch processes." </a:t>
+            </a:r>
+            <a:r>
+              <a:rPr lang="en-US" altLang="zh-CN" sz="1800" i="1" dirty="0" err="1">
+                <a:latin typeface="Times New Roman" panose="02020603050405020304" pitchFamily="18" charset="0"/>
+                <a:cs typeface="Times New Roman" panose="02020603050405020304" pitchFamily="18" charset="0"/>
+              </a:rPr>
+              <a:t>AIChE</a:t>
+            </a:r>
+            <a:r>
+              <a:rPr lang="en-US" altLang="zh-CN" sz="1800" i="1" dirty="0">
+                <a:latin typeface="Times New Roman" panose="02020603050405020304" pitchFamily="18" charset="0"/>
+                <a:cs typeface="Times New Roman" panose="02020603050405020304" pitchFamily="18" charset="0"/>
+              </a:rPr>
+              <a:t> Journal</a:t>
+            </a:r>
+            <a:r>
+              <a:rPr lang="en-US" altLang="zh-CN" sz="1800" dirty="0">
+                <a:latin typeface="Times New Roman" panose="02020603050405020304" pitchFamily="18" charset="0"/>
+                <a:cs typeface="Times New Roman" panose="02020603050405020304" pitchFamily="18" charset="0"/>
+              </a:rPr>
+              <a:t> 50.1 (2004): 255-259.</a:t>
+            </a:r>
+            <a:endParaRPr lang="zh-CN" altLang="en-US" sz="1800" dirty="0">
+              <a:latin typeface="Times New Roman" panose="02020603050405020304" pitchFamily="18" charset="0"/>
+              <a:cs typeface="Times New Roman" panose="02020603050405020304" pitchFamily="18" charset="0"/>
+            </a:endParaRPr>
+          </a:p>
+        </p:txBody>
+      </p:sp>
+      <p:sp>
+        <p:nvSpPr>
+          <p:cNvPr id="4" name="矩形 3"/>
+          <p:cNvSpPr/>
+          <p:nvPr/>
+        </p:nvSpPr>
+        <p:spPr>
+          <a:xfrm>
+            <a:off x="628650" y="4945340"/>
+            <a:ext cx="4572000" cy="646331"/>
+          </a:xfrm>
+          <a:prstGeom prst="rect">
+            <a:avLst/>
+          </a:prstGeom>
+        </p:spPr>
+        <p:txBody>
+          <a:bodyPr>
+            <a:spAutoFit/>
+          </a:bodyPr>
+          <a:lstStyle/>
+          <a:p>
+            <a:r>
+              <a:rPr lang="zh-CN" altLang="en-US" dirty="0">
+                <a:solidFill>
+                  <a:srgbClr val="222222"/>
+                </a:solidFill>
+                <a:latin typeface="Times New Roman" panose="02020603050405020304" pitchFamily="18" charset="0"/>
+                <a:cs typeface="Times New Roman" panose="02020603050405020304" pitchFamily="18" charset="0"/>
+              </a:rPr>
+              <a:t>李荣雨</a:t>
+            </a:r>
+            <a:r>
+              <a:rPr lang="en-US" altLang="zh-CN" dirty="0">
+                <a:solidFill>
+                  <a:srgbClr val="222222"/>
+                </a:solidFill>
+                <a:latin typeface="Times New Roman" panose="02020603050405020304" pitchFamily="18" charset="0"/>
+                <a:cs typeface="Times New Roman" panose="02020603050405020304" pitchFamily="18" charset="0"/>
+              </a:rPr>
+              <a:t>. </a:t>
+            </a:r>
+            <a:r>
+              <a:rPr lang="zh-CN" altLang="en-US" i="1" dirty="0">
+                <a:solidFill>
+                  <a:srgbClr val="222222"/>
+                </a:solidFill>
+                <a:latin typeface="Times New Roman" panose="02020603050405020304" pitchFamily="18" charset="0"/>
+                <a:cs typeface="Times New Roman" panose="02020603050405020304" pitchFamily="18" charset="0"/>
+              </a:rPr>
+              <a:t>基于 </a:t>
+            </a:r>
+            <a:r>
+              <a:rPr lang="en-US" altLang="zh-CN" i="1" dirty="0">
+                <a:solidFill>
+                  <a:srgbClr val="222222"/>
+                </a:solidFill>
+                <a:latin typeface="Times New Roman" panose="02020603050405020304" pitchFamily="18" charset="0"/>
+                <a:cs typeface="Times New Roman" panose="02020603050405020304" pitchFamily="18" charset="0"/>
+              </a:rPr>
+              <a:t>PCA </a:t>
+            </a:r>
+            <a:r>
+              <a:rPr lang="zh-CN" altLang="en-US" i="1" dirty="0">
+                <a:solidFill>
+                  <a:srgbClr val="222222"/>
+                </a:solidFill>
+                <a:latin typeface="Times New Roman" panose="02020603050405020304" pitchFamily="18" charset="0"/>
+                <a:cs typeface="Times New Roman" panose="02020603050405020304" pitchFamily="18" charset="0"/>
+              </a:rPr>
+              <a:t>的统计过程监控研究 </a:t>
+            </a:r>
+            <a:r>
+              <a:rPr lang="en-US" altLang="zh-CN" i="1" dirty="0">
+                <a:solidFill>
+                  <a:srgbClr val="222222"/>
+                </a:solidFill>
+                <a:latin typeface="Times New Roman" panose="02020603050405020304" pitchFamily="18" charset="0"/>
+                <a:cs typeface="Times New Roman" panose="02020603050405020304" pitchFamily="18" charset="0"/>
+              </a:rPr>
+              <a:t>[D]</a:t>
+            </a:r>
+            <a:r>
+              <a:rPr lang="en-US" altLang="zh-CN" dirty="0">
+                <a:solidFill>
+                  <a:srgbClr val="222222"/>
+                </a:solidFill>
+                <a:latin typeface="Times New Roman" panose="02020603050405020304" pitchFamily="18" charset="0"/>
+                <a:cs typeface="Times New Roman" panose="02020603050405020304" pitchFamily="18" charset="0"/>
+              </a:rPr>
+              <a:t>. Diss. </a:t>
+            </a:r>
+            <a:r>
+              <a:rPr lang="zh-CN" altLang="en-US" dirty="0">
+                <a:solidFill>
+                  <a:srgbClr val="222222"/>
+                </a:solidFill>
+                <a:latin typeface="Times New Roman" panose="02020603050405020304" pitchFamily="18" charset="0"/>
+                <a:cs typeface="Times New Roman" panose="02020603050405020304" pitchFamily="18" charset="0"/>
+              </a:rPr>
+              <a:t>杭州</a:t>
+            </a:r>
+            <a:r>
+              <a:rPr lang="en-US" altLang="zh-CN" dirty="0">
+                <a:solidFill>
+                  <a:srgbClr val="222222"/>
+                </a:solidFill>
+                <a:latin typeface="Times New Roman" panose="02020603050405020304" pitchFamily="18" charset="0"/>
+                <a:cs typeface="Times New Roman" panose="02020603050405020304" pitchFamily="18" charset="0"/>
+              </a:rPr>
+              <a:t>: </a:t>
+            </a:r>
+            <a:r>
+              <a:rPr lang="zh-CN" altLang="en-US" dirty="0">
+                <a:solidFill>
+                  <a:srgbClr val="222222"/>
+                </a:solidFill>
+                <a:latin typeface="Times New Roman" panose="02020603050405020304" pitchFamily="18" charset="0"/>
+                <a:cs typeface="Times New Roman" panose="02020603050405020304" pitchFamily="18" charset="0"/>
+              </a:rPr>
+              <a:t>浙江大学</a:t>
+            </a:r>
+            <a:r>
+              <a:rPr lang="en-US" altLang="zh-CN" dirty="0">
+                <a:solidFill>
+                  <a:srgbClr val="222222"/>
+                </a:solidFill>
+                <a:latin typeface="Times New Roman" panose="02020603050405020304" pitchFamily="18" charset="0"/>
+                <a:cs typeface="Times New Roman" panose="02020603050405020304" pitchFamily="18" charset="0"/>
+              </a:rPr>
+              <a:t>, 2007.</a:t>
+            </a:r>
+            <a:endParaRPr lang="zh-CN" altLang="en-US" dirty="0">
+              <a:latin typeface="Times New Roman" panose="02020603050405020304" pitchFamily="18" charset="0"/>
+              <a:cs typeface="Times New Roman" panose="02020603050405020304" pitchFamily="18" charset="0"/>
+            </a:endParaRPr>
           </a:p>
         </p:txBody>
       </p:sp>
     </p:spTree>
     <p:extLst>
       <p:ext uri="{BB962C8B-B14F-4D97-AF65-F5344CB8AC3E}">
-        <p14:creationId xmlns:p14="http://schemas.microsoft.com/office/powerpoint/2010/main" val="1146461438"/>
+        <p14:creationId xmlns:p14="http://schemas.microsoft.com/office/powerpoint/2010/main" val="1038726342"/>
       </p:ext>
     </p:extLst>
   </p:cSld>
@@ -4553,128 +4640,69 @@
           <a:lstStyle/>
           <a:p>
             <a:r>
-              <a:rPr lang="zh-CN" altLang="en-US" dirty="0"/>
-              <a:t>基于</a:t>
-            </a:r>
+              <a:rPr lang="zh-CN" altLang="en-US" dirty="0" smtClean="0"/>
+              <a:t>模型相似度（广义）</a:t>
+            </a:r>
+            <a:endParaRPr lang="zh-CN" altLang="en-US" dirty="0"/>
+          </a:p>
+        </p:txBody>
+      </p:sp>
+      <p:sp>
+        <p:nvSpPr>
+          <p:cNvPr id="3" name="内容占位符 2"/>
+          <p:cNvSpPr>
+            <a:spLocks noGrp="1"/>
+          </p:cNvSpPr>
+          <p:nvPr>
+            <p:ph idx="1"/>
+          </p:nvPr>
+        </p:nvSpPr>
+        <p:spPr>
+          <a:xfrm>
+            <a:off x="628650" y="4715219"/>
+            <a:ext cx="7886700" cy="1649030"/>
+          </a:xfrm>
+        </p:spPr>
+        <p:txBody>
+          <a:bodyPr>
+            <a:normAutofit fontScale="92500" lnSpcReduction="20000"/>
+          </a:bodyPr>
+          <a:lstStyle/>
+          <a:p>
             <a:r>
               <a:rPr lang="en-US" altLang="zh-CN" dirty="0"/>
-              <a:t>MSI</a:t>
-            </a:r>
-            <a:r>
-              <a:rPr lang="zh-CN" altLang="en-US" dirty="0"/>
-              <a:t>的大</a:t>
-            </a:r>
-            <a:r>
-              <a:rPr lang="zh-CN" altLang="en-US" dirty="0" smtClean="0"/>
-              <a:t>数据分析 </a:t>
+              <a:t>Zhao, Shi Jian, </a:t>
+            </a:r>
+            <a:r>
+              <a:rPr lang="en-US" altLang="zh-CN" dirty="0" err="1"/>
+              <a:t>Jie</a:t>
+            </a:r>
+            <a:r>
+              <a:rPr lang="en-US" altLang="zh-CN" dirty="0"/>
+              <a:t> Zhang, and Yong Mao Xu. "Monitoring of processes with multiple operating modes through multiple principle component analysis models." </a:t>
+            </a:r>
+            <a:r>
+              <a:rPr lang="en-US" altLang="zh-CN" i="1" dirty="0"/>
+              <a:t>Industrial &amp; engineering chemistry research</a:t>
+            </a:r>
+            <a:r>
+              <a:rPr lang="en-US" altLang="zh-CN" dirty="0"/>
+              <a:t> 43.22 (2004): 7025-7035.</a:t>
             </a:r>
             <a:endParaRPr lang="zh-CN" altLang="en-US" dirty="0"/>
-          </a:p>
-        </p:txBody>
-      </p:sp>
-      <p:sp>
-        <p:nvSpPr>
-          <p:cNvPr id="3" name="内容占位符 2"/>
-          <p:cNvSpPr>
-            <a:spLocks noGrp="1"/>
-          </p:cNvSpPr>
-          <p:nvPr>
-            <p:ph idx="1"/>
-          </p:nvPr>
-        </p:nvSpPr>
-        <p:spPr/>
-        <p:txBody>
-          <a:bodyPr/>
-          <a:lstStyle/>
-          <a:p>
-            <a:r>
-              <a:rPr lang="zh-CN" altLang="en-US" dirty="0"/>
-              <a:t>一张细粒度的图</a:t>
-            </a:r>
-            <a:endParaRPr lang="en-US" altLang="zh-CN" dirty="0" smtClean="0"/>
-          </a:p>
-          <a:p>
-            <a:pPr lvl="1"/>
-            <a:r>
-              <a:rPr lang="zh-CN" altLang="en-US" dirty="0" smtClean="0"/>
-              <a:t>窗口长度</a:t>
-            </a:r>
-            <a:r>
-              <a:rPr lang="en-US" altLang="zh-CN" dirty="0" smtClean="0"/>
-              <a:t>24h</a:t>
-            </a:r>
-            <a:r>
-              <a:rPr lang="zh-CN" altLang="en-US" dirty="0" smtClean="0"/>
-              <a:t>，步长</a:t>
-            </a:r>
-            <a:r>
-              <a:rPr lang="en-US" altLang="zh-CN" dirty="0" smtClean="0"/>
-              <a:t>10min</a:t>
-            </a:r>
-          </a:p>
-          <a:p>
-            <a:pPr lvl="1"/>
-            <a:r>
-              <a:rPr lang="zh-CN" altLang="en-US" dirty="0" smtClean="0"/>
-              <a:t>计算</a:t>
-            </a:r>
-            <a:r>
-              <a:rPr lang="zh-CN" altLang="en-US" dirty="0" smtClean="0"/>
-              <a:t>能力有限，仅画了</a:t>
-            </a:r>
-            <a:r>
-              <a:rPr lang="en-US" altLang="zh-CN" dirty="0" smtClean="0"/>
-              <a:t>10</a:t>
-            </a:r>
-            <a:r>
-              <a:rPr lang="zh-CN" altLang="en-US" dirty="0" smtClean="0"/>
-              <a:t>天</a:t>
-            </a:r>
-            <a:r>
-              <a:rPr lang="zh-CN" altLang="en-US" dirty="0" smtClean="0"/>
-              <a:t>的</a:t>
-            </a:r>
-            <a:endParaRPr lang="en-US" altLang="zh-CN" dirty="0" smtClean="0"/>
-          </a:p>
-          <a:p>
-            <a:pPr lvl="1"/>
-            <a:r>
-              <a:rPr lang="zh-CN" altLang="en-US" dirty="0" smtClean="0"/>
-              <a:t>为了在</a:t>
-            </a:r>
-            <a:r>
-              <a:rPr lang="zh-CN" altLang="en-US" dirty="0"/>
-              <a:t>有限</a:t>
-            </a:r>
-            <a:r>
-              <a:rPr lang="zh-CN" altLang="en-US" dirty="0" smtClean="0"/>
-              <a:t>内存和有限时间内计算出更大范围的相似度，将步长调整为</a:t>
-            </a:r>
-            <a:r>
-              <a:rPr lang="en-US" altLang="zh-CN" dirty="0" smtClean="0"/>
-              <a:t>1h</a:t>
-            </a:r>
-            <a:endParaRPr lang="en-US" altLang="zh-CN" dirty="0" smtClean="0"/>
           </a:p>
         </p:txBody>
       </p:sp>
     </p:spTree>
     <p:extLst>
       <p:ext uri="{BB962C8B-B14F-4D97-AF65-F5344CB8AC3E}">
-        <p14:creationId xmlns:p14="http://schemas.microsoft.com/office/powerpoint/2010/main" val="3374663047"/>
+        <p14:creationId xmlns:p14="http://schemas.microsoft.com/office/powerpoint/2010/main" val="616709764"/>
       </p:ext>
     </p:extLst>
   </p:cSld>
   <p:clrMapOvr>
     <a:masterClrMapping/>
   </p:clrMapOvr>
-  <p:timing>
-    <p:tnLst>
-      <p:par>
-        <p:cTn id="1" dur="indefinite" restart="never" nodeType="tmRoot"/>
-      </p:par>
-    </p:tnLst>
-  </p:timing>
 </p:sld>
 </file>
 
@@ -4711,91 +4739,164 @@
           <a:lstStyle/>
           <a:p>
             <a:r>
+              <a:rPr lang="zh-CN" altLang="en-US" dirty="0" smtClean="0"/>
+              <a:t>两种相似度的异同</a:t>
+            </a:r>
+            <a:endParaRPr lang="zh-CN" altLang="en-US" dirty="0"/>
+          </a:p>
+        </p:txBody>
+      </p:sp>
+      <p:sp>
+        <p:nvSpPr>
+          <p:cNvPr id="3" name="内容占位符 2"/>
+          <p:cNvSpPr>
+            <a:spLocks noGrp="1"/>
+          </p:cNvSpPr>
+          <p:nvPr>
+            <p:ph idx="1"/>
+          </p:nvPr>
+        </p:nvSpPr>
+        <p:spPr/>
+        <p:txBody>
+          <a:bodyPr/>
+          <a:lstStyle/>
+          <a:p>
+            <a:r>
+              <a:rPr lang="zh-CN" altLang="en-US" dirty="0" smtClean="0"/>
+              <a:t>广义</a:t>
+            </a:r>
+            <a:r>
+              <a:rPr lang="en-US" altLang="zh-CN" dirty="0" smtClean="0"/>
+              <a:t>MSI</a:t>
+            </a:r>
+          </a:p>
+          <a:p>
+            <a:endParaRPr lang="en-US" altLang="zh-CN" dirty="0"/>
+          </a:p>
+          <a:p>
+            <a:endParaRPr lang="en-US" altLang="zh-CN" dirty="0" smtClean="0"/>
+          </a:p>
+          <a:p>
+            <a:r>
+              <a:rPr lang="zh-CN" altLang="en-US" dirty="0" smtClean="0"/>
+              <a:t>上述</a:t>
+            </a:r>
+            <a:r>
               <a:rPr lang="zh-CN" altLang="en-US" dirty="0"/>
-              <a:t>基于</a:t>
+              <a:t>所定义的相似度指数有时又称广义</a:t>
+            </a:r>
+            <a:r>
+              <a:rPr lang="en-US" altLang="zh-CN" dirty="0" err="1"/>
+              <a:t>Msl</a:t>
             </a:r>
             <a:r>
               <a:rPr lang="en-US" altLang="zh-CN" dirty="0"/>
-              <a:t>MSI</a:t>
+              <a:t>,</a:t>
             </a:r>
             <a:r>
               <a:rPr lang="zh-CN" altLang="en-US" dirty="0"/>
-              <a:t>的大数据分析</a:t>
-            </a:r>
-            <a:endParaRPr lang="zh-CN" altLang="en-US" dirty="0"/>
-          </a:p>
-        </p:txBody>
-      </p:sp>
-      <p:sp>
-        <p:nvSpPr>
-          <p:cNvPr id="3" name="内容占位符 2"/>
-          <p:cNvSpPr>
-            <a:spLocks noGrp="1"/>
-          </p:cNvSpPr>
-          <p:nvPr>
-            <p:ph idx="1"/>
-          </p:nvPr>
-        </p:nvSpPr>
-        <p:spPr/>
-        <p:txBody>
-          <a:bodyPr/>
-          <a:lstStyle/>
-          <a:p>
-            <a:pPr marL="0" indent="0">
-              <a:buNone/>
-            </a:pPr>
-            <a:r>
-              <a:rPr lang="zh-CN" altLang="en-US" dirty="0" smtClean="0"/>
-              <a:t>初步分析可以有以下结论：</a:t>
-            </a:r>
-            <a:endParaRPr lang="en-US" altLang="zh-CN" dirty="0" smtClean="0"/>
-          </a:p>
-          <a:p>
-            <a:r>
-              <a:rPr lang="zh-CN" altLang="en-US" dirty="0" smtClean="0"/>
-              <a:t>两种相似度的图像较为相似</a:t>
-            </a:r>
-            <a:endParaRPr lang="en-US" altLang="zh-CN" dirty="0" smtClean="0"/>
-          </a:p>
-          <a:p>
-            <a:r>
-              <a:rPr lang="zh-CN" altLang="en-US" dirty="0" smtClean="0"/>
-              <a:t>炉况呈周期性波动，有明显的漂移和切换</a:t>
-            </a:r>
-            <a:endParaRPr lang="en-US" altLang="zh-CN" dirty="0" smtClean="0"/>
-          </a:p>
-          <a:p>
-            <a:r>
-              <a:rPr lang="zh-CN" altLang="en-US" dirty="0" smtClean="0"/>
-              <a:t>工作点一直在变化，有时会跟历史某一段工作点很相似，但再也不会完全一致</a:t>
-            </a:r>
-            <a:endParaRPr lang="en-US" altLang="zh-CN" dirty="0" smtClean="0"/>
-          </a:p>
-          <a:p>
+              <a:t>不加说明</a:t>
+            </a:r>
+            <a:r>
+              <a:rPr lang="en-US" altLang="zh-CN" dirty="0" err="1"/>
+              <a:t>Msl</a:t>
+            </a:r>
             <a:r>
               <a:rPr lang="zh-CN" altLang="en-US" dirty="0"/>
-              <a:t>难行后，高炉往往</a:t>
-            </a:r>
-            <a:r>
-              <a:rPr lang="zh-CN" altLang="en-US" dirty="0" smtClean="0"/>
-              <a:t>很难恢复</a:t>
+              <a:t>即指广义</a:t>
+            </a:r>
+            <a:r>
+              <a:rPr lang="en-US" altLang="zh-CN" dirty="0" err="1"/>
+              <a:t>Msl</a:t>
             </a:r>
             <a:r>
               <a:rPr lang="zh-CN" altLang="en-US" dirty="0"/>
-              <a:t>到之前的</a:t>
-            </a:r>
-            <a:r>
-              <a:rPr lang="zh-CN" altLang="en-US" dirty="0" smtClean="0"/>
-              <a:t>状态</a:t>
-            </a:r>
-            <a:endParaRPr lang="en-US" altLang="zh-CN" dirty="0" smtClean="0"/>
-          </a:p>
-          <a:p>
-            <a:r>
-              <a:rPr lang="zh-CN" altLang="en-US" dirty="0" smtClean="0"/>
-              <a:t>聚类分析发现炉况可以划分为有限的几种情况</a:t>
-            </a:r>
-            <a:endParaRPr lang="zh-CN" altLang="en-US" dirty="0"/>
+              <a:t>。在</a:t>
+            </a:r>
+            <a:r>
+              <a:rPr lang="en-US" altLang="zh-CN" dirty="0" smtClean="0"/>
+              <a:t>PCS</a:t>
+            </a:r>
+            <a:r>
+              <a:rPr lang="zh-CN" altLang="en-US" dirty="0" smtClean="0"/>
+              <a:t>中</a:t>
+            </a:r>
+            <a:r>
+              <a:rPr lang="zh-CN" altLang="en-US" dirty="0"/>
+              <a:t>评价</a:t>
+            </a:r>
+            <a:r>
+              <a:rPr lang="en-US" altLang="zh-CN" dirty="0"/>
+              <a:t>PCA</a:t>
+            </a:r>
+            <a:r>
+              <a:rPr lang="zh-CN" altLang="en-US" dirty="0"/>
+              <a:t>模型间的差异时</a:t>
+            </a:r>
+            <a:r>
+              <a:rPr lang="en-US" altLang="zh-CN" dirty="0"/>
+              <a:t>,</a:t>
+            </a:r>
+            <a:r>
+              <a:rPr lang="zh-CN" altLang="en-US" dirty="0"/>
+              <a:t>有时不仅根据两个子空间的相似度是否高</a:t>
+            </a:r>
+            <a:r>
+              <a:rPr lang="en-US" altLang="zh-CN" dirty="0"/>
+              <a:t>,</a:t>
+            </a:r>
+            <a:r>
+              <a:rPr lang="zh-CN" altLang="en-US" dirty="0"/>
+              <a:t>还要求有</a:t>
+            </a:r>
+            <a:r>
+              <a:rPr lang="zh-CN" altLang="en-US" dirty="0" smtClean="0"/>
+              <a:t>相同</a:t>
+            </a:r>
+            <a:r>
+              <a:rPr lang="zh-CN" altLang="en-US" dirty="0"/>
+              <a:t>的最</a:t>
+            </a:r>
+            <a:r>
+              <a:rPr lang="en-US" altLang="zh-CN" dirty="0"/>
+              <a:t>(</a:t>
+            </a:r>
+            <a:r>
+              <a:rPr lang="zh-CN" altLang="en-US" dirty="0"/>
+              <a:t>次</a:t>
+            </a:r>
+            <a:r>
+              <a:rPr lang="en-US" altLang="zh-CN" dirty="0"/>
+              <a:t>)</a:t>
+            </a:r>
+            <a:r>
+              <a:rPr lang="zh-CN" altLang="en-US" dirty="0"/>
+              <a:t>大数据变动方向</a:t>
+            </a:r>
+            <a:r>
+              <a:rPr lang="en-US" altLang="zh-CN" dirty="0"/>
+              <a:t>,</a:t>
+            </a:r>
+            <a:r>
+              <a:rPr lang="zh-CN" altLang="en-US" dirty="0"/>
+              <a:t>即要求</a:t>
+            </a:r>
+            <a:r>
+              <a:rPr lang="en-US" altLang="zh-CN" dirty="0"/>
+              <a:t>PCS</a:t>
+            </a:r>
+            <a:r>
+              <a:rPr lang="zh-CN" altLang="en-US" dirty="0"/>
+              <a:t>中的负荷向量及其排列顺序相同。此时可用</a:t>
+            </a:r>
+            <a:r>
+              <a:rPr lang="zh-CN" altLang="en-US" dirty="0" smtClean="0"/>
+              <a:t>相应</a:t>
+            </a:r>
+            <a:r>
+              <a:rPr lang="zh-CN" altLang="en-US" dirty="0"/>
+              <a:t>次序的负荷向量间的夹角来度量</a:t>
+            </a:r>
           </a:p>
           <a:p>
             <a:endParaRPr lang="zh-CN" altLang="en-US" dirty="0"/>
@@ -4805,7 +4906,7 @@
     </p:spTree>
     <p:extLst>
       <p:ext uri="{BB962C8B-B14F-4D97-AF65-F5344CB8AC3E}">
-        <p14:creationId xmlns:p14="http://schemas.microsoft.com/office/powerpoint/2010/main" val="964037456"/>
+        <p14:creationId xmlns:p14="http://schemas.microsoft.com/office/powerpoint/2010/main" val="238995303"/>
       </p:ext>
     </p:extLst>
   </p:cSld>
@@ -4848,391 +4949,25 @@
           <a:lstStyle/>
           <a:p>
             <a:r>
-              <a:rPr lang="zh-CN" altLang="en-US" dirty="0"/>
-              <a:t>基于</a:t>
-            </a:r>
-            <a:r>
-              <a:rPr lang="en-US" altLang="zh-CN" dirty="0"/>
-              <a:t>MSI</a:t>
-            </a:r>
-            <a:r>
-              <a:rPr lang="zh-CN" altLang="en-US" dirty="0" smtClean="0"/>
-              <a:t>的异常炉况检测</a:t>
-            </a:r>
-            <a:endParaRPr lang="zh-CN" altLang="en-US" dirty="0"/>
-          </a:p>
-        </p:txBody>
-      </p:sp>
-      <p:sp>
-        <p:nvSpPr>
-          <p:cNvPr id="3" name="内容占位符 2"/>
-          <p:cNvSpPr>
-            <a:spLocks noGrp="1"/>
-          </p:cNvSpPr>
-          <p:nvPr>
-            <p:ph idx="1"/>
-          </p:nvPr>
-        </p:nvSpPr>
-        <p:spPr/>
-        <p:txBody>
-          <a:bodyPr>
-            <a:normAutofit fontScale="92500" lnSpcReduction="10000"/>
-          </a:bodyPr>
-          <a:lstStyle/>
-          <a:p>
-            <a:pPr marL="0" indent="0">
-              <a:buNone/>
-            </a:pPr>
-            <a:r>
-              <a:rPr lang="zh-CN" altLang="zh-CN" dirty="0"/>
-              <a:t>方法：</a:t>
-            </a:r>
-          </a:p>
-          <a:p>
-            <a:r>
-              <a:rPr lang="en-US" altLang="zh-CN" dirty="0" smtClean="0"/>
-              <a:t>1</a:t>
-            </a:r>
-            <a:r>
-              <a:rPr lang="zh-CN" altLang="en-US" dirty="0"/>
-              <a:t>、</a:t>
-            </a:r>
-            <a:r>
-              <a:rPr lang="zh-CN" altLang="zh-CN" dirty="0" smtClean="0"/>
-              <a:t>训练集</a:t>
-            </a:r>
-            <a:r>
-              <a:rPr lang="zh-CN" altLang="zh-CN" dirty="0"/>
-              <a:t>：建立时间窗口长度为</a:t>
-            </a:r>
-            <a:r>
-              <a:rPr lang="en-US" altLang="zh-CN" dirty="0"/>
-              <a:t>24</a:t>
-            </a:r>
-            <a:r>
-              <a:rPr lang="zh-CN" altLang="zh-CN" dirty="0"/>
-              <a:t>小时、步长为</a:t>
-            </a:r>
-            <a:r>
-              <a:rPr lang="en-US" altLang="zh-CN" dirty="0"/>
-              <a:t>1</a:t>
-            </a:r>
-            <a:r>
-              <a:rPr lang="zh-CN" altLang="zh-CN" dirty="0"/>
-              <a:t>小时的</a:t>
-            </a:r>
-            <a:r>
-              <a:rPr lang="en-US" altLang="zh-CN" dirty="0"/>
-              <a:t>PCA</a:t>
-            </a:r>
-            <a:r>
-              <a:rPr lang="zh-CN" altLang="zh-CN" dirty="0"/>
-              <a:t>模型，保证足够平稳，又要反映出系统所有的动态特性</a:t>
-            </a:r>
-            <a:r>
-              <a:rPr lang="zh-CN" altLang="zh-CN" dirty="0" smtClean="0"/>
-              <a:t>。</a:t>
-            </a:r>
-            <a:endParaRPr lang="zh-CN" altLang="zh-CN" dirty="0"/>
-          </a:p>
-          <a:p>
-            <a:r>
-              <a:rPr lang="en-US" altLang="zh-CN" dirty="0" smtClean="0"/>
-              <a:t>2</a:t>
-            </a:r>
-            <a:r>
-              <a:rPr lang="zh-CN" altLang="en-US" dirty="0" smtClean="0"/>
-              <a:t>、</a:t>
-            </a:r>
-            <a:r>
-              <a:rPr lang="zh-CN" altLang="zh-CN" dirty="0" smtClean="0"/>
-              <a:t>测试</a:t>
-            </a:r>
-            <a:r>
-              <a:rPr lang="zh-CN" altLang="zh-CN" dirty="0"/>
-              <a:t>集：建立时间窗口长度为</a:t>
-            </a:r>
-            <a:r>
-              <a:rPr lang="en-US" altLang="zh-CN" dirty="0"/>
-              <a:t>5</a:t>
-            </a:r>
-            <a:r>
-              <a:rPr lang="zh-CN" altLang="zh-CN" dirty="0"/>
-              <a:t>小时（比训练集短，以充分跟随系统工作点和动态特性）、步长尽量小（目前内存和计算时间允许情况下，取</a:t>
-            </a:r>
-            <a:r>
-              <a:rPr lang="en-US" altLang="zh-CN" dirty="0"/>
-              <a:t>10</a:t>
-            </a:r>
-            <a:r>
-              <a:rPr lang="zh-CN" altLang="zh-CN" dirty="0"/>
-              <a:t>分钟）的数据建立</a:t>
-            </a:r>
-            <a:r>
-              <a:rPr lang="en-US" altLang="zh-CN" dirty="0"/>
-              <a:t>PCA</a:t>
-            </a:r>
-            <a:r>
-              <a:rPr lang="zh-CN" altLang="zh-CN" dirty="0"/>
-              <a:t>模型</a:t>
-            </a:r>
-            <a:r>
-              <a:rPr lang="zh-CN" altLang="zh-CN" dirty="0" smtClean="0"/>
-              <a:t>。</a:t>
-            </a:r>
-            <a:endParaRPr lang="zh-CN" altLang="zh-CN" dirty="0"/>
-          </a:p>
-          <a:p>
-            <a:r>
-              <a:rPr lang="en-US" altLang="zh-CN" dirty="0" smtClean="0"/>
-              <a:t>3</a:t>
-            </a:r>
-            <a:r>
-              <a:rPr lang="zh-CN" altLang="en-US" dirty="0" smtClean="0"/>
-              <a:t>、</a:t>
-            </a:r>
-            <a:r>
-              <a:rPr lang="zh-CN" altLang="zh-CN" dirty="0" smtClean="0"/>
-              <a:t>通过</a:t>
-            </a:r>
-            <a:r>
-              <a:rPr lang="zh-CN" altLang="zh-CN" dirty="0"/>
-              <a:t>计算测试集负荷矩阵集合</a:t>
-            </a:r>
-            <a:r>
-              <a:rPr lang="en-US" altLang="zh-CN" dirty="0"/>
-              <a:t>{</a:t>
-            </a:r>
-            <a:r>
-              <a:rPr lang="en-US" altLang="zh-CN" dirty="0" err="1"/>
-              <a:t>P_train</a:t>
-            </a:r>
-            <a:r>
-              <a:rPr lang="en-US" altLang="zh-CN" dirty="0"/>
-              <a:t>}</a:t>
-            </a:r>
-            <a:r>
-              <a:rPr lang="zh-CN" altLang="zh-CN" dirty="0"/>
-              <a:t>与测试集负荷矩阵</a:t>
-            </a:r>
-            <a:r>
-              <a:rPr lang="en-US" altLang="zh-CN" dirty="0" err="1"/>
-              <a:t>P_test</a:t>
-            </a:r>
-            <a:r>
-              <a:rPr lang="zh-CN" altLang="zh-CN" dirty="0"/>
-              <a:t>的相似度，求平均值和方差（或者概率密度分布）作为统计量。</a:t>
-            </a:r>
-          </a:p>
-          <a:p>
-            <a:endParaRPr lang="zh-CN" altLang="en-US" dirty="0"/>
-          </a:p>
-        </p:txBody>
-      </p:sp>
-    </p:spTree>
-    <p:extLst>
-      <p:ext uri="{BB962C8B-B14F-4D97-AF65-F5344CB8AC3E}">
-        <p14:creationId xmlns:p14="http://schemas.microsoft.com/office/powerpoint/2010/main" val="2206698107"/>
-      </p:ext>
-    </p:extLst>
-  </p:cSld>
-  <p:clrMapOvr>
-    <a:masterClrMapping/>
-  </p:clrMapOvr>
-  <p:timing>
-    <p:tnLst>
-      <p:par>
-        <p:cTn id="1" dur="indefinite" restart="never" nodeType="tmRoot"/>
-      </p:par>
-    </p:tnLst>
-  </p:timing>
-</p:sld>
-</file>
-
-<file path=ppt/slides/slide17.xml><?xml version="1.0" encoding="utf-8"?>
-<p:sld xmlns:a="http://schemas.openxmlformats.org/drawingml/2006/main" xmlns:r="http://schemas.openxmlformats.org/officeDocument/2006/relationships" xmlns:p="http://schemas.openxmlformats.org/presentationml/2006/main">
-  <p:cSld>
-    <p:spTree>
-      <p:nvGrpSpPr>
-        <p:cNvPr id="1" name=""/>
-        <p:cNvGrpSpPr/>
-        <p:nvPr/>
-      </p:nvGrpSpPr>
-      <p:grpSpPr>
-        <a:xfrm>
-          <a:off x="0" y="0"/>
-          <a:ext cx="0" cy="0"/>
-          <a:chOff x="0" y="0"/>
-          <a:chExt cx="0" cy="0"/>
-        </a:xfrm>
-      </p:grpSpPr>
-      <p:sp>
-        <p:nvSpPr>
-          <p:cNvPr id="2" name="标题 1"/>
-          <p:cNvSpPr>
-            <a:spLocks noGrp="1"/>
-          </p:cNvSpPr>
-          <p:nvPr>
-            <p:ph type="title"/>
-          </p:nvPr>
-        </p:nvSpPr>
-        <p:spPr/>
-        <p:txBody>
-          <a:bodyPr/>
-          <a:lstStyle/>
-          <a:p>
-            <a:r>
-              <a:rPr lang="zh-CN" altLang="en-US" dirty="0"/>
-              <a:t>基于</a:t>
-            </a:r>
-            <a:r>
-              <a:rPr lang="en-US" altLang="zh-CN" dirty="0"/>
-              <a:t>MSI</a:t>
-            </a:r>
-            <a:r>
-              <a:rPr lang="zh-CN" altLang="en-US" dirty="0"/>
-              <a:t>的异常炉况检测</a:t>
-            </a:r>
-          </a:p>
-        </p:txBody>
-      </p:sp>
-      <p:sp>
-        <p:nvSpPr>
-          <p:cNvPr id="3" name="内容占位符 2"/>
-          <p:cNvSpPr>
-            <a:spLocks noGrp="1"/>
-          </p:cNvSpPr>
-          <p:nvPr>
-            <p:ph idx="1"/>
-          </p:nvPr>
-        </p:nvSpPr>
-        <p:spPr/>
-        <p:txBody>
-          <a:bodyPr/>
-          <a:lstStyle/>
-          <a:p>
-            <a:r>
-              <a:rPr lang="zh-CN" altLang="en-US" dirty="0" smtClean="0"/>
-              <a:t>训练集：</a:t>
-            </a:r>
-            <a:r>
-              <a:rPr lang="en-US" altLang="zh-CN" dirty="0" smtClean="0"/>
-              <a:t>2012-09-01</a:t>
-            </a:r>
-            <a:r>
-              <a:rPr lang="zh-CN" altLang="en-US" dirty="0" smtClean="0"/>
-              <a:t>至</a:t>
-            </a:r>
-            <a:r>
-              <a:rPr lang="en-US" altLang="zh-CN" dirty="0" smtClean="0"/>
-              <a:t>2013-01-01</a:t>
-            </a:r>
-            <a:endParaRPr lang="en-US" altLang="zh-CN" dirty="0"/>
-          </a:p>
-          <a:p>
-            <a:pPr lvl="1"/>
-            <a:r>
-              <a:rPr lang="zh-CN" altLang="en-US" dirty="0" smtClean="0"/>
-              <a:t>步长</a:t>
-            </a:r>
-            <a:r>
-              <a:rPr lang="en-US" altLang="zh-CN" dirty="0" smtClean="0"/>
-              <a:t>1h</a:t>
-            </a:r>
-          </a:p>
-          <a:p>
-            <a:pPr lvl="1"/>
-            <a:r>
-              <a:rPr lang="zh-CN" altLang="en-US" dirty="0" smtClean="0"/>
-              <a:t>窗口长度</a:t>
-            </a:r>
-            <a:r>
-              <a:rPr lang="en-US" altLang="zh-CN" dirty="0" smtClean="0"/>
-              <a:t>24h</a:t>
-            </a:r>
-            <a:endParaRPr lang="en-US" altLang="zh-CN" dirty="0"/>
-          </a:p>
-          <a:p>
-            <a:r>
-              <a:rPr lang="zh-CN" altLang="en-US" dirty="0" smtClean="0"/>
-              <a:t>测试集：根据所要仿真的时间确定相应的数据集</a:t>
-            </a:r>
-            <a:endParaRPr lang="en-US" altLang="zh-CN" dirty="0" smtClean="0"/>
-          </a:p>
-          <a:p>
-            <a:pPr lvl="1"/>
-            <a:r>
-              <a:rPr lang="zh-CN" altLang="en-US" dirty="0" smtClean="0"/>
-              <a:t>步长</a:t>
-            </a:r>
-            <a:r>
-              <a:rPr lang="en-US" altLang="zh-CN" dirty="0" smtClean="0"/>
-              <a:t>10min</a:t>
-            </a:r>
-          </a:p>
-          <a:p>
-            <a:endParaRPr lang="zh-CN" altLang="en-US" dirty="0"/>
-          </a:p>
-        </p:txBody>
-      </p:sp>
-    </p:spTree>
-    <p:extLst>
-      <p:ext uri="{BB962C8B-B14F-4D97-AF65-F5344CB8AC3E}">
-        <p14:creationId xmlns:p14="http://schemas.microsoft.com/office/powerpoint/2010/main" val="186245224"/>
-      </p:ext>
-    </p:extLst>
-  </p:cSld>
-  <p:clrMapOvr>
-    <a:masterClrMapping/>
-  </p:clrMapOvr>
-  <p:timing>
-    <p:tnLst>
-      <p:par>
-        <p:cTn id="1" dur="indefinite" restart="never" nodeType="tmRoot"/>
-      </p:par>
-    </p:tnLst>
-  </p:timing>
-</p:sld>
-</file>
-
-<file path=ppt/slides/slide18.xml><?xml version="1.0" encoding="utf-8"?>
-<p:sld xmlns:a="http://schemas.openxmlformats.org/drawingml/2006/main" xmlns:r="http://schemas.openxmlformats.org/officeDocument/2006/relationships" xmlns:p="http://schemas.openxmlformats.org/presentationml/2006/main">
-  <p:cSld>
-    <p:spTree>
-      <p:nvGrpSpPr>
-        <p:cNvPr id="1" name=""/>
-        <p:cNvGrpSpPr/>
-        <p:nvPr/>
-      </p:nvGrpSpPr>
-      <p:grpSpPr>
-        <a:xfrm>
-          <a:off x="0" y="0"/>
-          <a:ext cx="0" cy="0"/>
-          <a:chOff x="0" y="0"/>
-          <a:chExt cx="0" cy="0"/>
-        </a:xfrm>
-      </p:grpSpPr>
-      <p:sp>
-        <p:nvSpPr>
-          <p:cNvPr id="2" name="标题 1"/>
-          <p:cNvSpPr>
-            <a:spLocks noGrp="1"/>
-          </p:cNvSpPr>
-          <p:nvPr>
-            <p:ph type="title"/>
-          </p:nvPr>
-        </p:nvSpPr>
-        <p:spPr/>
-        <p:txBody>
-          <a:bodyPr/>
-          <a:lstStyle/>
-          <a:p>
-            <a:r>
               <a:rPr lang="en-US" altLang="zh-CN" dirty="0">
                 <a:latin typeface="Times New Roman" panose="02020603050405020304" pitchFamily="18" charset="0"/>
                 <a:cs typeface="Times New Roman" panose="02020603050405020304" pitchFamily="18" charset="0"/>
               </a:rPr>
-              <a:t>Focus point</a:t>
+              <a:t>Focus </a:t>
+            </a:r>
+            <a:r>
+              <a:rPr lang="en-US" altLang="zh-CN" dirty="0" smtClean="0">
+                <a:latin typeface="Times New Roman" panose="02020603050405020304" pitchFamily="18" charset="0"/>
+                <a:cs typeface="Times New Roman" panose="02020603050405020304" pitchFamily="18" charset="0"/>
+              </a:rPr>
+              <a:t>point</a:t>
+            </a:r>
+            <a:r>
+              <a:rPr lang="zh-CN" altLang="en-US" dirty="0" smtClean="0">
+                <a:latin typeface="Times New Roman" panose="02020603050405020304" pitchFamily="18" charset="0"/>
+                <a:cs typeface="Times New Roman" panose="02020603050405020304" pitchFamily="18" charset="0"/>
+              </a:rPr>
+              <a:t>：</a:t>
             </a:r>
             <a:endParaRPr lang="zh-CN" altLang="en-US" dirty="0">
               <a:latin typeface="Times New Roman" panose="02020603050405020304" pitchFamily="18" charset="0"/>
@@ -5275,14 +5010,7 @@
                 <a:latin typeface="Times New Roman" panose="02020603050405020304" pitchFamily="18" charset="0"/>
                 <a:cs typeface="Times New Roman" panose="02020603050405020304" pitchFamily="18" charset="0"/>
               </a:rPr>
-              <a:t>direction</a:t>
-            </a:r>
-            <a:r>
-              <a:rPr lang="en-US" altLang="zh-CN" sz="3600" dirty="0">
-                <a:latin typeface="Times New Roman" panose="02020603050405020304" pitchFamily="18" charset="0"/>
-                <a:cs typeface="Times New Roman" panose="02020603050405020304" pitchFamily="18" charset="0"/>
-              </a:rPr>
-              <a:t>!</a:t>
+              <a:t>direction!</a:t>
             </a:r>
             <a:endParaRPr lang="zh-CN" altLang="en-US" sz="3600" dirty="0">
               <a:latin typeface="Times New Roman" panose="02020603050405020304" pitchFamily="18" charset="0"/>
@@ -5318,7 +5046,14 @@
                 <a:latin typeface="Times New Roman" panose="02020603050405020304" pitchFamily="18" charset="0"/>
                 <a:cs typeface="Times New Roman" panose="02020603050405020304" pitchFamily="18" charset="0"/>
               </a:rPr>
-              <a:t>Amplitude do not matter!</a:t>
+              <a:t>Amplitude do not </a:t>
+            </a:r>
+            <a:r>
+              <a:rPr lang="en-US" altLang="zh-CN" sz="3600" dirty="0" smtClean="0">
+                <a:latin typeface="Times New Roman" panose="02020603050405020304" pitchFamily="18" charset="0"/>
+                <a:cs typeface="Times New Roman" panose="02020603050405020304" pitchFamily="18" charset="0"/>
+              </a:rPr>
+              <a:t>matter!</a:t>
             </a:r>
             <a:endParaRPr lang="zh-CN" altLang="en-US" sz="3600" dirty="0">
               <a:latin typeface="Times New Roman" panose="02020603050405020304" pitchFamily="18" charset="0"/>
@@ -5390,7 +5125,14 @@
                 <a:latin typeface="Times New Roman" panose="02020603050405020304" pitchFamily="18" charset="0"/>
                 <a:cs typeface="Times New Roman" panose="02020603050405020304" pitchFamily="18" charset="0"/>
               </a:rPr>
-              <a:t>Nonlinear system!</a:t>
+              <a:t>Nonlinear </a:t>
+            </a:r>
+            <a:r>
+              <a:rPr lang="en-US" altLang="zh-CN" sz="3600" dirty="0" smtClean="0">
+                <a:latin typeface="Times New Roman" panose="02020603050405020304" pitchFamily="18" charset="0"/>
+                <a:cs typeface="Times New Roman" panose="02020603050405020304" pitchFamily="18" charset="0"/>
+              </a:rPr>
+              <a:t>system!</a:t>
             </a:r>
             <a:endParaRPr lang="zh-CN" altLang="en-US" sz="3600" dirty="0">
               <a:latin typeface="Times New Roman" panose="02020603050405020304" pitchFamily="18" charset="0"/>
@@ -5426,7 +5168,14 @@
                 <a:latin typeface="Times New Roman" panose="02020603050405020304" pitchFamily="18" charset="0"/>
                 <a:cs typeface="Times New Roman" panose="02020603050405020304" pitchFamily="18" charset="0"/>
               </a:rPr>
-              <a:t>Linear model!</a:t>
+              <a:t>Linear </a:t>
+            </a:r>
+            <a:r>
+              <a:rPr lang="en-US" altLang="zh-CN" sz="3600" dirty="0" smtClean="0">
+                <a:latin typeface="Times New Roman" panose="02020603050405020304" pitchFamily="18" charset="0"/>
+                <a:cs typeface="Times New Roman" panose="02020603050405020304" pitchFamily="18" charset="0"/>
+              </a:rPr>
+              <a:t>model!</a:t>
             </a:r>
             <a:endParaRPr lang="zh-CN" altLang="en-US" sz="3600" dirty="0">
               <a:latin typeface="Times New Roman" panose="02020603050405020304" pitchFamily="18" charset="0"/>
@@ -5438,7 +5187,7 @@
     </p:spTree>
     <p:extLst>
       <p:ext uri="{BB962C8B-B14F-4D97-AF65-F5344CB8AC3E}">
-        <p14:creationId xmlns:p14="http://schemas.microsoft.com/office/powerpoint/2010/main" val="3055147218"/>
+        <p14:creationId xmlns:p14="http://schemas.microsoft.com/office/powerpoint/2010/main" val="984225777"/>
       </p:ext>
     </p:extLst>
   </p:cSld>
@@ -6965,6 +6714,447 @@
 </p:sld>
 </file>
 
+<file path=ppt/slides/slide17.xml><?xml version="1.0" encoding="utf-8"?>
+<p:sld xmlns:a="http://schemas.openxmlformats.org/drawingml/2006/main" xmlns:r="http://schemas.openxmlformats.org/officeDocument/2006/relationships" xmlns:p="http://schemas.openxmlformats.org/presentationml/2006/main">
+  <p:cSld>
+    <p:spTree>
+      <p:nvGrpSpPr>
+        <p:cNvPr id="1" name=""/>
+        <p:cNvGrpSpPr/>
+        <p:nvPr/>
+      </p:nvGrpSpPr>
+      <p:grpSpPr>
+        <a:xfrm>
+          <a:off x="0" y="0"/>
+          <a:ext cx="0" cy="0"/>
+          <a:chOff x="0" y="0"/>
+          <a:chExt cx="0" cy="0"/>
+        </a:xfrm>
+      </p:grpSpPr>
+      <p:sp>
+        <p:nvSpPr>
+          <p:cNvPr id="2" name="标题 1"/>
+          <p:cNvSpPr>
+            <a:spLocks noGrp="1"/>
+          </p:cNvSpPr>
+          <p:nvPr>
+            <p:ph type="title"/>
+          </p:nvPr>
+        </p:nvSpPr>
+        <p:spPr/>
+        <p:txBody>
+          <a:bodyPr/>
+          <a:lstStyle/>
+          <a:p>
+            <a:r>
+              <a:rPr lang="zh-CN" altLang="en-US" dirty="0" smtClean="0"/>
+              <a:t>基于</a:t>
+            </a:r>
+            <a:r>
+              <a:rPr lang="en-US" altLang="zh-CN" dirty="0" smtClean="0"/>
+              <a:t>MSI</a:t>
+            </a:r>
+            <a:r>
+              <a:rPr lang="zh-CN" altLang="en-US" dirty="0" smtClean="0"/>
+              <a:t>的大数据分析</a:t>
+            </a:r>
+            <a:endParaRPr lang="zh-CN" altLang="en-US" dirty="0"/>
+          </a:p>
+        </p:txBody>
+      </p:sp>
+      <p:sp>
+        <p:nvSpPr>
+          <p:cNvPr id="3" name="内容占位符 2"/>
+          <p:cNvSpPr>
+            <a:spLocks noGrp="1"/>
+          </p:cNvSpPr>
+          <p:nvPr>
+            <p:ph idx="1"/>
+          </p:nvPr>
+        </p:nvSpPr>
+        <p:spPr/>
+        <p:txBody>
+          <a:bodyPr>
+            <a:normAutofit/>
+          </a:bodyPr>
+          <a:lstStyle/>
+          <a:p>
+            <a:r>
+              <a:rPr lang="zh-CN" altLang="zh-CN" dirty="0" smtClean="0"/>
+              <a:t>建立时间</a:t>
+            </a:r>
+            <a:r>
+              <a:rPr lang="zh-CN" altLang="en-US" dirty="0"/>
+              <a:t>窗口</a:t>
+            </a:r>
+            <a:r>
+              <a:rPr lang="zh-CN" altLang="zh-CN" dirty="0"/>
+              <a:t>长度为</a:t>
+            </a:r>
+            <a:r>
+              <a:rPr lang="en-US" altLang="zh-CN" dirty="0"/>
+              <a:t>24</a:t>
+            </a:r>
+            <a:r>
+              <a:rPr lang="zh-CN" altLang="zh-CN" dirty="0" smtClean="0"/>
+              <a:t>小时</a:t>
+            </a:r>
+            <a:r>
+              <a:rPr lang="zh-CN" altLang="en-US" dirty="0" smtClean="0"/>
+              <a:t>、步长</a:t>
+            </a:r>
+            <a:r>
+              <a:rPr lang="zh-CN" altLang="zh-CN" dirty="0" smtClean="0"/>
+              <a:t>为</a:t>
+            </a:r>
+            <a:r>
+              <a:rPr lang="en-US" altLang="zh-CN" dirty="0"/>
+              <a:t>1</a:t>
+            </a:r>
+            <a:r>
+              <a:rPr lang="zh-CN" altLang="zh-CN" dirty="0" smtClean="0"/>
+              <a:t>小时的</a:t>
+            </a:r>
+            <a:r>
+              <a:rPr lang="en-US" altLang="zh-CN" dirty="0" smtClean="0"/>
+              <a:t>PCA</a:t>
+            </a:r>
+            <a:r>
+              <a:rPr lang="zh-CN" altLang="zh-CN" dirty="0" smtClean="0"/>
+              <a:t>模型</a:t>
+            </a:r>
+            <a:endParaRPr lang="en-US" altLang="zh-CN" dirty="0" smtClean="0"/>
+          </a:p>
+          <a:p>
+            <a:pPr lvl="1"/>
+            <a:r>
+              <a:rPr lang="zh-CN" altLang="en-US" dirty="0" smtClean="0"/>
+              <a:t>参数设置的</a:t>
+            </a:r>
+            <a:r>
+              <a:rPr lang="zh-CN" altLang="en-US" dirty="0" smtClean="0"/>
+              <a:t>标准：</a:t>
+            </a:r>
+            <a:endParaRPr lang="en-US" altLang="zh-CN" dirty="0" smtClean="0"/>
+          </a:p>
+          <a:p>
+            <a:pPr lvl="2"/>
+            <a:r>
+              <a:rPr lang="zh-CN" altLang="en-US" dirty="0" smtClean="0"/>
+              <a:t>既要</a:t>
+            </a:r>
+            <a:r>
+              <a:rPr lang="zh-CN" altLang="zh-CN" dirty="0" smtClean="0"/>
+              <a:t>保证</a:t>
+            </a:r>
+            <a:r>
+              <a:rPr lang="zh-CN" altLang="en-US" dirty="0" smtClean="0"/>
+              <a:t>模型</a:t>
+            </a:r>
+            <a:r>
+              <a:rPr lang="zh-CN" altLang="zh-CN" dirty="0" smtClean="0"/>
+              <a:t>足够</a:t>
+            </a:r>
+            <a:r>
+              <a:rPr lang="zh-CN" altLang="zh-CN" dirty="0" smtClean="0"/>
+              <a:t>平稳</a:t>
+            </a:r>
+            <a:r>
+              <a:rPr lang="zh-CN" altLang="en-US" dirty="0" smtClean="0"/>
+              <a:t>，所以窗口长度不能太短</a:t>
+            </a:r>
+            <a:endParaRPr lang="en-US" altLang="zh-CN" dirty="0"/>
+          </a:p>
+          <a:p>
+            <a:pPr lvl="2"/>
+            <a:r>
+              <a:rPr lang="zh-CN" altLang="zh-CN" dirty="0" smtClean="0"/>
+              <a:t>又要</a:t>
+            </a:r>
+            <a:r>
+              <a:rPr lang="zh-CN" altLang="zh-CN" dirty="0" smtClean="0"/>
+              <a:t>反映出系统的</a:t>
+            </a:r>
+            <a:r>
+              <a:rPr lang="zh-CN" altLang="zh-CN" dirty="0" smtClean="0"/>
+              <a:t>动态特性</a:t>
+            </a:r>
+            <a:r>
+              <a:rPr lang="zh-CN" altLang="en-US" dirty="0" smtClean="0"/>
+              <a:t>，所以窗口长度不能太长</a:t>
+            </a:r>
+            <a:r>
+              <a:rPr lang="zh-CN" altLang="zh-CN" dirty="0" smtClean="0"/>
+              <a:t>。</a:t>
+            </a:r>
+            <a:endParaRPr lang="en-US" altLang="zh-CN" sz="2400" dirty="0"/>
+          </a:p>
+          <a:p>
+            <a:pPr marL="685800" lvl="3">
+              <a:spcBef>
+                <a:spcPts val="1000"/>
+              </a:spcBef>
+            </a:pPr>
+            <a:r>
+              <a:rPr lang="en-US" altLang="zh-CN" sz="2200" dirty="0"/>
+              <a:t>P(t)=</a:t>
+            </a:r>
+            <a:r>
+              <a:rPr lang="en-US" altLang="zh-CN" sz="2200" dirty="0" err="1"/>
+              <a:t>pca</a:t>
+            </a:r>
+            <a:r>
+              <a:rPr lang="en-US" altLang="zh-CN" sz="2200" dirty="0"/>
+              <a:t>((x-mean(x))/</a:t>
+            </a:r>
+            <a:r>
+              <a:rPr lang="en-US" altLang="zh-CN" sz="2200" dirty="0" err="1"/>
+              <a:t>std</a:t>
+            </a:r>
+            <a:r>
+              <a:rPr lang="en-US" altLang="zh-CN" sz="2200" dirty="0"/>
+              <a:t>(x)); x=data[t-24+1:t</a:t>
+            </a:r>
+            <a:r>
+              <a:rPr lang="en-US" altLang="zh-CN" sz="2200" dirty="0" smtClean="0"/>
+              <a:t>,:];</a:t>
+            </a:r>
+            <a:endParaRPr lang="en-US" altLang="zh-CN" dirty="0" smtClean="0"/>
+          </a:p>
+          <a:p>
+            <a:r>
+              <a:rPr lang="zh-CN" altLang="en-US" dirty="0" smtClean="0"/>
+              <a:t>计算每个</a:t>
+            </a:r>
+            <a:r>
+              <a:rPr lang="en-US" altLang="zh-CN" dirty="0" smtClean="0"/>
+              <a:t>PCA</a:t>
+            </a:r>
+            <a:r>
+              <a:rPr lang="zh-CN" altLang="en-US" dirty="0" smtClean="0"/>
+              <a:t>之间的模型相似度</a:t>
+            </a:r>
+            <a:endParaRPr lang="en-US" altLang="zh-CN" dirty="0" smtClean="0"/>
+          </a:p>
+          <a:p>
+            <a:pPr lvl="1"/>
+            <a:r>
+              <a:rPr lang="zh-CN" altLang="en-US" dirty="0" smtClean="0"/>
+              <a:t>包括</a:t>
+            </a:r>
+            <a:r>
+              <a:rPr lang="zh-CN" altLang="en-US" dirty="0" smtClean="0"/>
+              <a:t>狭义相似度和广义相似度</a:t>
+            </a:r>
+            <a:endParaRPr lang="en-US" altLang="zh-CN" dirty="0" smtClean="0"/>
+          </a:p>
+          <a:p>
+            <a:pPr lvl="1"/>
+            <a:r>
+              <a:rPr lang="en-US" altLang="zh-CN" dirty="0" smtClean="0"/>
+              <a:t>S(</a:t>
+            </a:r>
+            <a:r>
+              <a:rPr lang="en-US" altLang="zh-CN" dirty="0" err="1" smtClean="0"/>
+              <a:t>i,j</a:t>
+            </a:r>
+            <a:r>
+              <a:rPr lang="en-US" altLang="zh-CN" dirty="0" smtClean="0"/>
+              <a:t>)=sim(P(</a:t>
+            </a:r>
+            <a:r>
+              <a:rPr lang="en-US" altLang="zh-CN" dirty="0" err="1" smtClean="0"/>
+              <a:t>i</a:t>
+            </a:r>
+            <a:r>
+              <a:rPr lang="en-US" altLang="zh-CN" dirty="0" smtClean="0"/>
+              <a:t>),P(j</a:t>
+            </a:r>
+            <a:r>
+              <a:rPr lang="en-US" altLang="zh-CN" dirty="0" smtClean="0"/>
+              <a:t>)), for </a:t>
+            </a:r>
+            <a:r>
+              <a:rPr lang="en-US" altLang="zh-CN" dirty="0" err="1" smtClean="0"/>
+              <a:t>i</a:t>
+            </a:r>
+            <a:r>
+              <a:rPr lang="en-US" altLang="zh-CN" dirty="0" smtClean="0"/>
+              <a:t>=1:m, j=1:m</a:t>
+            </a:r>
+            <a:endParaRPr lang="en-US" altLang="zh-CN" dirty="0"/>
+          </a:p>
+          <a:p>
+            <a:r>
+              <a:rPr lang="zh-CN" altLang="en-US" dirty="0" smtClean="0"/>
+              <a:t>画图分析、聚类分析</a:t>
+            </a:r>
+            <a:endParaRPr lang="en-US" altLang="zh-CN" dirty="0" smtClean="0"/>
+          </a:p>
+        </p:txBody>
+      </p:sp>
+    </p:spTree>
+    <p:extLst>
+      <p:ext uri="{BB962C8B-B14F-4D97-AF65-F5344CB8AC3E}">
+        <p14:creationId xmlns:p14="http://schemas.microsoft.com/office/powerpoint/2010/main" val="1146461438"/>
+      </p:ext>
+    </p:extLst>
+  </p:cSld>
+  <p:clrMapOvr>
+    <a:masterClrMapping/>
+  </p:clrMapOvr>
+</p:sld>
+</file>
+
+<file path=ppt/slides/slide18.xml><?xml version="1.0" encoding="utf-8"?>
+<p:sld xmlns:a="http://schemas.openxmlformats.org/drawingml/2006/main" xmlns:r="http://schemas.openxmlformats.org/officeDocument/2006/relationships" xmlns:p="http://schemas.openxmlformats.org/presentationml/2006/main">
+  <p:cSld>
+    <p:spTree>
+      <p:nvGrpSpPr>
+        <p:cNvPr id="1" name=""/>
+        <p:cNvGrpSpPr/>
+        <p:nvPr/>
+      </p:nvGrpSpPr>
+      <p:grpSpPr>
+        <a:xfrm>
+          <a:off x="0" y="0"/>
+          <a:ext cx="0" cy="0"/>
+          <a:chOff x="0" y="0"/>
+          <a:chExt cx="0" cy="0"/>
+        </a:xfrm>
+      </p:grpSpPr>
+      <p:sp>
+        <p:nvSpPr>
+          <p:cNvPr id="2" name="标题 1"/>
+          <p:cNvSpPr>
+            <a:spLocks noGrp="1"/>
+          </p:cNvSpPr>
+          <p:nvPr>
+            <p:ph type="title"/>
+          </p:nvPr>
+        </p:nvSpPr>
+        <p:spPr/>
+        <p:txBody>
+          <a:bodyPr/>
+          <a:lstStyle/>
+          <a:p>
+            <a:r>
+              <a:rPr lang="zh-CN" altLang="en-US" dirty="0"/>
+              <a:t>基于</a:t>
+            </a:r>
+            <a:r>
+              <a:rPr lang="en-US" altLang="zh-CN" dirty="0"/>
+              <a:t>MSI</a:t>
+            </a:r>
+            <a:r>
+              <a:rPr lang="zh-CN" altLang="en-US" dirty="0"/>
+              <a:t>的大</a:t>
+            </a:r>
+            <a:r>
+              <a:rPr lang="zh-CN" altLang="en-US" dirty="0" smtClean="0"/>
+              <a:t>数据分析 </a:t>
+            </a:r>
+            <a:endParaRPr lang="zh-CN" altLang="en-US" dirty="0"/>
+          </a:p>
+        </p:txBody>
+      </p:sp>
+      <p:sp>
+        <p:nvSpPr>
+          <p:cNvPr id="3" name="内容占位符 2"/>
+          <p:cNvSpPr>
+            <a:spLocks noGrp="1"/>
+          </p:cNvSpPr>
+          <p:nvPr>
+            <p:ph idx="1"/>
+          </p:nvPr>
+        </p:nvSpPr>
+        <p:spPr/>
+        <p:txBody>
+          <a:bodyPr/>
+          <a:lstStyle/>
+          <a:p>
+            <a:r>
+              <a:rPr lang="zh-CN" altLang="en-US" dirty="0"/>
+              <a:t>一张细粒度的图</a:t>
+            </a:r>
+            <a:endParaRPr lang="en-US" altLang="zh-CN" dirty="0" smtClean="0"/>
+          </a:p>
+          <a:p>
+            <a:pPr lvl="1"/>
+            <a:r>
+              <a:rPr lang="zh-CN" altLang="en-US" dirty="0" smtClean="0"/>
+              <a:t>窗口长度</a:t>
+            </a:r>
+            <a:r>
+              <a:rPr lang="en-US" altLang="zh-CN" dirty="0" smtClean="0"/>
+              <a:t>24h</a:t>
+            </a:r>
+            <a:r>
+              <a:rPr lang="zh-CN" altLang="en-US" dirty="0" smtClean="0"/>
+              <a:t>，步长</a:t>
+            </a:r>
+            <a:r>
+              <a:rPr lang="en-US" altLang="zh-CN" dirty="0" smtClean="0"/>
+              <a:t>10min</a:t>
+            </a:r>
+          </a:p>
+          <a:p>
+            <a:pPr lvl="1"/>
+            <a:r>
+              <a:rPr lang="zh-CN" altLang="en-US" dirty="0" smtClean="0"/>
+              <a:t>计算能力有限，仅画了</a:t>
+            </a:r>
+            <a:r>
+              <a:rPr lang="en-US" altLang="zh-CN" dirty="0" smtClean="0"/>
+              <a:t>10</a:t>
+            </a:r>
+            <a:r>
+              <a:rPr lang="zh-CN" altLang="en-US" dirty="0" smtClean="0"/>
+              <a:t>天的</a:t>
+            </a:r>
+            <a:endParaRPr lang="en-US" altLang="zh-CN" dirty="0" smtClean="0"/>
+          </a:p>
+          <a:p>
+            <a:pPr lvl="1"/>
+            <a:r>
+              <a:rPr lang="zh-CN" altLang="en-US" dirty="0" smtClean="0"/>
+              <a:t>为了在</a:t>
+            </a:r>
+            <a:r>
+              <a:rPr lang="zh-CN" altLang="en-US" dirty="0"/>
+              <a:t>有限</a:t>
+            </a:r>
+            <a:r>
+              <a:rPr lang="zh-CN" altLang="en-US" dirty="0" smtClean="0"/>
+              <a:t>内存和有限时间内计算出更大范围的相似度，将步长调整为</a:t>
+            </a:r>
+            <a:r>
+              <a:rPr lang="en-US" altLang="zh-CN" dirty="0" smtClean="0"/>
+              <a:t>1h</a:t>
+            </a:r>
+          </a:p>
+        </p:txBody>
+      </p:sp>
+    </p:spTree>
+    <p:extLst>
+      <p:ext uri="{BB962C8B-B14F-4D97-AF65-F5344CB8AC3E}">
+        <p14:creationId xmlns:p14="http://schemas.microsoft.com/office/powerpoint/2010/main" val="3374663047"/>
+      </p:ext>
+    </p:extLst>
+  </p:cSld>
+  <p:clrMapOvr>
+    <a:masterClrMapping/>
+  </p:clrMapOvr>
+  <p:timing>
+    <p:tnLst>
+      <p:par>
+        <p:cTn id="1" dur="indefinite" restart="never" nodeType="tmRoot"/>
+      </p:par>
+    </p:tnLst>
+  </p:timing>
+</p:sld>
+</file>
+
 <file path=ppt/slides/slide19.xml><?xml version="1.0" encoding="utf-8"?>
 <p:sld xmlns:a="http://schemas.openxmlformats.org/drawingml/2006/main" xmlns:r="http://schemas.openxmlformats.org/officeDocument/2006/relationships" xmlns:p="http://schemas.openxmlformats.org/presentationml/2006/main">
   <p:cSld>
@@ -6997,7 +7187,18 @@
           <a:bodyPr/>
           <a:lstStyle/>
           <a:p>
-            <a:endParaRPr lang="zh-CN" altLang="en-US"/>
+            <a:r>
+              <a:rPr lang="zh-CN" altLang="en-US" dirty="0"/>
+              <a:t>基于</a:t>
+            </a:r>
+            <a:r>
+              <a:rPr lang="en-US" altLang="zh-CN" dirty="0"/>
+              <a:t>MSI</a:t>
+            </a:r>
+            <a:r>
+              <a:rPr lang="zh-CN" altLang="en-US" dirty="0"/>
+              <a:t>的大数据分析</a:t>
+            </a:r>
           </a:p>
         </p:txBody>
       </p:sp>
@@ -7016,14 +7217,99 @@
           <a:bodyPr/>
           <a:lstStyle/>
           <a:p>
-            <a:endParaRPr lang="zh-CN" altLang="en-US"/>
+            <a:pPr marL="0" indent="0">
+              <a:buNone/>
+            </a:pPr>
+            <a:r>
+              <a:rPr lang="zh-CN" altLang="en-US" dirty="0" smtClean="0"/>
+              <a:t>初步分析可以有以下结论：</a:t>
+            </a:r>
+            <a:endParaRPr lang="en-US" altLang="zh-CN" dirty="0" smtClean="0"/>
+          </a:p>
+          <a:p>
+            <a:r>
+              <a:rPr lang="zh-CN" altLang="en-US" dirty="0" smtClean="0"/>
+              <a:t>两种</a:t>
+            </a:r>
+            <a:r>
+              <a:rPr lang="zh-CN" altLang="en-US" dirty="0" smtClean="0"/>
+              <a:t>定义下的</a:t>
+            </a:r>
+            <a:r>
+              <a:rPr lang="zh-CN" altLang="en-US" dirty="0" smtClean="0"/>
+              <a:t>相似度图像</a:t>
+            </a:r>
+            <a:r>
+              <a:rPr lang="zh-CN" altLang="en-US" dirty="0" smtClean="0"/>
+              <a:t>较为</a:t>
+            </a:r>
+            <a:r>
+              <a:rPr lang="zh-CN" altLang="en-US" dirty="0" smtClean="0"/>
+              <a:t>相似；广义相似度的第一角度和第二角度比较相似。</a:t>
+            </a:r>
+            <a:endParaRPr lang="en-US" altLang="zh-CN" dirty="0" smtClean="0"/>
+          </a:p>
+          <a:p>
+            <a:r>
+              <a:rPr lang="zh-CN" altLang="en-US" dirty="0" smtClean="0"/>
+              <a:t>炉况呈周期性波动，有明显的漂移和切换</a:t>
+            </a:r>
+            <a:endParaRPr lang="en-US" altLang="zh-CN" dirty="0" smtClean="0"/>
+          </a:p>
+          <a:p>
+            <a:r>
+              <a:rPr lang="zh-CN" altLang="en-US" dirty="0" smtClean="0"/>
+              <a:t>工作点一直在变化，有时会跟历史某一段工作点很相似，但再也不会完全</a:t>
+            </a:r>
+            <a:r>
+              <a:rPr lang="zh-CN" altLang="en-US" dirty="0" smtClean="0"/>
+              <a:t>一致</a:t>
+            </a:r>
+            <a:endParaRPr lang="en-US" altLang="zh-CN" dirty="0" smtClean="0"/>
+          </a:p>
+          <a:p>
+            <a:r>
+              <a:rPr lang="zh-CN" altLang="en-US" dirty="0"/>
+              <a:t>难行后，高炉往往</a:t>
+            </a:r>
+            <a:r>
+              <a:rPr lang="zh-CN" altLang="en-US" dirty="0" smtClean="0"/>
+              <a:t>很难恢复</a:t>
+            </a:r>
+            <a:r>
+              <a:rPr lang="zh-CN" altLang="en-US" dirty="0"/>
+              <a:t>到之前的</a:t>
+            </a:r>
+            <a:r>
+              <a:rPr lang="zh-CN" altLang="en-US" dirty="0" smtClean="0"/>
+              <a:t>状态</a:t>
+            </a:r>
+            <a:endParaRPr lang="en-US" altLang="zh-CN" dirty="0" smtClean="0"/>
+          </a:p>
+          <a:p>
+            <a:r>
+              <a:rPr lang="zh-CN" altLang="en-US" dirty="0" smtClean="0"/>
+              <a:t>聚类分析发现炉况</a:t>
+            </a:r>
+            <a:r>
+              <a:rPr lang="zh-CN" altLang="en-US" dirty="0" smtClean="0"/>
+              <a:t>可以大致分为</a:t>
+            </a:r>
+            <a:r>
+              <a:rPr lang="zh-CN" altLang="en-US" dirty="0" smtClean="0"/>
+              <a:t>有限的几种情况</a:t>
+            </a:r>
+            <a:endParaRPr lang="zh-CN" altLang="en-US" dirty="0"/>
+          </a:p>
+          <a:p>
+            <a:endParaRPr lang="zh-CN" altLang="en-US" dirty="0"/>
           </a:p>
         </p:txBody>
       </p:sp>
     </p:spTree>
     <p:extLst>
       <p:ext uri="{BB962C8B-B14F-4D97-AF65-F5344CB8AC3E}">
-        <p14:creationId xmlns:p14="http://schemas.microsoft.com/office/powerpoint/2010/main" val="3600408753"/>
+        <p14:creationId xmlns:p14="http://schemas.microsoft.com/office/powerpoint/2010/main" val="964037456"/>
       </p:ext>
     </p:extLst>
   </p:cSld>
@@ -7073,335 +7359,85 @@
           <a:lstStyle/>
           <a:p>
             <a:r>
-              <a:rPr lang="zh-CN" altLang="en-US" dirty="0" smtClean="0"/>
-              <a:t>数据长啥样</a:t>
-            </a:r>
+              <a:rPr lang="zh-CN" altLang="en-US" dirty="0"/>
+              <a:t>目录</a:t>
+            </a:r>
+          </a:p>
+        </p:txBody>
+      </p:sp>
+      <p:sp>
+        <p:nvSpPr>
+          <p:cNvPr id="3" name="内容占位符 2"/>
+          <p:cNvSpPr>
+            <a:spLocks noGrp="1"/>
+          </p:cNvSpPr>
+          <p:nvPr>
+            <p:ph idx="1"/>
+          </p:nvPr>
+        </p:nvSpPr>
+        <p:spPr/>
+        <p:txBody>
+          <a:bodyPr/>
+          <a:lstStyle/>
+          <a:p>
+            <a:r>
+              <a:rPr lang="zh-CN" altLang="en-US" dirty="0" smtClean="0"/>
+              <a:t>背景简介</a:t>
+            </a:r>
+            <a:endParaRPr lang="en-US" altLang="zh-CN" dirty="0" smtClean="0"/>
+          </a:p>
+          <a:p>
+            <a:r>
+              <a:rPr lang="zh-CN" altLang="en-US" dirty="0" smtClean="0"/>
+              <a:t>迭代算法的难点</a:t>
+            </a:r>
+            <a:endParaRPr lang="en-US" altLang="zh-CN" dirty="0" smtClean="0"/>
+          </a:p>
+          <a:p>
+            <a:r>
+              <a:rPr lang="zh-CN" altLang="en-US" dirty="0" smtClean="0"/>
+              <a:t>模型相似度简介</a:t>
+            </a:r>
+            <a:endParaRPr lang="en-US" altLang="zh-CN" dirty="0" smtClean="0"/>
+          </a:p>
+          <a:p>
+            <a:r>
+              <a:rPr lang="zh-CN" altLang="en-US" dirty="0" smtClean="0"/>
+              <a:t>基于</a:t>
+            </a:r>
+            <a:r>
+              <a:rPr lang="en-US" altLang="zh-CN" dirty="0" smtClean="0"/>
+              <a:t>MSI</a:t>
+            </a:r>
+            <a:r>
+              <a:rPr lang="zh-CN" altLang="en-US" dirty="0" smtClean="0"/>
+              <a:t>的大数据分析</a:t>
+            </a:r>
+            <a:endParaRPr lang="en-US" altLang="zh-CN" dirty="0" smtClean="0"/>
+          </a:p>
+          <a:p>
+            <a:r>
+              <a:rPr lang="zh-CN" altLang="en-US" dirty="0"/>
+              <a:t>互</a:t>
+            </a:r>
+            <a:r>
+              <a:rPr lang="zh-CN" altLang="en-US" dirty="0" smtClean="0"/>
+              <a:t>相关性准则</a:t>
+            </a:r>
+            <a:endParaRPr lang="en-US" altLang="zh-CN" dirty="0" smtClean="0"/>
+          </a:p>
+          <a:p>
+            <a:endParaRPr lang="en-US" altLang="zh-CN" dirty="0" smtClean="0"/>
+          </a:p>
+          <a:p>
             <a:endParaRPr lang="zh-CN" altLang="en-US" dirty="0"/>
-          </a:p>
-        </p:txBody>
-      </p:sp>
-      <p:pic>
-        <p:nvPicPr>
-          <p:cNvPr id="7" name="内容占位符 6"/>
-          <p:cNvPicPr>
-            <a:picLocks noGrp="1" noChangeAspect="1"/>
-          </p:cNvPicPr>
-          <p:nvPr>
-            <p:ph idx="1"/>
-          </p:nvPr>
-        </p:nvPicPr>
-        <p:blipFill>
-          <a:blip r:embed="rId2"/>
-          <a:stretch>
-            <a:fillRect/>
-          </a:stretch>
-        </p:blipFill>
-        <p:spPr>
-          <a:xfrm>
-            <a:off x="738129" y="1278584"/>
-            <a:ext cx="8163499" cy="5915023"/>
-          </a:xfrm>
-          <a:prstGeom prst="rect">
-            <a:avLst/>
-          </a:prstGeom>
-        </p:spPr>
-      </p:pic>
-      <p:cxnSp>
-        <p:nvCxnSpPr>
-          <p:cNvPr id="9" name="直接箭头连接符 8"/>
-          <p:cNvCxnSpPr>
-            <a:stCxn id="13" idx="2"/>
-          </p:cNvCxnSpPr>
-          <p:nvPr/>
-        </p:nvCxnSpPr>
-        <p:spPr>
-          <a:xfrm>
-            <a:off x="831774" y="3293348"/>
-            <a:ext cx="1680072" cy="1058315"/>
-          </a:xfrm>
-          <a:prstGeom prst="straightConnector1">
-            <a:avLst/>
-          </a:prstGeom>
-          <a:ln w="38100">
-            <a:prstDash val="solid"/>
-            <a:tailEnd type="triangle"/>
-          </a:ln>
-        </p:spPr>
-        <p:style>
-          <a:lnRef idx="3">
-            <a:schemeClr val="accent2"/>
-          </a:lnRef>
-          <a:fillRef idx="0">
-            <a:schemeClr val="accent2"/>
-          </a:fillRef>
-          <a:effectRef idx="2">
-            <a:schemeClr val="accent2"/>
-          </a:effectRef>
-          <a:fontRef idx="minor">
-            <a:schemeClr val="tx1"/>
-          </a:fontRef>
-        </p:style>
-      </p:cxnSp>
-      <p:sp>
-        <p:nvSpPr>
-          <p:cNvPr id="13" name="文本框 12"/>
-          <p:cNvSpPr txBox="1"/>
-          <p:nvPr/>
-        </p:nvSpPr>
-        <p:spPr>
-          <a:xfrm>
-            <a:off x="286439" y="2985571"/>
-            <a:ext cx="1090669" cy="307777"/>
-          </a:xfrm>
-          <a:prstGeom prst="rect">
-            <a:avLst/>
-          </a:prstGeom>
-          <a:noFill/>
-          <a:ln>
-            <a:solidFill>
-              <a:srgbClr val="FF0000"/>
-            </a:solidFill>
-          </a:ln>
-        </p:spPr>
-        <p:txBody>
-          <a:bodyPr wrap="square" rtlCol="0">
-            <a:spAutoFit/>
-          </a:bodyPr>
-          <a:lstStyle/>
-          <a:p>
-            <a:r>
-              <a:rPr lang="zh-CN" altLang="en-US" sz="1400" dirty="0"/>
-              <a:t>上</a:t>
-            </a:r>
-            <a:r>
-              <a:rPr lang="zh-CN" altLang="en-US" sz="1400" dirty="0" smtClean="0"/>
-              <a:t>料（焦炭）</a:t>
-            </a:r>
-            <a:endParaRPr lang="zh-CN" altLang="en-US" sz="1400" dirty="0"/>
-          </a:p>
-        </p:txBody>
-      </p:sp>
-      <p:cxnSp>
-        <p:nvCxnSpPr>
-          <p:cNvPr id="16" name="直接箭头连接符 15"/>
-          <p:cNvCxnSpPr>
-            <a:stCxn id="17" idx="2"/>
-          </p:cNvCxnSpPr>
-          <p:nvPr/>
-        </p:nvCxnSpPr>
-        <p:spPr>
-          <a:xfrm>
-            <a:off x="738129" y="4066879"/>
-            <a:ext cx="1867362" cy="465754"/>
-          </a:xfrm>
-          <a:prstGeom prst="straightConnector1">
-            <a:avLst/>
-          </a:prstGeom>
-          <a:ln w="38100">
-            <a:prstDash val="solid"/>
-            <a:tailEnd type="triangle"/>
-          </a:ln>
-        </p:spPr>
-        <p:style>
-          <a:lnRef idx="3">
-            <a:schemeClr val="accent2"/>
-          </a:lnRef>
-          <a:fillRef idx="0">
-            <a:schemeClr val="accent2"/>
-          </a:fillRef>
-          <a:effectRef idx="2">
-            <a:schemeClr val="accent2"/>
-          </a:effectRef>
-          <a:fontRef idx="minor">
-            <a:schemeClr val="tx1"/>
-          </a:fontRef>
-        </p:style>
-      </p:cxnSp>
-      <p:sp>
-        <p:nvSpPr>
-          <p:cNvPr id="17" name="文本框 16"/>
-          <p:cNvSpPr txBox="1"/>
-          <p:nvPr/>
-        </p:nvSpPr>
-        <p:spPr>
-          <a:xfrm>
-            <a:off x="93642" y="3759102"/>
-            <a:ext cx="1288973" cy="307777"/>
-          </a:xfrm>
-          <a:prstGeom prst="rect">
-            <a:avLst/>
-          </a:prstGeom>
-          <a:noFill/>
-          <a:ln>
-            <a:solidFill>
-              <a:srgbClr val="FF0000"/>
-            </a:solidFill>
-          </a:ln>
-        </p:spPr>
-        <p:txBody>
-          <a:bodyPr wrap="square" rtlCol="0">
-            <a:spAutoFit/>
-          </a:bodyPr>
-          <a:lstStyle/>
-          <a:p>
-            <a:r>
-              <a:rPr lang="zh-CN" altLang="en-US" sz="1400" dirty="0"/>
-              <a:t>上</a:t>
-            </a:r>
-            <a:r>
-              <a:rPr lang="zh-CN" altLang="en-US" sz="1400" dirty="0" smtClean="0"/>
-              <a:t>料（铁矿石）</a:t>
-            </a:r>
-            <a:endParaRPr lang="zh-CN" altLang="en-US" sz="1400" dirty="0"/>
-          </a:p>
-        </p:txBody>
-      </p:sp>
-      <p:cxnSp>
-        <p:nvCxnSpPr>
-          <p:cNvPr id="20" name="直接箭头连接符 19"/>
-          <p:cNvCxnSpPr>
-            <a:stCxn id="21" idx="2"/>
-          </p:cNvCxnSpPr>
-          <p:nvPr/>
-        </p:nvCxnSpPr>
-        <p:spPr>
-          <a:xfrm flipH="1">
-            <a:off x="6974196" y="1278584"/>
-            <a:ext cx="1134392" cy="3172230"/>
-          </a:xfrm>
-          <a:prstGeom prst="straightConnector1">
-            <a:avLst/>
-          </a:prstGeom>
-          <a:ln w="38100">
-            <a:prstDash val="solid"/>
-            <a:tailEnd type="triangle"/>
-          </a:ln>
-        </p:spPr>
-        <p:style>
-          <a:lnRef idx="3">
-            <a:schemeClr val="accent2"/>
-          </a:lnRef>
-          <a:fillRef idx="0">
-            <a:schemeClr val="accent2"/>
-          </a:fillRef>
-          <a:effectRef idx="2">
-            <a:schemeClr val="accent2"/>
-          </a:effectRef>
-          <a:fontRef idx="minor">
-            <a:schemeClr val="tx1"/>
-          </a:fontRef>
-        </p:style>
-      </p:cxnSp>
-      <p:sp>
-        <p:nvSpPr>
-          <p:cNvPr id="21" name="文本框 20"/>
-          <p:cNvSpPr txBox="1"/>
-          <p:nvPr/>
-        </p:nvSpPr>
-        <p:spPr>
-          <a:xfrm>
-            <a:off x="7563253" y="970807"/>
-            <a:ext cx="1090669" cy="307777"/>
-          </a:xfrm>
-          <a:prstGeom prst="rect">
-            <a:avLst/>
-          </a:prstGeom>
-          <a:noFill/>
-          <a:ln>
-            <a:solidFill>
-              <a:srgbClr val="FF0000"/>
-            </a:solidFill>
-          </a:ln>
-        </p:spPr>
-        <p:txBody>
-          <a:bodyPr wrap="square" rtlCol="0">
-            <a:spAutoFit/>
-          </a:bodyPr>
-          <a:lstStyle/>
-          <a:p>
-            <a:r>
-              <a:rPr lang="zh-CN" altLang="en-US" sz="1400" dirty="0" smtClean="0"/>
-              <a:t>热风炉换炉</a:t>
-            </a:r>
-            <a:endParaRPr lang="zh-CN" altLang="en-US" sz="1400" dirty="0"/>
-          </a:p>
-        </p:txBody>
-      </p:sp>
-      <p:cxnSp>
-        <p:nvCxnSpPr>
-          <p:cNvPr id="23" name="直接箭头连接符 22"/>
-          <p:cNvCxnSpPr>
-            <a:stCxn id="24" idx="3"/>
-          </p:cNvCxnSpPr>
-          <p:nvPr/>
-        </p:nvCxnSpPr>
-        <p:spPr>
-          <a:xfrm>
-            <a:off x="1377108" y="2131203"/>
-            <a:ext cx="1134738" cy="388614"/>
-          </a:xfrm>
-          <a:prstGeom prst="straightConnector1">
-            <a:avLst/>
-          </a:prstGeom>
-          <a:ln w="38100">
-            <a:prstDash val="solid"/>
-            <a:tailEnd type="triangle"/>
-          </a:ln>
-        </p:spPr>
-        <p:style>
-          <a:lnRef idx="3">
-            <a:schemeClr val="accent2"/>
-          </a:lnRef>
-          <a:fillRef idx="0">
-            <a:schemeClr val="accent2"/>
-          </a:fillRef>
-          <a:effectRef idx="2">
-            <a:schemeClr val="accent2"/>
-          </a:effectRef>
-          <a:fontRef idx="minor">
-            <a:schemeClr val="tx1"/>
-          </a:fontRef>
-        </p:style>
-      </p:cxnSp>
-      <p:sp>
-        <p:nvSpPr>
-          <p:cNvPr id="24" name="文本框 23"/>
-          <p:cNvSpPr txBox="1"/>
-          <p:nvPr/>
-        </p:nvSpPr>
-        <p:spPr>
-          <a:xfrm>
-            <a:off x="286439" y="1761871"/>
-            <a:ext cx="1090669" cy="738664"/>
-          </a:xfrm>
-          <a:prstGeom prst="rect">
-            <a:avLst/>
-          </a:prstGeom>
-          <a:noFill/>
-          <a:ln>
-            <a:solidFill>
-              <a:srgbClr val="FF0000"/>
-            </a:solidFill>
-          </a:ln>
-        </p:spPr>
-        <p:txBody>
-          <a:bodyPr wrap="square" rtlCol="0">
-            <a:spAutoFit/>
-          </a:bodyPr>
-          <a:lstStyle/>
-          <a:p>
-            <a:r>
-              <a:rPr lang="zh-CN" altLang="en-US" sz="1400" dirty="0" smtClean="0"/>
-              <a:t>工长判断炉况后的人工调整</a:t>
-            </a:r>
-            <a:endParaRPr lang="zh-CN" altLang="en-US" sz="1400" dirty="0"/>
           </a:p>
         </p:txBody>
       </p:sp>
     </p:spTree>
     <p:extLst>
       <p:ext uri="{BB962C8B-B14F-4D97-AF65-F5344CB8AC3E}">
-        <p14:creationId xmlns:p14="http://schemas.microsoft.com/office/powerpoint/2010/main" val="3161346794"/>
+        <p14:creationId xmlns:p14="http://schemas.microsoft.com/office/powerpoint/2010/main" val="2754180683"/>
       </p:ext>
     </p:extLst>
   </p:cSld>
@@ -7412,6 +7448,403 @@
 </file>
 
 <file path=ppt/slides/slide20.xml><?xml version="1.0" encoding="utf-8"?>
+<p:sld xmlns:a="http://schemas.openxmlformats.org/drawingml/2006/main" xmlns:r="http://schemas.openxmlformats.org/officeDocument/2006/relationships" xmlns:p="http://schemas.openxmlformats.org/presentationml/2006/main">
+  <p:cSld>
+    <p:spTree>
+      <p:nvGrpSpPr>
+        <p:cNvPr id="1" name=""/>
+        <p:cNvGrpSpPr/>
+        <p:nvPr/>
+      </p:nvGrpSpPr>
+      <p:grpSpPr>
+        <a:xfrm>
+          <a:off x="0" y="0"/>
+          <a:ext cx="0" cy="0"/>
+          <a:chOff x="0" y="0"/>
+          <a:chExt cx="0" cy="0"/>
+        </a:xfrm>
+      </p:grpSpPr>
+      <p:sp>
+        <p:nvSpPr>
+          <p:cNvPr id="2" name="标题 1"/>
+          <p:cNvSpPr>
+            <a:spLocks noGrp="1"/>
+          </p:cNvSpPr>
+          <p:nvPr>
+            <p:ph type="title"/>
+          </p:nvPr>
+        </p:nvSpPr>
+        <p:spPr/>
+        <p:txBody>
+          <a:bodyPr/>
+          <a:lstStyle/>
+          <a:p>
+            <a:r>
+              <a:rPr lang="zh-CN" altLang="en-US" dirty="0" smtClean="0"/>
+              <a:t>基于</a:t>
+            </a:r>
+            <a:r>
+              <a:rPr lang="en-US" altLang="zh-CN" dirty="0" smtClean="0"/>
+              <a:t>MSI</a:t>
+            </a:r>
+            <a:r>
+              <a:rPr lang="zh-CN" altLang="en-US" dirty="0" smtClean="0"/>
+              <a:t>的大数据分析的用处</a:t>
+            </a:r>
+            <a:endParaRPr lang="zh-CN" altLang="en-US" dirty="0"/>
+          </a:p>
+        </p:txBody>
+      </p:sp>
+      <p:sp>
+        <p:nvSpPr>
+          <p:cNvPr id="3" name="内容占位符 2"/>
+          <p:cNvSpPr>
+            <a:spLocks noGrp="1"/>
+          </p:cNvSpPr>
+          <p:nvPr>
+            <p:ph idx="1"/>
+          </p:nvPr>
+        </p:nvSpPr>
+        <p:spPr/>
+        <p:txBody>
+          <a:bodyPr/>
+          <a:lstStyle/>
+          <a:p>
+            <a:r>
+              <a:rPr lang="zh-CN" altLang="en-US" dirty="0" smtClean="0"/>
+              <a:t>基于与历史模型的相似度分布判断当前炉况好坏</a:t>
+            </a:r>
+            <a:endParaRPr lang="en-US" altLang="zh-CN" dirty="0" smtClean="0"/>
+          </a:p>
+          <a:p>
+            <a:r>
+              <a:rPr lang="zh-CN" altLang="en-US" dirty="0" smtClean="0"/>
+              <a:t>对历史模型聚类，找出与当前炉况相似的工作点</a:t>
+            </a:r>
+            <a:endParaRPr lang="en-US" altLang="zh-CN" dirty="0" smtClean="0"/>
+          </a:p>
+          <a:p>
+            <a:r>
+              <a:rPr lang="zh-CN" altLang="en-US" dirty="0" smtClean="0"/>
+              <a:t>基于模型相似度做故障分类（因为故障状态的变化方向与正常必然不同）</a:t>
+            </a:r>
+            <a:endParaRPr lang="zh-CN" altLang="en-US" dirty="0"/>
+          </a:p>
+        </p:txBody>
+      </p:sp>
+    </p:spTree>
+    <p:extLst>
+      <p:ext uri="{BB962C8B-B14F-4D97-AF65-F5344CB8AC3E}">
+        <p14:creationId xmlns:p14="http://schemas.microsoft.com/office/powerpoint/2010/main" val="3495518449"/>
+      </p:ext>
+    </p:extLst>
+  </p:cSld>
+  <p:clrMapOvr>
+    <a:masterClrMapping/>
+  </p:clrMapOvr>
+</p:sld>
+</file>
+
+<file path=ppt/slides/slide21.xml><?xml version="1.0" encoding="utf-8"?>
+<p:sld xmlns:a="http://schemas.openxmlformats.org/drawingml/2006/main" xmlns:r="http://schemas.openxmlformats.org/officeDocument/2006/relationships" xmlns:p="http://schemas.openxmlformats.org/presentationml/2006/main">
+  <p:cSld>
+    <p:spTree>
+      <p:nvGrpSpPr>
+        <p:cNvPr id="1" name=""/>
+        <p:cNvGrpSpPr/>
+        <p:nvPr/>
+      </p:nvGrpSpPr>
+      <p:grpSpPr>
+        <a:xfrm>
+          <a:off x="0" y="0"/>
+          <a:ext cx="0" cy="0"/>
+          <a:chOff x="0" y="0"/>
+          <a:chExt cx="0" cy="0"/>
+        </a:xfrm>
+      </p:grpSpPr>
+      <p:sp>
+        <p:nvSpPr>
+          <p:cNvPr id="2" name="标题 1"/>
+          <p:cNvSpPr>
+            <a:spLocks noGrp="1"/>
+          </p:cNvSpPr>
+          <p:nvPr>
+            <p:ph type="title"/>
+          </p:nvPr>
+        </p:nvSpPr>
+        <p:spPr/>
+        <p:txBody>
+          <a:bodyPr/>
+          <a:lstStyle/>
+          <a:p>
+            <a:r>
+              <a:rPr lang="zh-CN" altLang="en-US" dirty="0"/>
+              <a:t>优势</a:t>
+            </a:r>
+          </a:p>
+        </p:txBody>
+      </p:sp>
+      <p:sp>
+        <p:nvSpPr>
+          <p:cNvPr id="3" name="内容占位符 2"/>
+          <p:cNvSpPr>
+            <a:spLocks noGrp="1"/>
+          </p:cNvSpPr>
+          <p:nvPr>
+            <p:ph idx="1"/>
+          </p:nvPr>
+        </p:nvSpPr>
+        <p:spPr/>
+        <p:txBody>
+          <a:bodyPr>
+            <a:normAutofit lnSpcReduction="10000"/>
+          </a:bodyPr>
+          <a:lstStyle/>
+          <a:p>
+            <a:r>
+              <a:rPr lang="zh-CN" altLang="en-US" dirty="0" smtClean="0"/>
+              <a:t>不去除过程噪声、不做数据平滑</a:t>
+            </a:r>
+            <a:endParaRPr lang="en-US" altLang="zh-CN" dirty="0" smtClean="0"/>
+          </a:p>
+          <a:p>
+            <a:pPr lvl="0"/>
+            <a:r>
+              <a:rPr lang="zh-CN" altLang="zh-CN" dirty="0"/>
+              <a:t>充分利用所有历史炉况数据</a:t>
+            </a:r>
+          </a:p>
+          <a:p>
+            <a:pPr lvl="0"/>
+            <a:r>
+              <a:rPr lang="zh-CN" altLang="zh-CN" dirty="0"/>
+              <a:t>更好的鲁棒性，因为利用了一段时间</a:t>
+            </a:r>
+            <a:r>
+              <a:rPr lang="zh-CN" altLang="zh-CN" dirty="0" smtClean="0"/>
+              <a:t>的</a:t>
+            </a:r>
+            <a:r>
+              <a:rPr lang="zh-CN" altLang="en-US" dirty="0" smtClean="0"/>
+              <a:t>数据样本</a:t>
+            </a:r>
+            <a:r>
+              <a:rPr lang="zh-CN" altLang="zh-CN" dirty="0" smtClean="0"/>
+              <a:t>，</a:t>
+            </a:r>
+            <a:r>
+              <a:rPr lang="zh-CN" altLang="zh-CN" dirty="0"/>
+              <a:t>而不是只看一</a:t>
+            </a:r>
+            <a:r>
+              <a:rPr lang="zh-CN" altLang="zh-CN" dirty="0" smtClean="0"/>
+              <a:t>个</a:t>
+            </a:r>
+            <a:r>
+              <a:rPr lang="zh-CN" altLang="en-US" dirty="0" smtClean="0"/>
+              <a:t>切片</a:t>
+            </a:r>
+            <a:endParaRPr lang="zh-CN" altLang="zh-CN" dirty="0"/>
+          </a:p>
+          <a:p>
+            <a:pPr lvl="0"/>
+            <a:r>
+              <a:rPr lang="zh-CN" altLang="zh-CN" dirty="0"/>
+              <a:t>不需用</a:t>
+            </a:r>
+            <a:r>
+              <a:rPr lang="zh-CN" altLang="zh-CN" dirty="0" smtClean="0"/>
+              <a:t>规则</a:t>
+            </a:r>
+            <a:r>
+              <a:rPr lang="zh-CN" altLang="en-US" dirty="0" smtClean="0"/>
+              <a:t>、平滑滤波</a:t>
+            </a:r>
+            <a:r>
+              <a:rPr lang="zh-CN" altLang="zh-CN" dirty="0" smtClean="0"/>
+              <a:t>或者</a:t>
+            </a:r>
+            <a:r>
+              <a:rPr lang="zh-CN" altLang="en-US" dirty="0" smtClean="0"/>
+              <a:t>针对性的</a:t>
+            </a:r>
+            <a:r>
+              <a:rPr lang="zh-CN" altLang="zh-CN" dirty="0" smtClean="0"/>
+              <a:t>算法过滤</a:t>
+            </a:r>
+            <a:r>
+              <a:rPr lang="zh-CN" altLang="zh-CN" dirty="0"/>
+              <a:t>热风炉换炉、铁矿石或</a:t>
+            </a:r>
+            <a:r>
+              <a:rPr lang="zh-CN" altLang="zh-CN" dirty="0" smtClean="0"/>
+              <a:t>焦炭</a:t>
+            </a:r>
+            <a:r>
+              <a:rPr lang="zh-CN" altLang="en-US" dirty="0" smtClean="0"/>
+              <a:t>上</a:t>
+            </a:r>
+            <a:r>
+              <a:rPr lang="zh-CN" altLang="zh-CN" dirty="0" smtClean="0"/>
+              <a:t>料</a:t>
+            </a:r>
+            <a:r>
+              <a:rPr lang="zh-CN" altLang="zh-CN" dirty="0"/>
+              <a:t>等造成的过程噪声。由于模型只对多变量的变化方向敏感，而忽略了具体投影大小，所以不怕过程噪声的干扰</a:t>
+            </a:r>
+            <a:r>
+              <a:rPr lang="zh-CN" altLang="zh-CN" dirty="0" smtClean="0"/>
+              <a:t>。</a:t>
+            </a:r>
+            <a:endParaRPr lang="en-US" altLang="zh-CN" dirty="0" smtClean="0"/>
+          </a:p>
+          <a:p>
+            <a:pPr lvl="0"/>
+            <a:r>
+              <a:rPr lang="zh-CN" altLang="zh-CN" dirty="0" smtClean="0"/>
+              <a:t>而</a:t>
+            </a:r>
+            <a:r>
+              <a:rPr lang="zh-CN" altLang="zh-CN" dirty="0"/>
+              <a:t>当变量变化幅度剧烈时</a:t>
+            </a:r>
+            <a:r>
+              <a:rPr lang="zh-CN" altLang="zh-CN" dirty="0" smtClean="0"/>
+              <a:t>，近似</a:t>
+            </a:r>
+            <a:r>
+              <a:rPr lang="zh-CN" altLang="en-US" dirty="0" smtClean="0"/>
+              <a:t>的</a:t>
+            </a:r>
+            <a:r>
+              <a:rPr lang="zh-CN" altLang="zh-CN" dirty="0" smtClean="0"/>
+              <a:t>成线性系统</a:t>
+            </a:r>
+            <a:r>
+              <a:rPr lang="zh-CN" altLang="en-US" dirty="0" smtClean="0"/>
+              <a:t>也会不同</a:t>
+            </a:r>
+            <a:r>
+              <a:rPr lang="zh-CN" altLang="zh-CN" dirty="0" smtClean="0"/>
+              <a:t>，</a:t>
+            </a:r>
+            <a:r>
+              <a:rPr lang="zh-CN" altLang="zh-CN" dirty="0"/>
+              <a:t>因此求得的方向应该也会发生变化。</a:t>
+            </a:r>
+          </a:p>
+          <a:p>
+            <a:endParaRPr lang="zh-CN" altLang="en-US" dirty="0"/>
+          </a:p>
+        </p:txBody>
+      </p:sp>
+    </p:spTree>
+    <p:extLst>
+      <p:ext uri="{BB962C8B-B14F-4D97-AF65-F5344CB8AC3E}">
+        <p14:creationId xmlns:p14="http://schemas.microsoft.com/office/powerpoint/2010/main" val="648359599"/>
+      </p:ext>
+    </p:extLst>
+  </p:cSld>
+  <p:clrMapOvr>
+    <a:masterClrMapping/>
+  </p:clrMapOvr>
+</p:sld>
+</file>
+
+<file path=ppt/slides/slide22.xml><?xml version="1.0" encoding="utf-8"?>
+<p:sld xmlns:a="http://schemas.openxmlformats.org/drawingml/2006/main" xmlns:r="http://schemas.openxmlformats.org/officeDocument/2006/relationships" xmlns:p="http://schemas.openxmlformats.org/presentationml/2006/main">
+  <p:cSld>
+    <p:spTree>
+      <p:nvGrpSpPr>
+        <p:cNvPr id="1" name=""/>
+        <p:cNvGrpSpPr/>
+        <p:nvPr/>
+      </p:nvGrpSpPr>
+      <p:grpSpPr>
+        <a:xfrm>
+          <a:off x="0" y="0"/>
+          <a:ext cx="0" cy="0"/>
+          <a:chOff x="0" y="0"/>
+          <a:chExt cx="0" cy="0"/>
+        </a:xfrm>
+      </p:grpSpPr>
+      <p:sp>
+        <p:nvSpPr>
+          <p:cNvPr id="2" name="标题 1"/>
+          <p:cNvSpPr>
+            <a:spLocks noGrp="1"/>
+          </p:cNvSpPr>
+          <p:nvPr>
+            <p:ph type="title"/>
+          </p:nvPr>
+        </p:nvSpPr>
+        <p:spPr/>
+        <p:txBody>
+          <a:bodyPr/>
+          <a:lstStyle/>
+          <a:p>
+            <a:r>
+              <a:rPr lang="en-US" altLang="zh-CN" dirty="0" smtClean="0">
+                <a:latin typeface="Times New Roman" panose="02020603050405020304" pitchFamily="18" charset="0"/>
+                <a:ea typeface="Tahoma" panose="020B0604030504040204" pitchFamily="34" charset="0"/>
+                <a:cs typeface="Times New Roman" panose="02020603050405020304" pitchFamily="18" charset="0"/>
+              </a:rPr>
+              <a:t>Future work</a:t>
+            </a:r>
+            <a:endParaRPr lang="zh-CN" altLang="en-US" dirty="0">
+              <a:latin typeface="Times New Roman" panose="02020603050405020304" pitchFamily="18" charset="0"/>
+              <a:cs typeface="Times New Roman" panose="02020603050405020304" pitchFamily="18" charset="0"/>
+            </a:endParaRPr>
+          </a:p>
+        </p:txBody>
+      </p:sp>
+      <p:sp>
+        <p:nvSpPr>
+          <p:cNvPr id="3" name="内容占位符 2"/>
+          <p:cNvSpPr>
+            <a:spLocks noGrp="1"/>
+          </p:cNvSpPr>
+          <p:nvPr>
+            <p:ph idx="1"/>
+          </p:nvPr>
+        </p:nvSpPr>
+        <p:spPr/>
+        <p:txBody>
+          <a:bodyPr/>
+          <a:lstStyle/>
+          <a:p>
+            <a:r>
+              <a:rPr lang="zh-CN" altLang="en-US" dirty="0" smtClean="0"/>
+              <a:t>从相似度矩阵中抽取出高炉工作点漂移和切换的具体指标</a:t>
+            </a:r>
+            <a:endParaRPr lang="en-US" altLang="zh-CN" dirty="0" smtClean="0"/>
+          </a:p>
+          <a:p>
+            <a:endParaRPr lang="zh-CN" altLang="en-US" dirty="0"/>
+          </a:p>
+        </p:txBody>
+      </p:sp>
+    </p:spTree>
+    <p:extLst>
+      <p:ext uri="{BB962C8B-B14F-4D97-AF65-F5344CB8AC3E}">
+        <p14:creationId xmlns:p14="http://schemas.microsoft.com/office/powerpoint/2010/main" val="3600408753"/>
+      </p:ext>
+    </p:extLst>
+  </p:cSld>
+  <p:clrMapOvr>
+    <a:masterClrMapping/>
+  </p:clrMapOvr>
+  <p:timing>
+    <p:tnLst>
+      <p:par>
+        <p:cTn id="1" dur="indefinite" restart="never" nodeType="tmRoot"/>
+      </p:par>
+    </p:tnLst>
+  </p:timing>
+</p:sld>
+</file>
+
+<file path=ppt/slides/slide23.xml><?xml version="1.0" encoding="utf-8"?>
 <p:sld xmlns:a="http://schemas.openxmlformats.org/drawingml/2006/main" xmlns:r="http://schemas.openxmlformats.org/officeDocument/2006/relationships" xmlns:p="http://schemas.openxmlformats.org/presentationml/2006/main">
   <p:cSld>
     <p:spTree>
@@ -7520,111 +7953,275 @@
           <a:p>
             <a:r>
               <a:rPr lang="zh-CN" altLang="en-US" dirty="0" smtClean="0"/>
-              <a:t>已有方法</a:t>
+              <a:t>数据长啥样</a:t>
             </a:r>
             <a:endParaRPr lang="zh-CN" altLang="en-US" dirty="0"/>
           </a:p>
         </p:txBody>
       </p:sp>
-      <p:sp>
-        <p:nvSpPr>
-          <p:cNvPr id="3" name="内容占位符 2"/>
-          <p:cNvSpPr>
-            <a:spLocks noGrp="1"/>
-          </p:cNvSpPr>
+      <p:pic>
+        <p:nvPicPr>
+          <p:cNvPr id="7" name="内容占位符 6"/>
+          <p:cNvPicPr>
+            <a:picLocks noGrp="1" noChangeAspect="1"/>
+          </p:cNvPicPr>
           <p:nvPr>
             <p:ph idx="1"/>
           </p:nvPr>
-        </p:nvSpPr>
-        <p:spPr/>
-        <p:txBody>
-          <a:bodyPr>
-            <a:normAutofit/>
+        </p:nvPicPr>
+        <p:blipFill>
+          <a:blip r:embed="rId2"/>
+          <a:stretch>
+            <a:fillRect/>
+          </a:stretch>
+        </p:blipFill>
+        <p:spPr>
+          <a:xfrm>
+            <a:off x="738129" y="1278584"/>
+            <a:ext cx="8163499" cy="5915023"/>
+          </a:xfrm>
+          <a:prstGeom prst="rect">
+            <a:avLst/>
+          </a:prstGeom>
+        </p:spPr>
+      </p:pic>
+      <p:cxnSp>
+        <p:nvCxnSpPr>
+          <p:cNvPr id="16" name="直接箭头连接符 15"/>
+          <p:cNvCxnSpPr>
+            <a:stCxn id="17" idx="2"/>
+          </p:cNvCxnSpPr>
+          <p:nvPr/>
+        </p:nvCxnSpPr>
+        <p:spPr>
+          <a:xfrm>
+            <a:off x="731819" y="5463893"/>
+            <a:ext cx="1492672" cy="707040"/>
+          </a:xfrm>
+          <a:prstGeom prst="straightConnector1">
+            <a:avLst/>
+          </a:prstGeom>
+          <a:ln w="38100">
+            <a:prstDash val="solid"/>
+            <a:tailEnd type="triangle"/>
+          </a:ln>
+        </p:spPr>
+        <p:style>
+          <a:lnRef idx="3">
+            <a:schemeClr val="accent2"/>
+          </a:lnRef>
+          <a:fillRef idx="0">
+            <a:schemeClr val="accent2"/>
+          </a:fillRef>
+          <a:effectRef idx="2">
+            <a:schemeClr val="accent2"/>
+          </a:effectRef>
+          <a:fontRef idx="minor">
+            <a:schemeClr val="tx1"/>
+          </a:fontRef>
+        </p:style>
+      </p:cxnSp>
+      <p:sp>
+        <p:nvSpPr>
+          <p:cNvPr id="17" name="文本框 16"/>
+          <p:cNvSpPr txBox="1"/>
+          <p:nvPr/>
+        </p:nvSpPr>
+        <p:spPr>
+          <a:xfrm>
+            <a:off x="187287" y="4940673"/>
+            <a:ext cx="1089064" cy="523220"/>
+          </a:xfrm>
+          <a:prstGeom prst="rect">
+            <a:avLst/>
+          </a:prstGeom>
+          <a:noFill/>
+          <a:ln>
+            <a:solidFill>
+              <a:srgbClr val="FF0000"/>
+            </a:solidFill>
+          </a:ln>
+        </p:spPr>
+        <p:txBody>
+          <a:bodyPr wrap="square" rtlCol="0">
+            <a:spAutoFit/>
           </a:bodyPr>
           <a:lstStyle/>
           <a:p>
             <a:r>
-              <a:rPr lang="en-US" altLang="zh-CN" dirty="0" smtClean="0"/>
-              <a:t>PCA</a:t>
-            </a:r>
-          </a:p>
-          <a:p>
-            <a:pPr lvl="1"/>
-            <a:r>
-              <a:rPr lang="zh-CN" altLang="en-US" dirty="0" smtClean="0"/>
-              <a:t>利用训练集计算负荷矩阵</a:t>
-            </a:r>
-            <a:r>
-              <a:rPr lang="en-US" altLang="zh-CN" dirty="0" smtClean="0"/>
-              <a:t>P</a:t>
-            </a:r>
-            <a:r>
-              <a:rPr lang="zh-CN" altLang="en-US" dirty="0" smtClean="0"/>
-              <a:t>以及</a:t>
-            </a:r>
-            <a:r>
-              <a:rPr lang="en-US" altLang="zh-CN" dirty="0" smtClean="0"/>
-              <a:t>T2</a:t>
-            </a:r>
-            <a:r>
-              <a:rPr lang="zh-CN" altLang="en-US" dirty="0" smtClean="0"/>
-              <a:t>和</a:t>
-            </a:r>
-            <a:r>
-              <a:rPr lang="en-US" altLang="zh-CN" dirty="0" smtClean="0"/>
-              <a:t>SPE</a:t>
-            </a:r>
-            <a:r>
-              <a:rPr lang="zh-CN" altLang="en-US" dirty="0" smtClean="0"/>
-              <a:t>统计量的阈值</a:t>
-            </a:r>
-            <a:endParaRPr lang="en-US" altLang="zh-CN" dirty="0" smtClean="0"/>
-          </a:p>
-          <a:p>
-            <a:pPr lvl="1"/>
-            <a:r>
-              <a:rPr lang="zh-CN" altLang="en-US" dirty="0"/>
-              <a:t>在</a:t>
-            </a:r>
-            <a:r>
-              <a:rPr lang="zh-CN" altLang="en-US" dirty="0" smtClean="0"/>
-              <a:t>测试集上计算</a:t>
-            </a:r>
-            <a:r>
-              <a:rPr lang="en-US" altLang="zh-CN" dirty="0" smtClean="0"/>
-              <a:t>T^2</a:t>
-            </a:r>
-            <a:r>
-              <a:rPr lang="zh-CN" altLang="en-US" dirty="0" smtClean="0"/>
-              <a:t>和</a:t>
-            </a:r>
-            <a:r>
-              <a:rPr lang="en-US" altLang="zh-CN" dirty="0" smtClean="0"/>
-              <a:t>SPE</a:t>
-            </a:r>
-            <a:r>
-              <a:rPr lang="zh-CN" altLang="en-US" dirty="0" smtClean="0"/>
-              <a:t>统计量</a:t>
-            </a:r>
-            <a:endParaRPr lang="en-US" altLang="zh-CN" dirty="0" smtClean="0"/>
-          </a:p>
-          <a:p>
-            <a:pPr lvl="1"/>
-            <a:r>
-              <a:rPr lang="zh-CN" altLang="en-US" dirty="0" smtClean="0"/>
-              <a:t>判断统计量是否超限，如果超限则报警</a:t>
-            </a:r>
-            <a:endParaRPr lang="en-US" altLang="zh-CN" dirty="0" smtClean="0"/>
-          </a:p>
-          <a:p>
-            <a:endParaRPr lang="zh-CN" altLang="en-US" dirty="0"/>
+              <a:rPr lang="zh-CN" altLang="en-US" sz="1400" dirty="0"/>
+              <a:t>上</a:t>
+            </a:r>
+            <a:r>
+              <a:rPr lang="zh-CN" altLang="en-US" sz="1400" dirty="0" smtClean="0"/>
+              <a:t>料</a:t>
+            </a:r>
+            <a:r>
+              <a:rPr lang="zh-CN" altLang="en-US" sz="1400" dirty="0" smtClean="0"/>
+              <a:t>（焦炭、铁矿石</a:t>
+            </a:r>
+            <a:r>
+              <a:rPr lang="zh-CN" altLang="en-US" sz="1400" dirty="0" smtClean="0"/>
+              <a:t>）</a:t>
+            </a:r>
+            <a:endParaRPr lang="zh-CN" altLang="en-US" sz="1400" dirty="0"/>
+          </a:p>
+        </p:txBody>
+      </p:sp>
+      <p:cxnSp>
+        <p:nvCxnSpPr>
+          <p:cNvPr id="20" name="直接箭头连接符 19"/>
+          <p:cNvCxnSpPr>
+            <a:stCxn id="21" idx="2"/>
+          </p:cNvCxnSpPr>
+          <p:nvPr/>
+        </p:nvCxnSpPr>
+        <p:spPr>
+          <a:xfrm flipH="1">
+            <a:off x="6974196" y="1278584"/>
+            <a:ext cx="1134392" cy="3172230"/>
+          </a:xfrm>
+          <a:prstGeom prst="straightConnector1">
+            <a:avLst/>
+          </a:prstGeom>
+          <a:ln w="38100">
+            <a:prstDash val="solid"/>
+            <a:tailEnd type="triangle"/>
+          </a:ln>
+        </p:spPr>
+        <p:style>
+          <a:lnRef idx="3">
+            <a:schemeClr val="accent2"/>
+          </a:lnRef>
+          <a:fillRef idx="0">
+            <a:schemeClr val="accent2"/>
+          </a:fillRef>
+          <a:effectRef idx="2">
+            <a:schemeClr val="accent2"/>
+          </a:effectRef>
+          <a:fontRef idx="minor">
+            <a:schemeClr val="tx1"/>
+          </a:fontRef>
+        </p:style>
+      </p:cxnSp>
+      <p:sp>
+        <p:nvSpPr>
+          <p:cNvPr id="21" name="文本框 20"/>
+          <p:cNvSpPr txBox="1"/>
+          <p:nvPr/>
+        </p:nvSpPr>
+        <p:spPr>
+          <a:xfrm>
+            <a:off x="7563253" y="970807"/>
+            <a:ext cx="1090669" cy="307777"/>
+          </a:xfrm>
+          <a:prstGeom prst="rect">
+            <a:avLst/>
+          </a:prstGeom>
+          <a:noFill/>
+          <a:ln>
+            <a:solidFill>
+              <a:srgbClr val="FF0000"/>
+            </a:solidFill>
+          </a:ln>
+        </p:spPr>
+        <p:txBody>
+          <a:bodyPr wrap="square" rtlCol="0">
+            <a:spAutoFit/>
+          </a:bodyPr>
+          <a:lstStyle/>
+          <a:p>
+            <a:r>
+              <a:rPr lang="zh-CN" altLang="en-US" sz="1400" dirty="0" smtClean="0"/>
+              <a:t>热风炉换炉</a:t>
+            </a:r>
+            <a:endParaRPr lang="zh-CN" altLang="en-US" sz="1400" dirty="0"/>
+          </a:p>
+        </p:txBody>
+      </p:sp>
+      <p:cxnSp>
+        <p:nvCxnSpPr>
+          <p:cNvPr id="23" name="直接箭头连接符 22"/>
+          <p:cNvCxnSpPr>
+            <a:stCxn id="24" idx="3"/>
+          </p:cNvCxnSpPr>
+          <p:nvPr/>
+        </p:nvCxnSpPr>
+        <p:spPr>
+          <a:xfrm>
+            <a:off x="1524001" y="2213909"/>
+            <a:ext cx="1028699" cy="262591"/>
+          </a:xfrm>
+          <a:prstGeom prst="straightConnector1">
+            <a:avLst/>
+          </a:prstGeom>
+          <a:ln w="38100">
+            <a:prstDash val="solid"/>
+            <a:tailEnd type="triangle"/>
+          </a:ln>
+        </p:spPr>
+        <p:style>
+          <a:lnRef idx="3">
+            <a:schemeClr val="accent2"/>
+          </a:lnRef>
+          <a:fillRef idx="0">
+            <a:schemeClr val="accent2"/>
+          </a:fillRef>
+          <a:effectRef idx="2">
+            <a:schemeClr val="accent2"/>
+          </a:effectRef>
+          <a:fontRef idx="minor">
+            <a:schemeClr val="tx1"/>
+          </a:fontRef>
+        </p:style>
+      </p:cxnSp>
+      <p:sp>
+        <p:nvSpPr>
+          <p:cNvPr id="24" name="文本框 23"/>
+          <p:cNvSpPr txBox="1"/>
+          <p:nvPr/>
+        </p:nvSpPr>
+        <p:spPr>
+          <a:xfrm>
+            <a:off x="88900" y="1736855"/>
+            <a:ext cx="1435101" cy="954107"/>
+          </a:xfrm>
+          <a:prstGeom prst="rect">
+            <a:avLst/>
+          </a:prstGeom>
+          <a:noFill/>
+          <a:ln>
+            <a:solidFill>
+              <a:srgbClr val="FF0000"/>
+            </a:solidFill>
+          </a:ln>
+        </p:spPr>
+        <p:txBody>
+          <a:bodyPr wrap="square" rtlCol="0">
+            <a:spAutoFit/>
+          </a:bodyPr>
+          <a:lstStyle/>
+          <a:p>
+            <a:r>
+              <a:rPr lang="zh-CN" altLang="en-US" sz="1400" dirty="0" smtClean="0"/>
+              <a:t>工长判断炉况后的人工</a:t>
+            </a:r>
+            <a:r>
+              <a:rPr lang="zh-CN" altLang="en-US" sz="1400" dirty="0" smtClean="0"/>
+              <a:t>调整：减风、减煤、卸顶压、停氧</a:t>
+            </a:r>
+            <a:r>
+              <a:rPr lang="en-US" altLang="zh-CN" sz="1400" dirty="0" smtClean="0"/>
+              <a:t>……</a:t>
+            </a:r>
+            <a:endParaRPr lang="zh-CN" altLang="en-US" sz="1400" dirty="0"/>
           </a:p>
         </p:txBody>
       </p:sp>
     </p:spTree>
     <p:extLst>
       <p:ext uri="{BB962C8B-B14F-4D97-AF65-F5344CB8AC3E}">
-        <p14:creationId xmlns:p14="http://schemas.microsoft.com/office/powerpoint/2010/main" val="106998121"/>
+        <p14:creationId xmlns:p14="http://schemas.microsoft.com/office/powerpoint/2010/main" val="3161346794"/>
       </p:ext>
     </p:extLst>
   </p:cSld>
@@ -7686,82 +8283,85 @@
         </p:nvSpPr>
         <p:spPr/>
         <p:txBody>
-          <a:bodyPr/>
-          <a:lstStyle/>
-          <a:p>
-            <a:r>
-              <a:rPr lang="zh-CN" altLang="en-US" dirty="0" smtClean="0"/>
-              <a:t>针对高炉中过程噪声，尤其是换炉扰动：</a:t>
-            </a:r>
-            <a:endParaRPr lang="en-US" altLang="zh-CN" dirty="0" smtClean="0"/>
-          </a:p>
-          <a:p>
-            <a:pPr lvl="1"/>
-            <a:r>
-              <a:rPr lang="zh-CN" altLang="en-US" dirty="0" smtClean="0"/>
-              <a:t>两阶段</a:t>
-            </a:r>
+          <a:bodyPr>
+            <a:normAutofit/>
+          </a:bodyPr>
+          <a:lstStyle/>
+          <a:p>
             <a:r>
               <a:rPr lang="en-US" altLang="zh-CN" dirty="0" smtClean="0"/>
               <a:t>PCA</a:t>
             </a:r>
           </a:p>
           <a:p>
-            <a:pPr lvl="2"/>
-            <a:r>
-              <a:rPr lang="zh-CN" altLang="en-US" dirty="0" smtClean="0"/>
-              <a:t>去除了换炉扰动</a:t>
+            <a:pPr lvl="1"/>
+            <a:r>
+              <a:rPr lang="zh-CN" altLang="en-US" dirty="0" smtClean="0"/>
+              <a:t>利用训练集计算负荷矩阵</a:t>
+            </a:r>
+            <a:r>
+              <a:rPr lang="en-US" altLang="zh-CN" dirty="0" smtClean="0"/>
+              <a:t>P</a:t>
+            </a:r>
+            <a:r>
+              <a:rPr lang="zh-CN" altLang="en-US" dirty="0" smtClean="0"/>
+              <a:t>以及</a:t>
+            </a:r>
+            <a:r>
+              <a:rPr lang="en-US" altLang="zh-CN" dirty="0" smtClean="0"/>
+              <a:t>T2</a:t>
+            </a:r>
+            <a:r>
+              <a:rPr lang="zh-CN" altLang="en-US" dirty="0" smtClean="0"/>
+              <a:t>和</a:t>
+            </a:r>
+            <a:r>
+              <a:rPr lang="en-US" altLang="zh-CN" dirty="0" smtClean="0"/>
+              <a:t>SPE</a:t>
+            </a:r>
+            <a:r>
+              <a:rPr lang="zh-CN" altLang="en-US" dirty="0" smtClean="0"/>
+              <a:t>统计量的阈值</a:t>
             </a:r>
             <a:endParaRPr lang="en-US" altLang="zh-CN" dirty="0" smtClean="0"/>
           </a:p>
           <a:p>
             <a:pPr lvl="1"/>
             <a:r>
-              <a:rPr lang="zh-CN" altLang="en-US" dirty="0" smtClean="0"/>
-              <a:t>主元凸包</a:t>
+              <a:rPr lang="zh-CN" altLang="en-US" dirty="0"/>
+              <a:t>在</a:t>
+            </a:r>
+            <a:r>
+              <a:rPr lang="zh-CN" altLang="en-US" dirty="0" smtClean="0"/>
+              <a:t>测试集上计算</a:t>
             </a:r>
             <a:r>
               <a:rPr lang="en-US" altLang="zh-CN" dirty="0" smtClean="0"/>
-              <a:t>PCA</a:t>
-            </a:r>
-          </a:p>
-          <a:p>
-            <a:pPr lvl="2"/>
-            <a:r>
-              <a:rPr lang="zh-CN" altLang="en-US" dirty="0" smtClean="0"/>
-              <a:t>重新定义了可行域</a:t>
+              <a:t>T^2</a:t>
+            </a:r>
+            <a:r>
+              <a:rPr lang="zh-CN" altLang="en-US" dirty="0" smtClean="0"/>
+              <a:t>和</a:t>
+            </a:r>
+            <a:r>
+              <a:rPr lang="en-US" altLang="zh-CN" dirty="0" smtClean="0"/>
+              <a:t>SPE</a:t>
+            </a:r>
+            <a:r>
+              <a:rPr lang="zh-CN" altLang="en-US" dirty="0" smtClean="0"/>
+              <a:t>统计量</a:t>
             </a:r>
             <a:endParaRPr lang="en-US" altLang="zh-CN" dirty="0" smtClean="0"/>
           </a:p>
           <a:p>
-            <a:pPr marL="171450" lvl="1">
-              <a:spcBef>
-                <a:spcPts val="750"/>
-              </a:spcBef>
-            </a:pPr>
-            <a:r>
-              <a:rPr lang="zh-CN" altLang="en-US" sz="2800" dirty="0"/>
-              <a:t>针对高炉稳态工作点漂移</a:t>
-            </a:r>
-            <a:endParaRPr lang="en-US" altLang="zh-CN" sz="2800" dirty="0"/>
-          </a:p>
-          <a:p>
             <a:pPr lvl="1"/>
             <a:r>
               <a:rPr lang="zh-CN" altLang="en-US" dirty="0" smtClean="0"/>
-              <a:t>迭代</a:t>
-            </a:r>
-            <a:r>
-              <a:rPr lang="en-US" altLang="zh-CN" dirty="0" smtClean="0"/>
-              <a:t>PCA</a:t>
-            </a:r>
-          </a:p>
-          <a:p>
-            <a:pPr lvl="2"/>
-            <a:r>
-              <a:rPr lang="zh-CN" altLang="en-US" dirty="0" smtClean="0"/>
-              <a:t>基于一些规则定期更新一定比例的训练集数据</a:t>
-            </a:r>
+              <a:t>判断统计量是否超限，如果超限则报警</a:t>
+            </a:r>
+            <a:endParaRPr lang="en-US" altLang="zh-CN" dirty="0" smtClean="0"/>
+          </a:p>
+          <a:p>
             <a:endParaRPr lang="zh-CN" altLang="en-US" dirty="0"/>
           </a:p>
         </p:txBody>
@@ -7769,7 +8369,7 @@
     </p:spTree>
     <p:extLst>
       <p:ext uri="{BB962C8B-B14F-4D97-AF65-F5344CB8AC3E}">
-        <p14:creationId xmlns:p14="http://schemas.microsoft.com/office/powerpoint/2010/main" val="4163004950"/>
+        <p14:creationId xmlns:p14="http://schemas.microsoft.com/office/powerpoint/2010/main" val="106998121"/>
       </p:ext>
     </p:extLst>
   </p:cSld>
@@ -7813,7 +8413,7 @@
           <a:p>
             <a:r>
               <a:rPr lang="zh-CN" altLang="en-US" dirty="0" smtClean="0"/>
-              <a:t>问题描述</a:t>
+              <a:t>已有方法</a:t>
             </a:r>
             <a:endParaRPr lang="zh-CN" altLang="en-US" dirty="0"/>
           </a:p>
@@ -7833,6 +8433,51 @@
         <p:txBody>
           <a:bodyPr/>
           <a:lstStyle/>
+          <a:p>
+            <a:r>
+              <a:rPr lang="zh-CN" altLang="en-US" dirty="0" smtClean="0"/>
+              <a:t>针对高炉中过程噪声，尤其是换炉扰动：</a:t>
+            </a:r>
+            <a:endParaRPr lang="en-US" altLang="zh-CN" dirty="0" smtClean="0"/>
+          </a:p>
+          <a:p>
+            <a:pPr lvl="1"/>
+            <a:r>
+              <a:rPr lang="zh-CN" altLang="en-US" dirty="0" smtClean="0"/>
+              <a:t>两阶段</a:t>
+            </a:r>
+            <a:r>
+              <a:rPr lang="en-US" altLang="zh-CN" dirty="0" smtClean="0"/>
+              <a:t>PCA</a:t>
+            </a:r>
+          </a:p>
+          <a:p>
+            <a:pPr lvl="2"/>
+            <a:r>
+              <a:rPr lang="zh-CN" altLang="en-US" dirty="0" smtClean="0"/>
+              <a:t>去除了换炉扰动</a:t>
+            </a:r>
+            <a:endParaRPr lang="en-US" altLang="zh-CN" dirty="0" smtClean="0"/>
+          </a:p>
+          <a:p>
+            <a:pPr lvl="1"/>
+            <a:r>
+              <a:rPr lang="zh-CN" altLang="en-US" dirty="0" smtClean="0"/>
+              <a:t>主元凸包</a:t>
+            </a:r>
+            <a:r>
+              <a:rPr lang="en-US" altLang="zh-CN" dirty="0" smtClean="0"/>
+              <a:t>PCA</a:t>
+            </a:r>
+          </a:p>
+          <a:p>
+            <a:pPr lvl="2"/>
+            <a:r>
+              <a:rPr lang="zh-CN" altLang="en-US" dirty="0" smtClean="0"/>
+              <a:t>重新定义了可行域</a:t>
+            </a:r>
+            <a:endParaRPr lang="en-US" altLang="zh-CN" dirty="0" smtClean="0"/>
+          </a:p>
           <a:p>
             <a:pPr marL="171450" lvl="1">
               <a:spcBef>
@@ -7840,72 +8485,28 @@
               </a:spcBef>
             </a:pPr>
             <a:r>
-              <a:rPr lang="zh-CN" altLang="en-US" dirty="0" smtClean="0"/>
-              <a:t>训练集需要人工判断</a:t>
+              <a:rPr lang="zh-CN" altLang="en-US" sz="2800" dirty="0"/>
+              <a:t>针对高炉稳态工作点漂移</a:t>
+            </a:r>
+            <a:endParaRPr lang="en-US" altLang="zh-CN" sz="2800" dirty="0"/>
+          </a:p>
+          <a:p>
+            <a:pPr lvl="1"/>
+            <a:r>
+              <a:rPr lang="zh-CN" altLang="en-US" dirty="0" smtClean="0"/>
+              <a:t>迭代</a:t>
             </a:r>
             <a:r>
               <a:rPr lang="en-US" altLang="zh-CN" dirty="0" smtClean="0"/>
-              <a:t>/</a:t>
-            </a:r>
-            <a:r>
-              <a:rPr lang="zh-CN" altLang="en-US" dirty="0" smtClean="0"/>
-              <a:t>尝试选取正常炉况（顺行）所在区间，训练集的好坏直接决定了异常炉况检测的性能</a:t>
-            </a:r>
-            <a:endParaRPr lang="en-US" altLang="zh-CN" dirty="0" smtClean="0"/>
-          </a:p>
-          <a:p>
-            <a:pPr marL="171450" lvl="1">
-              <a:spcBef>
-                <a:spcPts val="750"/>
-              </a:spcBef>
-            </a:pPr>
-            <a:r>
-              <a:rPr lang="zh-CN" altLang="en-US" dirty="0" smtClean="0"/>
-              <a:t>由于高炉炉况复杂多变，工作点的漂移时常发生，在实际运行时都遇到模型迭代的问题：</a:t>
-            </a:r>
-            <a:endParaRPr lang="en-US" altLang="zh-CN" dirty="0" smtClean="0"/>
-          </a:p>
-          <a:p>
-            <a:pPr marL="514350" lvl="2">
-              <a:spcBef>
-                <a:spcPts val="750"/>
-              </a:spcBef>
-            </a:pPr>
-            <a:r>
-              <a:rPr lang="zh-CN" altLang="en-US" dirty="0" smtClean="0"/>
-              <a:t>如果训练集更新过慢，模型跟不上工作点的变化，误报率升高；如果训练集更新过快，模型容易加入轻微异常数据，漏报率升高</a:t>
-            </a:r>
-            <a:endParaRPr lang="en-US" altLang="zh-CN" dirty="0" smtClean="0"/>
-          </a:p>
-          <a:p>
-            <a:pPr marL="514350" lvl="2">
-              <a:spcBef>
-                <a:spcPts val="750"/>
-              </a:spcBef>
-            </a:pPr>
-            <a:r>
-              <a:rPr lang="zh-CN" altLang="en-US" dirty="0" smtClean="0"/>
-              <a:t>模型的迭代会造成统计量的频繁抖动，增加了误报率</a:t>
-            </a:r>
-            <a:endParaRPr lang="en-US" altLang="zh-CN" dirty="0" smtClean="0"/>
-          </a:p>
-          <a:p>
-            <a:pPr marL="514350" lvl="2">
-              <a:spcBef>
-                <a:spcPts val="750"/>
-              </a:spcBef>
-            </a:pPr>
-            <a:endParaRPr lang="en-US" altLang="zh-CN" dirty="0"/>
-          </a:p>
-          <a:p>
-            <a:pPr marL="171450" lvl="1">
-              <a:spcBef>
-                <a:spcPts val="750"/>
-              </a:spcBef>
-            </a:pPr>
-            <a:endParaRPr lang="en-US" altLang="zh-CN" dirty="0" smtClean="0"/>
-          </a:p>
-          <a:p>
+              <a:t>PCA</a:t>
+            </a:r>
+          </a:p>
+          <a:p>
+            <a:pPr lvl="2"/>
+            <a:r>
+              <a:rPr lang="zh-CN" altLang="en-US" dirty="0" smtClean="0"/>
+              <a:t>基于一些规则定期更新一定比例的训练集数据</a:t>
+            </a:r>
             <a:endParaRPr lang="zh-CN" altLang="en-US" dirty="0"/>
           </a:p>
         </p:txBody>
@@ -7913,7 +8514,7 @@
     </p:spTree>
     <p:extLst>
       <p:ext uri="{BB962C8B-B14F-4D97-AF65-F5344CB8AC3E}">
-        <p14:creationId xmlns:p14="http://schemas.microsoft.com/office/powerpoint/2010/main" val="2959588406"/>
+        <p14:creationId xmlns:p14="http://schemas.microsoft.com/office/powerpoint/2010/main" val="4163004950"/>
       </p:ext>
     </p:extLst>
   </p:cSld>
@@ -7957,7 +8558,159 @@
           <a:p>
             <a:r>
               <a:rPr lang="zh-CN" altLang="en-US" dirty="0" smtClean="0"/>
-              <a:t>模型迭代与不迭代的对比</a:t>
+              <a:t>问题描述</a:t>
+            </a:r>
+            <a:endParaRPr lang="zh-CN" altLang="en-US" dirty="0"/>
+          </a:p>
+        </p:txBody>
+      </p:sp>
+      <p:sp>
+        <p:nvSpPr>
+          <p:cNvPr id="3" name="内容占位符 2"/>
+          <p:cNvSpPr>
+            <a:spLocks noGrp="1"/>
+          </p:cNvSpPr>
+          <p:nvPr>
+            <p:ph idx="1"/>
+          </p:nvPr>
+        </p:nvSpPr>
+        <p:spPr/>
+        <p:txBody>
+          <a:bodyPr/>
+          <a:lstStyle/>
+          <a:p>
+            <a:pPr marL="171450" lvl="1">
+              <a:spcBef>
+                <a:spcPts val="750"/>
+              </a:spcBef>
+            </a:pPr>
+            <a:r>
+              <a:rPr lang="zh-CN" altLang="en-US" dirty="0" smtClean="0"/>
+              <a:t>训练集需要人工判断</a:t>
+            </a:r>
+            <a:r>
+              <a:rPr lang="en-US" altLang="zh-CN" dirty="0" smtClean="0"/>
+              <a:t>/</a:t>
+            </a:r>
+            <a:r>
+              <a:rPr lang="zh-CN" altLang="en-US" dirty="0" smtClean="0"/>
+              <a:t>尝试选取正常炉况（顺行）所在区间，训练集的好坏直接决定了异常炉况检测的性能</a:t>
+            </a:r>
+            <a:endParaRPr lang="en-US" altLang="zh-CN" dirty="0" smtClean="0"/>
+          </a:p>
+          <a:p>
+            <a:pPr marL="171450" lvl="1">
+              <a:spcBef>
+                <a:spcPts val="750"/>
+              </a:spcBef>
+            </a:pPr>
+            <a:r>
+              <a:rPr lang="zh-CN" altLang="en-US" dirty="0" smtClean="0"/>
+              <a:t>由于高炉炉况复杂多变，工作点的漂移时常发生，在实际运行时都遇到模型迭代的问题：</a:t>
+            </a:r>
+            <a:endParaRPr lang="en-US" altLang="zh-CN" dirty="0" smtClean="0"/>
+          </a:p>
+          <a:p>
+            <a:pPr marL="514350" lvl="2">
+              <a:spcBef>
+                <a:spcPts val="750"/>
+              </a:spcBef>
+            </a:pPr>
+            <a:r>
+              <a:rPr lang="zh-CN" altLang="en-US" dirty="0" smtClean="0"/>
+              <a:t>如果训练集更新过慢，模型跟不上工作点的变化，误报率升高；如果训练集更新过快，模型容易加入轻微异常数据，漏报率升高</a:t>
+            </a:r>
+            <a:endParaRPr lang="en-US" altLang="zh-CN" dirty="0" smtClean="0"/>
+          </a:p>
+          <a:p>
+            <a:pPr marL="514350" lvl="2">
+              <a:spcBef>
+                <a:spcPts val="750"/>
+              </a:spcBef>
+            </a:pPr>
+            <a:r>
+              <a:rPr lang="zh-CN" altLang="en-US" dirty="0" smtClean="0"/>
+              <a:t>模型的</a:t>
+            </a:r>
+            <a:r>
+              <a:rPr lang="zh-CN" altLang="en-US" dirty="0" smtClean="0"/>
+              <a:t>迭代过多会</a:t>
+            </a:r>
+            <a:r>
+              <a:rPr lang="zh-CN" altLang="en-US" dirty="0" smtClean="0"/>
+              <a:t>造成统计量的频繁抖动，增加了误报率</a:t>
+            </a:r>
+            <a:endParaRPr lang="en-US" altLang="zh-CN" dirty="0" smtClean="0"/>
+          </a:p>
+          <a:p>
+            <a:pPr marL="514350" lvl="2">
+              <a:spcBef>
+                <a:spcPts val="750"/>
+              </a:spcBef>
+            </a:pPr>
+            <a:endParaRPr lang="en-US" altLang="zh-CN" dirty="0"/>
+          </a:p>
+          <a:p>
+            <a:pPr marL="171450" lvl="1">
+              <a:spcBef>
+                <a:spcPts val="750"/>
+              </a:spcBef>
+            </a:pPr>
+            <a:endParaRPr lang="en-US" altLang="zh-CN" dirty="0" smtClean="0"/>
+          </a:p>
+          <a:p>
+            <a:endParaRPr lang="zh-CN" altLang="en-US" dirty="0"/>
+          </a:p>
+        </p:txBody>
+      </p:sp>
+    </p:spTree>
+    <p:extLst>
+      <p:ext uri="{BB962C8B-B14F-4D97-AF65-F5344CB8AC3E}">
+        <p14:creationId xmlns:p14="http://schemas.microsoft.com/office/powerpoint/2010/main" val="2959588406"/>
+      </p:ext>
+    </p:extLst>
+  </p:cSld>
+  <p:clrMapOvr>
+    <a:masterClrMapping/>
+  </p:clrMapOvr>
+</p:sld>
+</file>
+
+<file path=ppt/slides/slide7.xml><?xml version="1.0" encoding="utf-8"?>
+<p:sld xmlns:a="http://schemas.openxmlformats.org/drawingml/2006/main" xmlns:r="http://schemas.openxmlformats.org/officeDocument/2006/relationships" xmlns:p="http://schemas.openxmlformats.org/presentationml/2006/main">
+  <p:cSld>
+    <p:spTree>
+      <p:nvGrpSpPr>
+        <p:cNvPr id="1" name=""/>
+        <p:cNvGrpSpPr/>
+        <p:nvPr/>
+      </p:nvGrpSpPr>
+      <p:grpSpPr>
+        <a:xfrm>
+          <a:off x="0" y="0"/>
+          <a:ext cx="0" cy="0"/>
+          <a:chOff x="0" y="0"/>
+          <a:chExt cx="0" cy="0"/>
+        </a:xfrm>
+      </p:grpSpPr>
+      <p:sp>
+        <p:nvSpPr>
+          <p:cNvPr id="2" name="标题 1"/>
+          <p:cNvSpPr>
+            <a:spLocks noGrp="1"/>
+          </p:cNvSpPr>
+          <p:nvPr>
+            <p:ph type="title"/>
+          </p:nvPr>
+        </p:nvSpPr>
+        <p:spPr/>
+        <p:txBody>
+          <a:bodyPr/>
+          <a:lstStyle/>
+          <a:p>
+            <a:r>
+              <a:rPr lang="zh-CN" altLang="en-US" dirty="0" smtClean="0"/>
+              <a:t>模型在测试集中的表现</a:t>
             </a:r>
             <a:endParaRPr lang="zh-CN" altLang="en-US" dirty="0"/>
           </a:p>
@@ -8150,7 +8903,7 @@
 </p:sld>
 </file>
 
-<file path=ppt/slides/slide7.xml><?xml version="1.0" encoding="utf-8"?>
+<file path=ppt/slides/slide8.xml><?xml version="1.0" encoding="utf-8"?>
 <p:sld xmlns:a="http://schemas.openxmlformats.org/drawingml/2006/main" xmlns:r="http://schemas.openxmlformats.org/officeDocument/2006/relationships" xmlns:p="http://schemas.openxmlformats.org/presentationml/2006/main">
   <p:cSld>
     <p:spTree>
@@ -8351,7 +9104,7 @@
 </p:sld>
 </file>
 
-<file path=ppt/slides/slide8.xml><?xml version="1.0" encoding="utf-8"?>
+<file path=ppt/slides/slide9.xml><?xml version="1.0" encoding="utf-8"?>
 <p:sld xmlns:a="http://schemas.openxmlformats.org/drawingml/2006/main" xmlns:r="http://schemas.openxmlformats.org/officeDocument/2006/relationships" xmlns:p="http://schemas.openxmlformats.org/presentationml/2006/main">
   <p:cSld>
     <p:spTree>
@@ -8385,7 +9138,7 @@
           <a:p>
             <a:r>
               <a:rPr lang="zh-CN" altLang="en-US" dirty="0" smtClean="0"/>
-              <a:t>为什么会这样</a:t>
+              <a:t>原因</a:t>
             </a:r>
             <a:endParaRPr lang="zh-CN" altLang="en-US" dirty="0"/>
           </a:p>
@@ -8624,99 +9377,6 @@
     <p:extLst>
       <p:ext uri="{BB962C8B-B14F-4D97-AF65-F5344CB8AC3E}">
         <p14:creationId xmlns:p14="http://schemas.microsoft.com/office/powerpoint/2010/main" val="529510060"/>
-      </p:ext>
-    </p:extLst>
-  </p:cSld>
-  <p:clrMapOvr>
-    <a:masterClrMapping/>
-  </p:clrMapOvr>
-</p:sld>
-</file>
-
-<file path=ppt/slides/slide9.xml><?xml version="1.0" encoding="utf-8"?>
-<p:sld xmlns:a="http://schemas.openxmlformats.org/drawingml/2006/main" xmlns:r="http://schemas.openxmlformats.org/officeDocument/2006/relationships" xmlns:p="http://schemas.openxmlformats.org/presentationml/2006/main">
-  <p:cSld>
-    <p:spTree>
-      <p:nvGrpSpPr>
-        <p:cNvPr id="1" name=""/>
-        <p:cNvGrpSpPr/>
-        <p:nvPr/>
-      </p:nvGrpSpPr>
-      <p:grpSpPr>
-        <a:xfrm>
-          <a:off x="0" y="0"/>
-          <a:ext cx="0" cy="0"/>
-          <a:chOff x="0" y="0"/>
-          <a:chExt cx="0" cy="0"/>
-        </a:xfrm>
-      </p:grpSpPr>
-      <p:sp>
-        <p:nvSpPr>
-          <p:cNvPr id="2" name="标题 1"/>
-          <p:cNvSpPr>
-            <a:spLocks noGrp="1"/>
-          </p:cNvSpPr>
-          <p:nvPr>
-            <p:ph type="title"/>
-          </p:nvPr>
-        </p:nvSpPr>
-        <p:spPr/>
-        <p:txBody>
-          <a:bodyPr/>
-          <a:lstStyle/>
-          <a:p>
-            <a:r>
-              <a:rPr lang="zh-CN" altLang="en-US" dirty="0" smtClean="0"/>
-              <a:t>难点</a:t>
-            </a:r>
-            <a:endParaRPr lang="zh-CN" altLang="en-US" dirty="0"/>
-          </a:p>
-        </p:txBody>
-      </p:sp>
-      <p:sp>
-        <p:nvSpPr>
-          <p:cNvPr id="3" name="内容占位符 2"/>
-          <p:cNvSpPr>
-            <a:spLocks noGrp="1"/>
-          </p:cNvSpPr>
-          <p:nvPr>
-            <p:ph idx="1"/>
-          </p:nvPr>
-        </p:nvSpPr>
-        <p:spPr/>
-        <p:txBody>
-          <a:bodyPr/>
-          <a:lstStyle/>
-          <a:p>
-            <a:r>
-              <a:rPr lang="zh-CN" altLang="en-US" dirty="0" smtClean="0"/>
-              <a:t>敏感的代价是持续误报</a:t>
-            </a:r>
-            <a:endParaRPr lang="en-US" altLang="zh-CN" dirty="0" smtClean="0"/>
-          </a:p>
-          <a:p>
-            <a:r>
-              <a:rPr lang="zh-CN" altLang="en-US" dirty="0" smtClean="0"/>
-              <a:t>模型对异常炉况检测的灵敏与在线运行的鲁棒之间权衡很困难，且需要人为设定</a:t>
-            </a:r>
-            <a:endParaRPr lang="en-US" altLang="zh-CN" dirty="0" smtClean="0"/>
-          </a:p>
-          <a:p>
-            <a:r>
-              <a:rPr lang="zh-CN" altLang="en-US" dirty="0" smtClean="0"/>
-              <a:t>迭代模型使得误报降低，但同时也对异常炉况不敏感；而且更新不够快仍然会误报</a:t>
-            </a:r>
-            <a:endParaRPr lang="en-US" altLang="zh-CN" dirty="0" smtClean="0"/>
-          </a:p>
-          <a:p>
-            <a:endParaRPr lang="en-US" altLang="zh-CN" dirty="0"/>
-          </a:p>
-        </p:txBody>
-      </p:sp>
-    </p:spTree>
-    <p:extLst>
-      <p:ext uri="{BB962C8B-B14F-4D97-AF65-F5344CB8AC3E}">
-        <p14:creationId xmlns:p14="http://schemas.microsoft.com/office/powerpoint/2010/main" val="659609611"/>
       </p:ext>
     </p:extLst>
   </p:cSld>
